--- a/Apresentação BD.pptx
+++ b/Apresentação BD.pptx
@@ -5,10 +5,17 @@
     <p:sldMasterId id="2147483648" r:id="rId1"/>
   </p:sldMasterIdLst>
   <p:notesMasterIdLst>
-    <p:notesMasterId r:id="rId3"/>
+    <p:notesMasterId r:id="rId10"/>
   </p:notesMasterIdLst>
   <p:sldIdLst>
     <p:sldId id="256" r:id="rId2"/>
+    <p:sldId id="258" r:id="rId3"/>
+    <p:sldId id="259" r:id="rId4"/>
+    <p:sldId id="260" r:id="rId5"/>
+    <p:sldId id="261" r:id="rId6"/>
+    <p:sldId id="262" r:id="rId7"/>
+    <p:sldId id="263" r:id="rId8"/>
+    <p:sldId id="264" r:id="rId9"/>
   </p:sldIdLst>
   <p:sldSz cx="12192000" cy="6858000"/>
   <p:notesSz cx="6858000" cy="9144000"/>
@@ -107,6 +114,11 @@
       </a:defRPr>
     </a:lvl9pPr>
   </p:defaultTextStyle>
+  <p:extLst>
+    <p:ext uri="{EFAFB233-063F-42B5-8137-9DF3F51BA10A}">
+      <p15:sldGuideLst xmlns:p15="http://schemas.microsoft.com/office/powerpoint/2012/main"/>
+    </p:ext>
+  </p:extLst>
 </p:presentation>
 </file>
 
@@ -192,7 +204,7 @@
           <a:p>
             <a:fld id="{0A538BEC-E331-4F1A-B277-A6186320AEFE}" type="datetimeFigureOut">
               <a:rPr lang="pt-PT" smtClean="0"/>
-              <a:t>12/01/2019</a:t>
+              <a:t>14/01/2019</a:t>
             </a:fld>
             <a:endParaRPr lang="pt-PT"/>
           </a:p>
@@ -591,7 +603,7 @@
           <a:p>
             <a:fld id="{E011CE98-2713-45F9-A806-008D9A8C3646}" type="datetimeFigureOut">
               <a:rPr lang="pt-PT" smtClean="0"/>
-              <a:t>12/01/2019</a:t>
+              <a:t>14/01/2019</a:t>
             </a:fld>
             <a:endParaRPr lang="pt-PT"/>
           </a:p>
@@ -761,7 +773,7 @@
           <a:p>
             <a:fld id="{E011CE98-2713-45F9-A806-008D9A8C3646}" type="datetimeFigureOut">
               <a:rPr lang="pt-PT" smtClean="0"/>
-              <a:t>12/01/2019</a:t>
+              <a:t>14/01/2019</a:t>
             </a:fld>
             <a:endParaRPr lang="pt-PT"/>
           </a:p>
@@ -941,7 +953,7 @@
           <a:p>
             <a:fld id="{E011CE98-2713-45F9-A806-008D9A8C3646}" type="datetimeFigureOut">
               <a:rPr lang="pt-PT" smtClean="0"/>
-              <a:t>12/01/2019</a:t>
+              <a:t>14/01/2019</a:t>
             </a:fld>
             <a:endParaRPr lang="pt-PT"/>
           </a:p>
@@ -1111,7 +1123,7 @@
           <a:p>
             <a:fld id="{E011CE98-2713-45F9-A806-008D9A8C3646}" type="datetimeFigureOut">
               <a:rPr lang="pt-PT" smtClean="0"/>
-              <a:t>12/01/2019</a:t>
+              <a:t>14/01/2019</a:t>
             </a:fld>
             <a:endParaRPr lang="pt-PT"/>
           </a:p>
@@ -1357,7 +1369,7 @@
           <a:p>
             <a:fld id="{E011CE98-2713-45F9-A806-008D9A8C3646}" type="datetimeFigureOut">
               <a:rPr lang="pt-PT" smtClean="0"/>
-              <a:t>12/01/2019</a:t>
+              <a:t>14/01/2019</a:t>
             </a:fld>
             <a:endParaRPr lang="pt-PT"/>
           </a:p>
@@ -1589,7 +1601,7 @@
           <a:p>
             <a:fld id="{E011CE98-2713-45F9-A806-008D9A8C3646}" type="datetimeFigureOut">
               <a:rPr lang="pt-PT" smtClean="0"/>
-              <a:t>12/01/2019</a:t>
+              <a:t>14/01/2019</a:t>
             </a:fld>
             <a:endParaRPr lang="pt-PT"/>
           </a:p>
@@ -1956,7 +1968,7 @@
           <a:p>
             <a:fld id="{E011CE98-2713-45F9-A806-008D9A8C3646}" type="datetimeFigureOut">
               <a:rPr lang="pt-PT" smtClean="0"/>
-              <a:t>12/01/2019</a:t>
+              <a:t>14/01/2019</a:t>
             </a:fld>
             <a:endParaRPr lang="pt-PT"/>
           </a:p>
@@ -2074,7 +2086,7 @@
           <a:p>
             <a:fld id="{E011CE98-2713-45F9-A806-008D9A8C3646}" type="datetimeFigureOut">
               <a:rPr lang="pt-PT" smtClean="0"/>
-              <a:t>12/01/2019</a:t>
+              <a:t>14/01/2019</a:t>
             </a:fld>
             <a:endParaRPr lang="pt-PT"/>
           </a:p>
@@ -2169,7 +2181,7 @@
           <a:p>
             <a:fld id="{E011CE98-2713-45F9-A806-008D9A8C3646}" type="datetimeFigureOut">
               <a:rPr lang="pt-PT" smtClean="0"/>
-              <a:t>12/01/2019</a:t>
+              <a:t>14/01/2019</a:t>
             </a:fld>
             <a:endParaRPr lang="pt-PT"/>
           </a:p>
@@ -2446,7 +2458,7 @@
           <a:p>
             <a:fld id="{E011CE98-2713-45F9-A806-008D9A8C3646}" type="datetimeFigureOut">
               <a:rPr lang="pt-PT" smtClean="0"/>
-              <a:t>12/01/2019</a:t>
+              <a:t>14/01/2019</a:t>
             </a:fld>
             <a:endParaRPr lang="pt-PT"/>
           </a:p>
@@ -2699,7 +2711,7 @@
           <a:p>
             <a:fld id="{E011CE98-2713-45F9-A806-008D9A8C3646}" type="datetimeFigureOut">
               <a:rPr lang="pt-PT" smtClean="0"/>
-              <a:t>12/01/2019</a:t>
+              <a:t>14/01/2019</a:t>
             </a:fld>
             <a:endParaRPr lang="pt-PT"/>
           </a:p>
@@ -2912,7 +2924,7 @@
           <a:p>
             <a:fld id="{E011CE98-2713-45F9-A806-008D9A8C3646}" type="datetimeFigureOut">
               <a:rPr lang="pt-PT" smtClean="0"/>
-              <a:t>12/01/2019</a:t>
+              <a:t>14/01/2019</a:t>
             </a:fld>
             <a:endParaRPr lang="pt-PT"/>
           </a:p>
@@ -3488,6 +3500,1001 @@
       </p:par>
     </p:tnLst>
   </p:timing>
+</p:sld>
+</file>
+
+<file path=ppt/slides/slide2.xml><?xml version="1.0" encoding="utf-8"?>
+<p:sld xmlns:a="http://schemas.openxmlformats.org/drawingml/2006/main" xmlns:r="http://schemas.openxmlformats.org/officeDocument/2006/relationships" xmlns:p="http://schemas.openxmlformats.org/presentationml/2006/main">
+  <p:cSld>
+    <p:spTree>
+      <p:nvGrpSpPr>
+        <p:cNvPr id="1" name=""/>
+        <p:cNvGrpSpPr/>
+        <p:nvPr/>
+      </p:nvGrpSpPr>
+      <p:grpSpPr>
+        <a:xfrm>
+          <a:off x="0" y="0"/>
+          <a:ext cx="0" cy="0"/>
+          <a:chOff x="0" y="0"/>
+          <a:chExt cx="0" cy="0"/>
+        </a:xfrm>
+      </p:grpSpPr>
+      <p:sp>
+        <p:nvSpPr>
+          <p:cNvPr id="2" name="Título 1"/>
+          <p:cNvSpPr>
+            <a:spLocks noGrp="1"/>
+          </p:cNvSpPr>
+          <p:nvPr>
+            <p:ph type="title"/>
+          </p:nvPr>
+        </p:nvSpPr>
+        <p:spPr/>
+        <p:txBody>
+          <a:bodyPr/>
+          <a:lstStyle/>
+          <a:p>
+            <a:r>
+              <a:rPr lang="pt-PT" dirty="0" smtClean="0"/>
+              <a:t>Introdução</a:t>
+            </a:r>
+            <a:endParaRPr lang="pt-PT" dirty="0"/>
+          </a:p>
+        </p:txBody>
+      </p:sp>
+      <p:sp>
+        <p:nvSpPr>
+          <p:cNvPr id="3" name="Marcador de Posição de Conteúdo 2"/>
+          <p:cNvSpPr>
+            <a:spLocks noGrp="1"/>
+          </p:cNvSpPr>
+          <p:nvPr>
+            <p:ph idx="1"/>
+          </p:nvPr>
+        </p:nvSpPr>
+        <p:spPr/>
+        <p:txBody>
+          <a:bodyPr/>
+          <a:lstStyle/>
+          <a:p>
+            <a:r>
+              <a:rPr lang="pt-PT" dirty="0" smtClean="0"/>
+              <a:t>O tema do trabalho é “Mercado de Compra e Vendas Online”</a:t>
+            </a:r>
+          </a:p>
+          <a:p>
+            <a:r>
+              <a:rPr lang="pt-PT" dirty="0" smtClean="0"/>
+              <a:t>O site “Amazon” serviu de inspiração para o trabalho, já que é uma das maiores empresas do mundo</a:t>
+            </a:r>
+          </a:p>
+          <a:p>
+            <a:r>
+              <a:rPr lang="pt-PT" dirty="0" smtClean="0"/>
+              <a:t>Objetivo principal é o desenvolvimento e gestão de uma base de dados</a:t>
+            </a:r>
+          </a:p>
+          <a:p>
+            <a:r>
+              <a:rPr lang="pt-PT" dirty="0" smtClean="0"/>
+              <a:t>A base de dados permite múltiplo acesso, flexibilidade, resposta rápida aos pedidos de acesso e integridade da informação, apesar do seu custo elevado.</a:t>
+            </a:r>
+          </a:p>
+          <a:p>
+            <a:endParaRPr lang="pt-PT" dirty="0"/>
+          </a:p>
+        </p:txBody>
+      </p:sp>
+    </p:spTree>
+    <p:extLst>
+      <p:ext uri="{BB962C8B-B14F-4D97-AF65-F5344CB8AC3E}">
+        <p14:creationId xmlns:p14="http://schemas.microsoft.com/office/powerpoint/2010/main" val="571312949"/>
+      </p:ext>
+    </p:extLst>
+  </p:cSld>
+  <p:clrMapOvr>
+    <a:masterClrMapping/>
+  </p:clrMapOvr>
+</p:sld>
+</file>
+
+<file path=ppt/slides/slide3.xml><?xml version="1.0" encoding="utf-8"?>
+<p:sld xmlns:a="http://schemas.openxmlformats.org/drawingml/2006/main" xmlns:r="http://schemas.openxmlformats.org/officeDocument/2006/relationships" xmlns:p="http://schemas.openxmlformats.org/presentationml/2006/main">
+  <p:cSld>
+    <p:spTree>
+      <p:nvGrpSpPr>
+        <p:cNvPr id="1" name=""/>
+        <p:cNvGrpSpPr/>
+        <p:nvPr/>
+      </p:nvGrpSpPr>
+      <p:grpSpPr>
+        <a:xfrm>
+          <a:off x="0" y="0"/>
+          <a:ext cx="0" cy="0"/>
+          <a:chOff x="0" y="0"/>
+          <a:chExt cx="0" cy="0"/>
+        </a:xfrm>
+      </p:grpSpPr>
+      <p:sp>
+        <p:nvSpPr>
+          <p:cNvPr id="2" name="Título 1"/>
+          <p:cNvSpPr>
+            <a:spLocks noGrp="1"/>
+          </p:cNvSpPr>
+          <p:nvPr>
+            <p:ph type="title"/>
+          </p:nvPr>
+        </p:nvSpPr>
+        <p:spPr/>
+        <p:txBody>
+          <a:bodyPr/>
+          <a:lstStyle/>
+          <a:p>
+            <a:r>
+              <a:rPr lang="pt-PT" dirty="0" smtClean="0"/>
+              <a:t>Levantamento e análise de requisitos</a:t>
+            </a:r>
+            <a:endParaRPr lang="pt-PT" dirty="0"/>
+          </a:p>
+        </p:txBody>
+      </p:sp>
+      <p:sp>
+        <p:nvSpPr>
+          <p:cNvPr id="3" name="Marcador de Posição de Conteúdo 2"/>
+          <p:cNvSpPr>
+            <a:spLocks noGrp="1"/>
+          </p:cNvSpPr>
+          <p:nvPr>
+            <p:ph idx="1"/>
+          </p:nvPr>
+        </p:nvSpPr>
+        <p:spPr/>
+        <p:txBody>
+          <a:bodyPr/>
+          <a:lstStyle/>
+          <a:p>
+            <a:r>
+              <a:rPr lang="pt-PT" dirty="0" smtClean="0"/>
+              <a:t>Métodos de levantamento e análise de requisitos adotados</a:t>
+            </a:r>
+          </a:p>
+          <a:p>
+            <a:pPr marL="0" indent="0">
+              <a:buNone/>
+            </a:pPr>
+            <a:r>
+              <a:rPr lang="pt-PT" sz="1800" dirty="0" smtClean="0"/>
+              <a:t>Para encontrar os requisitos foi seguida uma abordagem centralizada. Foram identificados dois tipos de utilizadores na base de dados.</a:t>
+            </a:r>
+          </a:p>
+          <a:p>
+            <a:r>
+              <a:rPr lang="pt-PT" dirty="0" smtClean="0"/>
+              <a:t>Requisitos Levantados</a:t>
+            </a:r>
+            <a:endParaRPr lang="pt-PT" sz="1800" dirty="0" smtClean="0"/>
+          </a:p>
+          <a:p>
+            <a:pPr lvl="1"/>
+            <a:r>
+              <a:rPr lang="pt-PT" dirty="0" smtClean="0"/>
+              <a:t>Requisitos de Descrição</a:t>
+            </a:r>
+          </a:p>
+          <a:p>
+            <a:pPr marL="457200" lvl="1" indent="0">
+              <a:buNone/>
+            </a:pPr>
+            <a:r>
+              <a:rPr lang="pt-PT" sz="1800" dirty="0" smtClean="0"/>
+              <a:t>Caraterísticas de cada entidade</a:t>
+            </a:r>
+          </a:p>
+          <a:p>
+            <a:pPr lvl="1"/>
+            <a:r>
+              <a:rPr lang="pt-PT" dirty="0" smtClean="0"/>
+              <a:t>Requisitos de exploração</a:t>
+            </a:r>
+          </a:p>
+          <a:p>
+            <a:pPr marL="457200" lvl="1" indent="0">
+              <a:buNone/>
+            </a:pPr>
+            <a:r>
+              <a:rPr lang="pt-PT" sz="1800" dirty="0" smtClean="0"/>
+              <a:t>Permissão de cada utilizador para pesquisar no sistema</a:t>
+            </a:r>
+          </a:p>
+          <a:p>
+            <a:pPr lvl="1"/>
+            <a:r>
+              <a:rPr lang="pt-PT" dirty="0" smtClean="0"/>
+              <a:t>Requisitos de Controlo</a:t>
+            </a:r>
+          </a:p>
+          <a:p>
+            <a:pPr marL="457200" lvl="1" indent="0">
+              <a:buNone/>
+            </a:pPr>
+            <a:r>
+              <a:rPr lang="pt-PT" sz="1800" dirty="0" smtClean="0"/>
+              <a:t>Permissão de cada utilizador para editar informação da base de dados</a:t>
+            </a:r>
+            <a:endParaRPr lang="pt-PT" sz="1800" dirty="0"/>
+          </a:p>
+        </p:txBody>
+      </p:sp>
+    </p:spTree>
+    <p:extLst>
+      <p:ext uri="{BB962C8B-B14F-4D97-AF65-F5344CB8AC3E}">
+        <p14:creationId xmlns:p14="http://schemas.microsoft.com/office/powerpoint/2010/main" val="2597304738"/>
+      </p:ext>
+    </p:extLst>
+  </p:cSld>
+  <p:clrMapOvr>
+    <a:masterClrMapping/>
+  </p:clrMapOvr>
+</p:sld>
+</file>
+
+<file path=ppt/slides/slide4.xml><?xml version="1.0" encoding="utf-8"?>
+<p:sld xmlns:a="http://schemas.openxmlformats.org/drawingml/2006/main" xmlns:r="http://schemas.openxmlformats.org/officeDocument/2006/relationships" xmlns:p="http://schemas.openxmlformats.org/presentationml/2006/main">
+  <p:cSld>
+    <p:spTree>
+      <p:nvGrpSpPr>
+        <p:cNvPr id="1" name=""/>
+        <p:cNvGrpSpPr/>
+        <p:nvPr/>
+      </p:nvGrpSpPr>
+      <p:grpSpPr>
+        <a:xfrm>
+          <a:off x="0" y="0"/>
+          <a:ext cx="0" cy="0"/>
+          <a:chOff x="0" y="0"/>
+          <a:chExt cx="0" cy="0"/>
+        </a:xfrm>
+      </p:grpSpPr>
+      <p:sp>
+        <p:nvSpPr>
+          <p:cNvPr id="2" name="Título 1"/>
+          <p:cNvSpPr>
+            <a:spLocks noGrp="1"/>
+          </p:cNvSpPr>
+          <p:nvPr>
+            <p:ph type="title"/>
+          </p:nvPr>
+        </p:nvSpPr>
+        <p:spPr/>
+        <p:txBody>
+          <a:bodyPr/>
+          <a:lstStyle/>
+          <a:p>
+            <a:r>
+              <a:rPr lang="pt-PT" dirty="0" smtClean="0"/>
+              <a:t>Esquema Concetual</a:t>
+            </a:r>
+            <a:endParaRPr lang="pt-PT" dirty="0"/>
+          </a:p>
+        </p:txBody>
+      </p:sp>
+      <p:pic>
+        <p:nvPicPr>
+          <p:cNvPr id="4" name="Marcador de Posição de Conteúdo 3"/>
+          <p:cNvPicPr>
+            <a:picLocks noGrp="1"/>
+          </p:cNvPicPr>
+          <p:nvPr>
+            <p:ph idx="1"/>
+          </p:nvPr>
+        </p:nvPicPr>
+        <p:blipFill>
+          <a:blip r:embed="rId2">
+            <a:extLst>
+              <a:ext uri="{28A0092B-C50C-407E-A947-70E740481C1C}">
+                <a14:useLocalDpi xmlns:a14="http://schemas.microsoft.com/office/drawing/2010/main" val="0"/>
+              </a:ext>
+            </a:extLst>
+          </a:blip>
+          <a:stretch>
+            <a:fillRect/>
+          </a:stretch>
+        </p:blipFill>
+        <p:spPr>
+          <a:xfrm>
+            <a:off x="6096000" y="1690688"/>
+            <a:ext cx="5623267" cy="3483478"/>
+          </a:xfrm>
+          <a:prstGeom prst="rect">
+            <a:avLst/>
+          </a:prstGeom>
+        </p:spPr>
+      </p:pic>
+      <p:sp>
+        <p:nvSpPr>
+          <p:cNvPr id="5" name="CaixaDeTexto 4"/>
+          <p:cNvSpPr txBox="1"/>
+          <p:nvPr/>
+        </p:nvSpPr>
+        <p:spPr>
+          <a:xfrm>
+            <a:off x="202580" y="1828799"/>
+            <a:ext cx="5361878" cy="2031325"/>
+          </a:xfrm>
+          <a:prstGeom prst="rect">
+            <a:avLst/>
+          </a:prstGeom>
+          <a:noFill/>
+        </p:spPr>
+        <p:txBody>
+          <a:bodyPr wrap="square" rtlCol="0">
+            <a:spAutoFit/>
+          </a:bodyPr>
+          <a:lstStyle/>
+          <a:p>
+            <a:pPr marL="285750" indent="-285750">
+              <a:buFont typeface="Arial" panose="020B0604020202020204" pitchFamily="34" charset="0"/>
+              <a:buChar char="•"/>
+            </a:pPr>
+            <a:r>
+              <a:rPr lang="pt-PT" dirty="0" smtClean="0"/>
+              <a:t>Abordagem de modelação realizada</a:t>
+            </a:r>
+          </a:p>
+          <a:p>
+            <a:pPr marL="285750" indent="-285750">
+              <a:buFont typeface="Arial" panose="020B0604020202020204" pitchFamily="34" charset="0"/>
+              <a:buChar char="•"/>
+            </a:pPr>
+            <a:r>
+              <a:rPr lang="pt-PT" dirty="0" smtClean="0"/>
+              <a:t>Identificação e caraterização de entidades</a:t>
+            </a:r>
+          </a:p>
+          <a:p>
+            <a:pPr marL="285750" indent="-285750">
+              <a:buFont typeface="Arial" panose="020B0604020202020204" pitchFamily="34" charset="0"/>
+              <a:buChar char="•"/>
+            </a:pPr>
+            <a:r>
+              <a:rPr lang="pt-PT" dirty="0" smtClean="0"/>
+              <a:t>Identificação e caraterização de relacionamentos</a:t>
+            </a:r>
+          </a:p>
+          <a:p>
+            <a:pPr marL="285750" indent="-285750">
+              <a:buFont typeface="Arial" panose="020B0604020202020204" pitchFamily="34" charset="0"/>
+              <a:buChar char="•"/>
+            </a:pPr>
+            <a:r>
+              <a:rPr lang="pt-PT" dirty="0" smtClean="0"/>
+              <a:t>Identificação das Associações dos atributos</a:t>
+            </a:r>
+          </a:p>
+          <a:p>
+            <a:pPr marL="285750" indent="-285750">
+              <a:buFont typeface="Arial" panose="020B0604020202020204" pitchFamily="34" charset="0"/>
+              <a:buChar char="•"/>
+            </a:pPr>
+            <a:r>
+              <a:rPr lang="pt-PT" dirty="0" smtClean="0"/>
+              <a:t>Detalhe ou generalização de entidades</a:t>
+            </a:r>
+          </a:p>
+          <a:p>
+            <a:pPr marL="285750" indent="-285750">
+              <a:buFont typeface="Arial" panose="020B0604020202020204" pitchFamily="34" charset="0"/>
+              <a:buChar char="•"/>
+            </a:pPr>
+            <a:r>
+              <a:rPr lang="pt-PT" dirty="0" smtClean="0"/>
+              <a:t>Apresentação do esquema concetual</a:t>
+            </a:r>
+          </a:p>
+          <a:p>
+            <a:pPr marL="285750" indent="-285750">
+              <a:buFont typeface="Arial" panose="020B0604020202020204" pitchFamily="34" charset="0"/>
+              <a:buChar char="•"/>
+            </a:pPr>
+            <a:r>
+              <a:rPr lang="pt-PT" dirty="0" smtClean="0"/>
+              <a:t>Validação do esquema com o cliente</a:t>
+            </a:r>
+            <a:endParaRPr lang="pt-PT" dirty="0"/>
+          </a:p>
+        </p:txBody>
+      </p:sp>
+    </p:spTree>
+    <p:extLst>
+      <p:ext uri="{BB962C8B-B14F-4D97-AF65-F5344CB8AC3E}">
+        <p14:creationId xmlns:p14="http://schemas.microsoft.com/office/powerpoint/2010/main" val="2316649488"/>
+      </p:ext>
+    </p:extLst>
+  </p:cSld>
+  <p:clrMapOvr>
+    <a:masterClrMapping/>
+  </p:clrMapOvr>
+</p:sld>
+</file>
+
+<file path=ppt/slides/slide5.xml><?xml version="1.0" encoding="utf-8"?>
+<p:sld xmlns:a="http://schemas.openxmlformats.org/drawingml/2006/main" xmlns:r="http://schemas.openxmlformats.org/officeDocument/2006/relationships" xmlns:p="http://schemas.openxmlformats.org/presentationml/2006/main">
+  <p:cSld>
+    <p:spTree>
+      <p:nvGrpSpPr>
+        <p:cNvPr id="1" name=""/>
+        <p:cNvGrpSpPr/>
+        <p:nvPr/>
+      </p:nvGrpSpPr>
+      <p:grpSpPr>
+        <a:xfrm>
+          <a:off x="0" y="0"/>
+          <a:ext cx="0" cy="0"/>
+          <a:chOff x="0" y="0"/>
+          <a:chExt cx="0" cy="0"/>
+        </a:xfrm>
+      </p:grpSpPr>
+      <p:sp>
+        <p:nvSpPr>
+          <p:cNvPr id="2" name="Título 1"/>
+          <p:cNvSpPr>
+            <a:spLocks noGrp="1"/>
+          </p:cNvSpPr>
+          <p:nvPr>
+            <p:ph type="title"/>
+          </p:nvPr>
+        </p:nvSpPr>
+        <p:spPr/>
+        <p:txBody>
+          <a:bodyPr/>
+          <a:lstStyle/>
+          <a:p>
+            <a:r>
+              <a:rPr lang="pt-PT" dirty="0" smtClean="0"/>
+              <a:t>Esquema Lógico </a:t>
+            </a:r>
+            <a:endParaRPr lang="pt-PT" dirty="0"/>
+          </a:p>
+        </p:txBody>
+      </p:sp>
+      <p:pic>
+        <p:nvPicPr>
+          <p:cNvPr id="4" name="Marcador de Posição de Conteúdo 3"/>
+          <p:cNvPicPr>
+            <a:picLocks noGrp="1" noChangeAspect="1"/>
+          </p:cNvPicPr>
+          <p:nvPr>
+            <p:ph idx="1"/>
+          </p:nvPr>
+        </p:nvPicPr>
+        <p:blipFill>
+          <a:blip r:embed="rId2">
+            <a:extLst>
+              <a:ext uri="{28A0092B-C50C-407E-A947-70E740481C1C}">
+                <a14:useLocalDpi xmlns:a14="http://schemas.microsoft.com/office/drawing/2010/main" val="0"/>
+              </a:ext>
+            </a:extLst>
+          </a:blip>
+          <a:stretch>
+            <a:fillRect/>
+          </a:stretch>
+        </p:blipFill>
+        <p:spPr>
+          <a:xfrm>
+            <a:off x="6937917" y="1690688"/>
+            <a:ext cx="5140711" cy="4351338"/>
+          </a:xfrm>
+        </p:spPr>
+      </p:pic>
+      <p:sp>
+        <p:nvSpPr>
+          <p:cNvPr id="5" name="CaixaDeTexto 4"/>
+          <p:cNvSpPr txBox="1"/>
+          <p:nvPr/>
+        </p:nvSpPr>
+        <p:spPr>
+          <a:xfrm>
+            <a:off x="468351" y="1895708"/>
+            <a:ext cx="5787482" cy="1754326"/>
+          </a:xfrm>
+          <a:prstGeom prst="rect">
+            <a:avLst/>
+          </a:prstGeom>
+          <a:noFill/>
+        </p:spPr>
+        <p:txBody>
+          <a:bodyPr wrap="square" rtlCol="0">
+            <a:spAutoFit/>
+          </a:bodyPr>
+          <a:lstStyle/>
+          <a:p>
+            <a:pPr marL="285750" indent="-285750">
+              <a:buFont typeface="Arial" panose="020B0604020202020204" pitchFamily="34" charset="0"/>
+              <a:buChar char="•"/>
+            </a:pPr>
+            <a:r>
+              <a:rPr lang="pt-PT" dirty="0" smtClean="0"/>
+              <a:t>Construção e validação do modelo de dados lógico</a:t>
+            </a:r>
+          </a:p>
+          <a:p>
+            <a:pPr marL="285750" indent="-285750">
+              <a:buFont typeface="Arial" panose="020B0604020202020204" pitchFamily="34" charset="0"/>
+              <a:buChar char="•"/>
+            </a:pPr>
+            <a:r>
+              <a:rPr lang="pt-PT" dirty="0" smtClean="0"/>
+              <a:t>Desenho do modelo lógico</a:t>
+            </a:r>
+          </a:p>
+          <a:p>
+            <a:pPr marL="285750" indent="-285750">
+              <a:buFont typeface="Arial" panose="020B0604020202020204" pitchFamily="34" charset="0"/>
+              <a:buChar char="•"/>
+            </a:pPr>
+            <a:r>
+              <a:rPr lang="pt-PT" dirty="0" smtClean="0"/>
+              <a:t>Validação do modelo através da normalização</a:t>
+            </a:r>
+          </a:p>
+          <a:p>
+            <a:pPr marL="285750" indent="-285750">
+              <a:buFont typeface="Arial" panose="020B0604020202020204" pitchFamily="34" charset="0"/>
+              <a:buChar char="•"/>
+            </a:pPr>
+            <a:r>
+              <a:rPr lang="pt-PT" dirty="0" smtClean="0"/>
+              <a:t>Validação do modelo com interrogações do utilizador</a:t>
+            </a:r>
+          </a:p>
+          <a:p>
+            <a:pPr marL="285750" indent="-285750">
+              <a:buFont typeface="Arial" panose="020B0604020202020204" pitchFamily="34" charset="0"/>
+              <a:buChar char="•"/>
+            </a:pPr>
+            <a:r>
+              <a:rPr lang="pt-PT" dirty="0" smtClean="0"/>
+              <a:t>Validação do modelo com transações estabelecidas</a:t>
+            </a:r>
+          </a:p>
+          <a:p>
+            <a:pPr marL="285750" indent="-285750">
+              <a:buFont typeface="Arial" panose="020B0604020202020204" pitchFamily="34" charset="0"/>
+              <a:buChar char="•"/>
+            </a:pPr>
+            <a:r>
+              <a:rPr lang="pt-PT" dirty="0" smtClean="0"/>
+              <a:t>Revisão do modelo lógico com o utilizador</a:t>
+            </a:r>
+            <a:endParaRPr lang="pt-PT" dirty="0"/>
+          </a:p>
+        </p:txBody>
+      </p:sp>
+    </p:spTree>
+    <p:extLst>
+      <p:ext uri="{BB962C8B-B14F-4D97-AF65-F5344CB8AC3E}">
+        <p14:creationId xmlns:p14="http://schemas.microsoft.com/office/powerpoint/2010/main" val="2048077284"/>
+      </p:ext>
+    </p:extLst>
+  </p:cSld>
+  <p:clrMapOvr>
+    <a:masterClrMapping/>
+  </p:clrMapOvr>
+</p:sld>
+</file>
+
+<file path=ppt/slides/slide6.xml><?xml version="1.0" encoding="utf-8"?>
+<p:sld xmlns:a="http://schemas.openxmlformats.org/drawingml/2006/main" xmlns:r="http://schemas.openxmlformats.org/officeDocument/2006/relationships" xmlns:p="http://schemas.openxmlformats.org/presentationml/2006/main">
+  <p:cSld>
+    <p:spTree>
+      <p:nvGrpSpPr>
+        <p:cNvPr id="1" name=""/>
+        <p:cNvGrpSpPr/>
+        <p:nvPr/>
+      </p:nvGrpSpPr>
+      <p:grpSpPr>
+        <a:xfrm>
+          <a:off x="0" y="0"/>
+          <a:ext cx="0" cy="0"/>
+          <a:chOff x="0" y="0"/>
+          <a:chExt cx="0" cy="0"/>
+        </a:xfrm>
+      </p:grpSpPr>
+      <p:sp>
+        <p:nvSpPr>
+          <p:cNvPr id="2" name="Título 1"/>
+          <p:cNvSpPr>
+            <a:spLocks noGrp="1"/>
+          </p:cNvSpPr>
+          <p:nvPr>
+            <p:ph type="title"/>
+          </p:nvPr>
+        </p:nvSpPr>
+        <p:spPr>
+          <a:xfrm>
+            <a:off x="838200" y="275916"/>
+            <a:ext cx="10515600" cy="1325563"/>
+          </a:xfrm>
+        </p:spPr>
+        <p:txBody>
+          <a:bodyPr/>
+          <a:lstStyle/>
+          <a:p>
+            <a:r>
+              <a:rPr lang="pt-PT" dirty="0" smtClean="0"/>
+              <a:t>Esquema Físico</a:t>
+            </a:r>
+            <a:endParaRPr lang="pt-PT" dirty="0"/>
+          </a:p>
+        </p:txBody>
+      </p:sp>
+      <p:sp>
+        <p:nvSpPr>
+          <p:cNvPr id="3" name="Marcador de Posição de Conteúdo 2"/>
+          <p:cNvSpPr>
+            <a:spLocks noGrp="1"/>
+          </p:cNvSpPr>
+          <p:nvPr>
+            <p:ph idx="1"/>
+          </p:nvPr>
+        </p:nvSpPr>
+        <p:spPr>
+          <a:xfrm>
+            <a:off x="838200" y="1654059"/>
+            <a:ext cx="5216912" cy="4720141"/>
+          </a:xfrm>
+        </p:spPr>
+        <p:txBody>
+          <a:bodyPr>
+            <a:normAutofit/>
+          </a:bodyPr>
+          <a:lstStyle/>
+          <a:p>
+            <a:r>
+              <a:rPr lang="pt-PT" sz="1800" dirty="0" smtClean="0"/>
+              <a:t>Seleção do sistema de gestão de bases de dados</a:t>
+            </a:r>
+          </a:p>
+          <a:p>
+            <a:r>
+              <a:rPr lang="pt-PT" sz="1800" dirty="0" smtClean="0"/>
+              <a:t>Tradução do esquema lógico para o sistema de gestão de bases de dados escolhido em SQL</a:t>
+            </a:r>
+          </a:p>
+          <a:p>
+            <a:r>
+              <a:rPr lang="pt-PT" sz="1800" dirty="0"/>
+              <a:t>Tradução das interrogações do utilizador para </a:t>
+            </a:r>
+            <a:r>
+              <a:rPr lang="pt-PT" sz="1800" dirty="0" smtClean="0"/>
+              <a:t>SQL</a:t>
+            </a:r>
+          </a:p>
+          <a:p>
+            <a:r>
+              <a:rPr lang="pt-PT" sz="1800" dirty="0"/>
+              <a:t>Tradução das transações estabelecidas para </a:t>
+            </a:r>
+            <a:r>
+              <a:rPr lang="pt-PT" sz="1800" dirty="0" smtClean="0"/>
+              <a:t>SQL</a:t>
+            </a:r>
+          </a:p>
+          <a:p>
+            <a:r>
+              <a:rPr lang="pt-PT" sz="1800" dirty="0"/>
+              <a:t>Escolha, definição e caracterização de índices em </a:t>
+            </a:r>
+            <a:r>
+              <a:rPr lang="pt-PT" sz="1800" dirty="0" smtClean="0"/>
+              <a:t>SQL</a:t>
+            </a:r>
+          </a:p>
+          <a:p>
+            <a:r>
+              <a:rPr lang="pt-PT" sz="1800" dirty="0"/>
+              <a:t>Estimativa do espaço em disco da base de dados e taxa de crescimento </a:t>
+            </a:r>
+            <a:r>
+              <a:rPr lang="pt-PT" sz="1800" dirty="0" smtClean="0"/>
+              <a:t>anual</a:t>
+            </a:r>
+          </a:p>
+          <a:p>
+            <a:r>
+              <a:rPr lang="pt-PT" sz="1800" dirty="0"/>
+              <a:t>Definição e caracterização das vistas de utilização em </a:t>
+            </a:r>
+            <a:r>
+              <a:rPr lang="pt-PT" sz="1800" dirty="0" smtClean="0"/>
+              <a:t>SQL</a:t>
+            </a:r>
+          </a:p>
+          <a:p>
+            <a:r>
+              <a:rPr lang="pt-PT" sz="1800" dirty="0"/>
+              <a:t>Definição e caracterização dos mecanismos de segurança em </a:t>
+            </a:r>
+            <a:r>
+              <a:rPr lang="pt-PT" sz="1800" dirty="0" smtClean="0"/>
+              <a:t>SQL</a:t>
+            </a:r>
+          </a:p>
+          <a:p>
+            <a:r>
+              <a:rPr lang="pt-PT" sz="1800" dirty="0"/>
+              <a:t>Revisão do sistema implementado com o utilizador</a:t>
+            </a:r>
+            <a:endParaRPr lang="pt-PT" sz="1800" dirty="0"/>
+          </a:p>
+        </p:txBody>
+      </p:sp>
+      <p:pic>
+        <p:nvPicPr>
+          <p:cNvPr id="1026" name="Picture 2" descr="Transação"/>
+          <p:cNvPicPr>
+            <a:picLocks noChangeAspect="1" noChangeArrowheads="1"/>
+          </p:cNvPicPr>
+          <p:nvPr/>
+        </p:nvPicPr>
+        <p:blipFill>
+          <a:blip r:embed="rId2">
+            <a:extLst>
+              <a:ext uri="{28A0092B-C50C-407E-A947-70E740481C1C}">
+                <a14:useLocalDpi xmlns:a14="http://schemas.microsoft.com/office/drawing/2010/main" val="0"/>
+              </a:ext>
+            </a:extLst>
+          </a:blip>
+          <a:srcRect/>
+          <a:stretch>
+            <a:fillRect/>
+          </a:stretch>
+        </p:blipFill>
+        <p:spPr bwMode="auto">
+          <a:xfrm>
+            <a:off x="6055112" y="954708"/>
+            <a:ext cx="5343525" cy="1524000"/>
+          </a:xfrm>
+          <a:prstGeom prst="rect">
+            <a:avLst/>
+          </a:prstGeom>
+          <a:noFill/>
+          <a:ln>
+            <a:noFill/>
+          </a:ln>
+          <a:extLst>
+            <a:ext uri="{909E8E84-426E-40DD-AFC4-6F175D3DCCD1}">
+              <a14:hiddenFill xmlns:a14="http://schemas.microsoft.com/office/drawing/2010/main">
+                <a:solidFill>
+                  <a:srgbClr val="FFFFFF"/>
+                </a:solidFill>
+              </a14:hiddenFill>
+            </a:ext>
+            <a:ext uri="{91240B29-F687-4F45-9708-019B960494DF}">
+              <a14:hiddenLine xmlns:a14="http://schemas.microsoft.com/office/drawing/2010/main" w="9525">
+                <a:solidFill>
+                  <a:srgbClr val="000000"/>
+                </a:solidFill>
+                <a:miter lim="800000"/>
+                <a:headEnd/>
+                <a:tailEnd/>
+              </a14:hiddenLine>
+            </a:ext>
+          </a:extLst>
+        </p:spPr>
+      </p:pic>
+      <p:pic>
+        <p:nvPicPr>
+          <p:cNvPr id="5" name="Imagem 4"/>
+          <p:cNvPicPr/>
+          <p:nvPr/>
+        </p:nvPicPr>
+        <p:blipFill>
+          <a:blip r:embed="rId3">
+            <a:extLst>
+              <a:ext uri="{28A0092B-C50C-407E-A947-70E740481C1C}">
+                <a14:useLocalDpi xmlns:a14="http://schemas.microsoft.com/office/drawing/2010/main" val="0"/>
+              </a:ext>
+            </a:extLst>
+          </a:blip>
+          <a:stretch>
+            <a:fillRect/>
+          </a:stretch>
+        </p:blipFill>
+        <p:spPr>
+          <a:xfrm>
+            <a:off x="6055112" y="2478708"/>
+            <a:ext cx="5612130" cy="2437765"/>
+          </a:xfrm>
+          <a:prstGeom prst="rect">
+            <a:avLst/>
+          </a:prstGeom>
+        </p:spPr>
+      </p:pic>
+      <p:pic>
+        <p:nvPicPr>
+          <p:cNvPr id="6" name="Imagem 5"/>
+          <p:cNvPicPr/>
+          <p:nvPr/>
+        </p:nvPicPr>
+        <p:blipFill>
+          <a:blip r:embed="rId4">
+            <a:extLst>
+              <a:ext uri="{28A0092B-C50C-407E-A947-70E740481C1C}">
+                <a14:useLocalDpi xmlns:a14="http://schemas.microsoft.com/office/drawing/2010/main" val="0"/>
+              </a:ext>
+            </a:extLst>
+          </a:blip>
+          <a:stretch>
+            <a:fillRect/>
+          </a:stretch>
+        </p:blipFill>
+        <p:spPr>
+          <a:xfrm>
+            <a:off x="6055112" y="4916473"/>
+            <a:ext cx="3971925" cy="923925"/>
+          </a:xfrm>
+          <a:prstGeom prst="rect">
+            <a:avLst/>
+          </a:prstGeom>
+        </p:spPr>
+      </p:pic>
+    </p:spTree>
+    <p:extLst>
+      <p:ext uri="{BB962C8B-B14F-4D97-AF65-F5344CB8AC3E}">
+        <p14:creationId xmlns:p14="http://schemas.microsoft.com/office/powerpoint/2010/main" val="1546348636"/>
+      </p:ext>
+    </p:extLst>
+  </p:cSld>
+  <p:clrMapOvr>
+    <a:masterClrMapping/>
+  </p:clrMapOvr>
+</p:sld>
+</file>
+
+<file path=ppt/slides/slide7.xml><?xml version="1.0" encoding="utf-8"?>
+<p:sld xmlns:a="http://schemas.openxmlformats.org/drawingml/2006/main" xmlns:r="http://schemas.openxmlformats.org/officeDocument/2006/relationships" xmlns:p="http://schemas.openxmlformats.org/presentationml/2006/main">
+  <p:cSld>
+    <p:spTree>
+      <p:nvGrpSpPr>
+        <p:cNvPr id="1" name=""/>
+        <p:cNvGrpSpPr/>
+        <p:nvPr/>
+      </p:nvGrpSpPr>
+      <p:grpSpPr>
+        <a:xfrm>
+          <a:off x="0" y="0"/>
+          <a:ext cx="0" cy="0"/>
+          <a:chOff x="0" y="0"/>
+          <a:chExt cx="0" cy="0"/>
+        </a:xfrm>
+      </p:grpSpPr>
+      <p:sp>
+        <p:nvSpPr>
+          <p:cNvPr id="2" name="Título 1"/>
+          <p:cNvSpPr>
+            <a:spLocks noGrp="1"/>
+          </p:cNvSpPr>
+          <p:nvPr>
+            <p:ph type="title"/>
+          </p:nvPr>
+        </p:nvSpPr>
+        <p:spPr/>
+        <p:txBody>
+          <a:bodyPr/>
+          <a:lstStyle/>
+          <a:p>
+            <a:r>
+              <a:rPr lang="pt-PT" dirty="0" smtClean="0"/>
+              <a:t>Migração</a:t>
+            </a:r>
+            <a:endParaRPr lang="pt-PT" dirty="0"/>
+          </a:p>
+        </p:txBody>
+      </p:sp>
+      <p:sp>
+        <p:nvSpPr>
+          <p:cNvPr id="3" name="Marcador de Posição de Conteúdo 2"/>
+          <p:cNvSpPr>
+            <a:spLocks noGrp="1"/>
+          </p:cNvSpPr>
+          <p:nvPr>
+            <p:ph idx="1"/>
+          </p:nvPr>
+        </p:nvSpPr>
+        <p:spPr/>
+        <p:txBody>
+          <a:bodyPr/>
+          <a:lstStyle/>
+          <a:p>
+            <a:endParaRPr lang="pt-PT"/>
+          </a:p>
+        </p:txBody>
+      </p:sp>
+    </p:spTree>
+    <p:extLst>
+      <p:ext uri="{BB962C8B-B14F-4D97-AF65-F5344CB8AC3E}">
+        <p14:creationId xmlns:p14="http://schemas.microsoft.com/office/powerpoint/2010/main" val="1941666973"/>
+      </p:ext>
+    </p:extLst>
+  </p:cSld>
+  <p:clrMapOvr>
+    <a:masterClrMapping/>
+  </p:clrMapOvr>
+</p:sld>
+</file>
+
+<file path=ppt/slides/slide8.xml><?xml version="1.0" encoding="utf-8"?>
+<p:sld xmlns:a="http://schemas.openxmlformats.org/drawingml/2006/main" xmlns:r="http://schemas.openxmlformats.org/officeDocument/2006/relationships" xmlns:p="http://schemas.openxmlformats.org/presentationml/2006/main">
+  <p:cSld>
+    <p:spTree>
+      <p:nvGrpSpPr>
+        <p:cNvPr id="1" name=""/>
+        <p:cNvGrpSpPr/>
+        <p:nvPr/>
+      </p:nvGrpSpPr>
+      <p:grpSpPr>
+        <a:xfrm>
+          <a:off x="0" y="0"/>
+          <a:ext cx="0" cy="0"/>
+          <a:chOff x="0" y="0"/>
+          <a:chExt cx="0" cy="0"/>
+        </a:xfrm>
+      </p:grpSpPr>
+      <p:sp>
+        <p:nvSpPr>
+          <p:cNvPr id="2" name="Título 1"/>
+          <p:cNvSpPr>
+            <a:spLocks noGrp="1"/>
+          </p:cNvSpPr>
+          <p:nvPr>
+            <p:ph type="title"/>
+          </p:nvPr>
+        </p:nvSpPr>
+        <p:spPr/>
+        <p:txBody>
+          <a:bodyPr/>
+          <a:lstStyle/>
+          <a:p>
+            <a:r>
+              <a:rPr lang="pt-PT" dirty="0" smtClean="0"/>
+              <a:t>Conclusão</a:t>
+            </a:r>
+            <a:endParaRPr lang="pt-PT" dirty="0"/>
+          </a:p>
+        </p:txBody>
+      </p:sp>
+      <p:sp>
+        <p:nvSpPr>
+          <p:cNvPr id="3" name="Marcador de Posição de Conteúdo 2"/>
+          <p:cNvSpPr>
+            <a:spLocks noGrp="1"/>
+          </p:cNvSpPr>
+          <p:nvPr>
+            <p:ph idx="1"/>
+          </p:nvPr>
+        </p:nvSpPr>
+        <p:spPr/>
+        <p:txBody>
+          <a:bodyPr/>
+          <a:lstStyle/>
+          <a:p>
+            <a:endParaRPr lang="pt-PT"/>
+          </a:p>
+        </p:txBody>
+      </p:sp>
+    </p:spTree>
+    <p:extLst>
+      <p:ext uri="{BB962C8B-B14F-4D97-AF65-F5344CB8AC3E}">
+        <p14:creationId xmlns:p14="http://schemas.microsoft.com/office/powerpoint/2010/main" val="1061714035"/>
+      </p:ext>
+    </p:extLst>
+  </p:cSld>
+  <p:clrMapOvr>
+    <a:masterClrMapping/>
+  </p:clrMapOvr>
 </p:sld>
 </file>
 

--- a/Apresentação BD.pptx
+++ b/Apresentação BD.pptx
@@ -3820,7 +3820,7 @@
         <p:spPr>
           <a:xfrm>
             <a:off x="202580" y="1828799"/>
-            <a:ext cx="5361878" cy="2031325"/>
+            <a:ext cx="5623454" cy="2308324"/>
           </a:xfrm>
           <a:prstGeom prst="rect">
             <a:avLst/>
@@ -3839,8 +3839,13 @@
             </a:pPr>
             <a:r>
               <a:rPr lang="pt-PT" dirty="0" smtClean="0"/>
-              <a:t>Abordagem de modelação realizada</a:t>
-            </a:r>
+              <a:t>Abordagem de modelação </a:t>
+            </a:r>
+            <a:r>
+              <a:rPr lang="pt-PT" dirty="0" smtClean="0"/>
+              <a:t>realizada: Primeiro entidades, depois atributos e por fim relacionamentos</a:t>
+            </a:r>
+            <a:endParaRPr lang="pt-PT" dirty="0" smtClean="0"/>
           </a:p>
           <a:p>
             <a:pPr marL="285750" indent="-285750">
@@ -3849,8 +3854,13 @@
             </a:pPr>
             <a:r>
               <a:rPr lang="pt-PT" dirty="0" smtClean="0"/>
-              <a:t>Identificação e caraterização de entidades</a:t>
-            </a:r>
+              <a:t>Identificação e caraterização de </a:t>
+            </a:r>
+            <a:r>
+              <a:rPr lang="pt-PT" dirty="0" smtClean="0"/>
+              <a:t>entidades</a:t>
+            </a:r>
+            <a:endParaRPr lang="pt-PT" dirty="0" smtClean="0"/>
           </a:p>
           <a:p>
             <a:pPr marL="285750" indent="-285750">
@@ -3996,7 +4006,7 @@
         <p:spPr>
           <a:xfrm>
             <a:off x="468351" y="1895708"/>
-            <a:ext cx="5787482" cy="1754326"/>
+            <a:ext cx="5787482" cy="2308324"/>
           </a:xfrm>
           <a:prstGeom prst="rect">
             <a:avLst/>
@@ -4015,8 +4025,13 @@
             </a:pPr>
             <a:r>
               <a:rPr lang="pt-PT" dirty="0" smtClean="0"/>
-              <a:t>Construção e validação do modelo de dados lógico</a:t>
-            </a:r>
+              <a:t>Construção e validação do modelo de dados </a:t>
+            </a:r>
+            <a:r>
+              <a:rPr lang="pt-PT" dirty="0" smtClean="0"/>
+              <a:t>lógico: feito a partir do concetual</a:t>
+            </a:r>
+            <a:endParaRPr lang="pt-PT" dirty="0" smtClean="0"/>
           </a:p>
           <a:p>
             <a:pPr marL="285750" indent="-285750">
@@ -4035,8 +4050,13 @@
             </a:pPr>
             <a:r>
               <a:rPr lang="pt-PT" dirty="0" smtClean="0"/>
-              <a:t>Validação do modelo através da normalização</a:t>
-            </a:r>
+              <a:t>Validação do modelo através da </a:t>
+            </a:r>
+            <a:r>
+              <a:rPr lang="pt-PT" dirty="0" smtClean="0"/>
+              <a:t>normalização: 3 formas normais</a:t>
+            </a:r>
+            <a:endParaRPr lang="pt-PT" dirty="0" smtClean="0"/>
           </a:p>
           <a:p>
             <a:pPr marL="285750" indent="-285750">
@@ -4141,8 +4161,8 @@
         </p:nvSpPr>
         <p:spPr>
           <a:xfrm>
-            <a:off x="838200" y="1654059"/>
-            <a:ext cx="5216912" cy="4720141"/>
+            <a:off x="391886" y="1654059"/>
+            <a:ext cx="5663226" cy="4720141"/>
           </a:xfrm>
         </p:spPr>
         <p:txBody>
@@ -4153,8 +4173,17 @@
           <a:p>
             <a:r>
               <a:rPr lang="pt-PT" sz="1800" dirty="0" smtClean="0"/>
-              <a:t>Seleção do sistema de gestão de bases de dados</a:t>
-            </a:r>
+              <a:t>Seleção do sistema de gestão de bases de </a:t>
+            </a:r>
+            <a:r>
+              <a:rPr lang="pt-PT" sz="1800" dirty="0" smtClean="0"/>
+              <a:t>dados: </a:t>
+            </a:r>
+            <a:r>
+              <a:rPr lang="pt-PT" sz="1800" dirty="0" err="1" smtClean="0"/>
+              <a:t>MySQL</a:t>
+            </a:r>
+            <a:endParaRPr lang="pt-PT" sz="1800" dirty="0" smtClean="0"/>
           </a:p>
           <a:p>
             <a:r>
@@ -4227,7 +4256,6 @@
               <a:rPr lang="pt-PT" sz="1800" dirty="0"/>
               <a:t>Revisão do sistema implementado com o utilizador</a:t>
             </a:r>
-            <a:endParaRPr lang="pt-PT" sz="1800" dirty="0"/>
           </a:p>
         </p:txBody>
       </p:sp>
@@ -4254,7 +4282,7 @@
         </p:blipFill>
         <p:spPr bwMode="auto">
           <a:xfrm>
-            <a:off x="6055112" y="954708"/>
+            <a:off x="6106208" y="954708"/>
             <a:ext cx="5343525" cy="1524000"/>
           </a:xfrm>
           <a:prstGeom prst="rect">
@@ -4305,7 +4333,7 @@
         </p:blipFill>
         <p:spPr>
           <a:xfrm>
-            <a:off x="6055112" y="2478708"/>
+            <a:off x="6106208" y="2478708"/>
             <a:ext cx="5612130" cy="2437765"/>
           </a:xfrm>
           <a:prstGeom prst="rect">
@@ -4333,7 +4361,7 @@
         </p:blipFill>
         <p:spPr>
           <a:xfrm>
-            <a:off x="6055112" y="4916473"/>
+            <a:off x="6106208" y="4916473"/>
             <a:ext cx="3971925" cy="923925"/>
           </a:xfrm>
           <a:prstGeom prst="rect">
@@ -4481,7 +4509,22 @@
           <a:bodyPr/>
           <a:lstStyle/>
           <a:p>
-            <a:endParaRPr lang="pt-PT"/>
+            <a:r>
+              <a:rPr lang="pt-PT" dirty="0" smtClean="0"/>
+              <a:t>Bases de dados estão em todo o lado hoje em dia</a:t>
+            </a:r>
+          </a:p>
+          <a:p>
+            <a:r>
+              <a:rPr lang="pt-PT" dirty="0" smtClean="0"/>
+              <a:t>Escolha apropriada das caraterísticas é fundamental</a:t>
+            </a:r>
+          </a:p>
+          <a:p>
+            <a:r>
+              <a:rPr lang="pt-PT" dirty="0" smtClean="0"/>
+              <a:t>Qualquer operação na loja acede à base de dados</a:t>
+            </a:r>
           </a:p>
         </p:txBody>
       </p:sp>

--- a/Apresentação BD.pptx
+++ b/Apresentação BD.pptx
@@ -204,7 +204,7 @@
           <a:p>
             <a:fld id="{0A538BEC-E331-4F1A-B277-A6186320AEFE}" type="datetimeFigureOut">
               <a:rPr lang="pt-PT" smtClean="0"/>
-              <a:t>14/01/2019</a:t>
+              <a:t>21/01/2019</a:t>
             </a:fld>
             <a:endParaRPr lang="pt-PT"/>
           </a:p>
@@ -268,38 +268,37 @@
           <a:p>
             <a:pPr lvl="0"/>
             <a:r>
-              <a:rPr lang="pt-PT" smtClean="0"/>
+              <a:rPr lang="pt-PT"/>
               <a:t>Editar os estilos de texto do Modelo Global</a:t>
             </a:r>
           </a:p>
           <a:p>
             <a:pPr lvl="1"/>
             <a:r>
-              <a:rPr lang="pt-PT" smtClean="0"/>
+              <a:rPr lang="pt-PT"/>
               <a:t>Segundo nível</a:t>
             </a:r>
           </a:p>
           <a:p>
             <a:pPr lvl="2"/>
             <a:r>
-              <a:rPr lang="pt-PT" smtClean="0"/>
+              <a:rPr lang="pt-PT"/>
               <a:t>Terceiro nível</a:t>
             </a:r>
           </a:p>
           <a:p>
             <a:pPr lvl="3"/>
             <a:r>
-              <a:rPr lang="pt-PT" smtClean="0"/>
+              <a:rPr lang="pt-PT"/>
               <a:t>Quarto nível</a:t>
             </a:r>
           </a:p>
           <a:p>
             <a:pPr lvl="4"/>
             <a:r>
-              <a:rPr lang="pt-PT" smtClean="0"/>
+              <a:rPr lang="pt-PT"/>
               <a:t>Quinto nível</a:t>
             </a:r>
-            <a:endParaRPr lang="pt-PT"/>
           </a:p>
         </p:txBody>
       </p:sp>
@@ -514,10 +513,9 @@
           </a:lstStyle>
           <a:p>
             <a:r>
-              <a:rPr lang="pt-PT" smtClean="0"/>
+              <a:rPr lang="pt-PT"/>
               <a:t>Clique para editar o estilo</a:t>
             </a:r>
-            <a:endParaRPr lang="pt-PT"/>
           </a:p>
         </p:txBody>
       </p:sp>
@@ -579,10 +577,9 @@
           </a:lstStyle>
           <a:p>
             <a:r>
-              <a:rPr lang="pt-PT" smtClean="0"/>
+              <a:rPr lang="pt-PT"/>
               <a:t>Clique para editar o estilo do subtítulo do Modelo Global</a:t>
             </a:r>
-            <a:endParaRPr lang="pt-PT"/>
           </a:p>
         </p:txBody>
       </p:sp>
@@ -603,7 +600,7 @@
           <a:p>
             <a:fld id="{E011CE98-2713-45F9-A806-008D9A8C3646}" type="datetimeFigureOut">
               <a:rPr lang="pt-PT" smtClean="0"/>
-              <a:t>14/01/2019</a:t>
+              <a:t>21/01/2019</a:t>
             </a:fld>
             <a:endParaRPr lang="pt-PT"/>
           </a:p>
@@ -697,10 +694,9 @@
           <a:lstStyle/>
           <a:p>
             <a:r>
-              <a:rPr lang="pt-PT" smtClean="0"/>
+              <a:rPr lang="pt-PT"/>
               <a:t>Clique para editar o estilo</a:t>
             </a:r>
-            <a:endParaRPr lang="pt-PT"/>
           </a:p>
         </p:txBody>
       </p:sp>
@@ -721,38 +717,37 @@
           <a:p>
             <a:pPr lvl="0"/>
             <a:r>
-              <a:rPr lang="pt-PT" smtClean="0"/>
+              <a:rPr lang="pt-PT"/>
               <a:t>Editar os estilos de texto do Modelo Global</a:t>
             </a:r>
           </a:p>
           <a:p>
             <a:pPr lvl="1"/>
             <a:r>
-              <a:rPr lang="pt-PT" smtClean="0"/>
+              <a:rPr lang="pt-PT"/>
               <a:t>Segundo nível</a:t>
             </a:r>
           </a:p>
           <a:p>
             <a:pPr lvl="2"/>
             <a:r>
-              <a:rPr lang="pt-PT" smtClean="0"/>
+              <a:rPr lang="pt-PT"/>
               <a:t>Terceiro nível</a:t>
             </a:r>
           </a:p>
           <a:p>
             <a:pPr lvl="3"/>
             <a:r>
-              <a:rPr lang="pt-PT" smtClean="0"/>
+              <a:rPr lang="pt-PT"/>
               <a:t>Quarto nível</a:t>
             </a:r>
           </a:p>
           <a:p>
             <a:pPr lvl="4"/>
             <a:r>
-              <a:rPr lang="pt-PT" smtClean="0"/>
+              <a:rPr lang="pt-PT"/>
               <a:t>Quinto nível</a:t>
             </a:r>
-            <a:endParaRPr lang="pt-PT"/>
           </a:p>
         </p:txBody>
       </p:sp>
@@ -773,7 +768,7 @@
           <a:p>
             <a:fld id="{E011CE98-2713-45F9-A806-008D9A8C3646}" type="datetimeFigureOut">
               <a:rPr lang="pt-PT" smtClean="0"/>
-              <a:t>14/01/2019</a:t>
+              <a:t>21/01/2019</a:t>
             </a:fld>
             <a:endParaRPr lang="pt-PT"/>
           </a:p>
@@ -872,10 +867,9 @@
           <a:lstStyle/>
           <a:p>
             <a:r>
-              <a:rPr lang="pt-PT" smtClean="0"/>
+              <a:rPr lang="pt-PT"/>
               <a:t>Clique para editar o estilo</a:t>
             </a:r>
-            <a:endParaRPr lang="pt-PT"/>
           </a:p>
         </p:txBody>
       </p:sp>
@@ -901,38 +895,37 @@
           <a:p>
             <a:pPr lvl="0"/>
             <a:r>
-              <a:rPr lang="pt-PT" smtClean="0"/>
+              <a:rPr lang="pt-PT"/>
               <a:t>Editar os estilos de texto do Modelo Global</a:t>
             </a:r>
           </a:p>
           <a:p>
             <a:pPr lvl="1"/>
             <a:r>
-              <a:rPr lang="pt-PT" smtClean="0"/>
+              <a:rPr lang="pt-PT"/>
               <a:t>Segundo nível</a:t>
             </a:r>
           </a:p>
           <a:p>
             <a:pPr lvl="2"/>
             <a:r>
-              <a:rPr lang="pt-PT" smtClean="0"/>
+              <a:rPr lang="pt-PT"/>
               <a:t>Terceiro nível</a:t>
             </a:r>
           </a:p>
           <a:p>
             <a:pPr lvl="3"/>
             <a:r>
-              <a:rPr lang="pt-PT" smtClean="0"/>
+              <a:rPr lang="pt-PT"/>
               <a:t>Quarto nível</a:t>
             </a:r>
           </a:p>
           <a:p>
             <a:pPr lvl="4"/>
             <a:r>
-              <a:rPr lang="pt-PT" smtClean="0"/>
+              <a:rPr lang="pt-PT"/>
               <a:t>Quinto nível</a:t>
             </a:r>
-            <a:endParaRPr lang="pt-PT"/>
           </a:p>
         </p:txBody>
       </p:sp>
@@ -953,7 +946,7 @@
           <a:p>
             <a:fld id="{E011CE98-2713-45F9-A806-008D9A8C3646}" type="datetimeFigureOut">
               <a:rPr lang="pt-PT" smtClean="0"/>
-              <a:t>14/01/2019</a:t>
+              <a:t>21/01/2019</a:t>
             </a:fld>
             <a:endParaRPr lang="pt-PT"/>
           </a:p>
@@ -1047,10 +1040,9 @@
           <a:lstStyle/>
           <a:p>
             <a:r>
-              <a:rPr lang="pt-PT" smtClean="0"/>
+              <a:rPr lang="pt-PT"/>
               <a:t>Clique para editar o estilo</a:t>
             </a:r>
-            <a:endParaRPr lang="pt-PT"/>
           </a:p>
         </p:txBody>
       </p:sp>
@@ -1071,38 +1063,37 @@
           <a:p>
             <a:pPr lvl="0"/>
             <a:r>
-              <a:rPr lang="pt-PT" smtClean="0"/>
+              <a:rPr lang="pt-PT"/>
               <a:t>Editar os estilos de texto do Modelo Global</a:t>
             </a:r>
           </a:p>
           <a:p>
             <a:pPr lvl="1"/>
             <a:r>
-              <a:rPr lang="pt-PT" smtClean="0"/>
+              <a:rPr lang="pt-PT"/>
               <a:t>Segundo nível</a:t>
             </a:r>
           </a:p>
           <a:p>
             <a:pPr lvl="2"/>
             <a:r>
-              <a:rPr lang="pt-PT" smtClean="0"/>
+              <a:rPr lang="pt-PT"/>
               <a:t>Terceiro nível</a:t>
             </a:r>
           </a:p>
           <a:p>
             <a:pPr lvl="3"/>
             <a:r>
-              <a:rPr lang="pt-PT" smtClean="0"/>
+              <a:rPr lang="pt-PT"/>
               <a:t>Quarto nível</a:t>
             </a:r>
           </a:p>
           <a:p>
             <a:pPr lvl="4"/>
             <a:r>
-              <a:rPr lang="pt-PT" smtClean="0"/>
+              <a:rPr lang="pt-PT"/>
               <a:t>Quinto nível</a:t>
             </a:r>
-            <a:endParaRPr lang="pt-PT"/>
           </a:p>
         </p:txBody>
       </p:sp>
@@ -1123,7 +1114,7 @@
           <a:p>
             <a:fld id="{E011CE98-2713-45F9-A806-008D9A8C3646}" type="datetimeFigureOut">
               <a:rPr lang="pt-PT" smtClean="0"/>
-              <a:t>14/01/2019</a:t>
+              <a:t>21/01/2019</a:t>
             </a:fld>
             <a:endParaRPr lang="pt-PT"/>
           </a:p>
@@ -1226,10 +1217,9 @@
           </a:lstStyle>
           <a:p>
             <a:r>
-              <a:rPr lang="pt-PT" smtClean="0"/>
+              <a:rPr lang="pt-PT"/>
               <a:t>Clique para editar o estilo</a:t>
             </a:r>
-            <a:endParaRPr lang="pt-PT"/>
           </a:p>
         </p:txBody>
       </p:sp>
@@ -1346,7 +1336,7 @@
           <a:p>
             <a:pPr lvl="0"/>
             <a:r>
-              <a:rPr lang="pt-PT" smtClean="0"/>
+              <a:rPr lang="pt-PT"/>
               <a:t>Editar os estilos de texto do Modelo Global</a:t>
             </a:r>
           </a:p>
@@ -1369,7 +1359,7 @@
           <a:p>
             <a:fld id="{E011CE98-2713-45F9-A806-008D9A8C3646}" type="datetimeFigureOut">
               <a:rPr lang="pt-PT" smtClean="0"/>
-              <a:t>14/01/2019</a:t>
+              <a:t>21/01/2019</a:t>
             </a:fld>
             <a:endParaRPr lang="pt-PT"/>
           </a:p>
@@ -1463,10 +1453,9 @@
           <a:lstStyle/>
           <a:p>
             <a:r>
-              <a:rPr lang="pt-PT" smtClean="0"/>
+              <a:rPr lang="pt-PT"/>
               <a:t>Clique para editar o estilo</a:t>
             </a:r>
-            <a:endParaRPr lang="pt-PT"/>
           </a:p>
         </p:txBody>
       </p:sp>
@@ -1492,38 +1481,37 @@
           <a:p>
             <a:pPr lvl="0"/>
             <a:r>
-              <a:rPr lang="pt-PT" smtClean="0"/>
+              <a:rPr lang="pt-PT"/>
               <a:t>Editar os estilos de texto do Modelo Global</a:t>
             </a:r>
           </a:p>
           <a:p>
             <a:pPr lvl="1"/>
             <a:r>
-              <a:rPr lang="pt-PT" smtClean="0"/>
+              <a:rPr lang="pt-PT"/>
               <a:t>Segundo nível</a:t>
             </a:r>
           </a:p>
           <a:p>
             <a:pPr lvl="2"/>
             <a:r>
-              <a:rPr lang="pt-PT" smtClean="0"/>
+              <a:rPr lang="pt-PT"/>
               <a:t>Terceiro nível</a:t>
             </a:r>
           </a:p>
           <a:p>
             <a:pPr lvl="3"/>
             <a:r>
-              <a:rPr lang="pt-PT" smtClean="0"/>
+              <a:rPr lang="pt-PT"/>
               <a:t>Quarto nível</a:t>
             </a:r>
           </a:p>
           <a:p>
             <a:pPr lvl="4"/>
             <a:r>
-              <a:rPr lang="pt-PT" smtClean="0"/>
+              <a:rPr lang="pt-PT"/>
               <a:t>Quinto nível</a:t>
             </a:r>
-            <a:endParaRPr lang="pt-PT"/>
           </a:p>
         </p:txBody>
       </p:sp>
@@ -1549,38 +1537,37 @@
           <a:p>
             <a:pPr lvl="0"/>
             <a:r>
-              <a:rPr lang="pt-PT" smtClean="0"/>
+              <a:rPr lang="pt-PT"/>
               <a:t>Editar os estilos de texto do Modelo Global</a:t>
             </a:r>
           </a:p>
           <a:p>
             <a:pPr lvl="1"/>
             <a:r>
-              <a:rPr lang="pt-PT" smtClean="0"/>
+              <a:rPr lang="pt-PT"/>
               <a:t>Segundo nível</a:t>
             </a:r>
           </a:p>
           <a:p>
             <a:pPr lvl="2"/>
             <a:r>
-              <a:rPr lang="pt-PT" smtClean="0"/>
+              <a:rPr lang="pt-PT"/>
               <a:t>Terceiro nível</a:t>
             </a:r>
           </a:p>
           <a:p>
             <a:pPr lvl="3"/>
             <a:r>
-              <a:rPr lang="pt-PT" smtClean="0"/>
+              <a:rPr lang="pt-PT"/>
               <a:t>Quarto nível</a:t>
             </a:r>
           </a:p>
           <a:p>
             <a:pPr lvl="4"/>
             <a:r>
-              <a:rPr lang="pt-PT" smtClean="0"/>
+              <a:rPr lang="pt-PT"/>
               <a:t>Quinto nível</a:t>
             </a:r>
-            <a:endParaRPr lang="pt-PT"/>
           </a:p>
         </p:txBody>
       </p:sp>
@@ -1601,7 +1588,7 @@
           <a:p>
             <a:fld id="{E011CE98-2713-45F9-A806-008D9A8C3646}" type="datetimeFigureOut">
               <a:rPr lang="pt-PT" smtClean="0"/>
-              <a:t>14/01/2019</a:t>
+              <a:t>21/01/2019</a:t>
             </a:fld>
             <a:endParaRPr lang="pt-PT"/>
           </a:p>
@@ -1700,10 +1687,9 @@
           <a:lstStyle/>
           <a:p>
             <a:r>
-              <a:rPr lang="pt-PT" smtClean="0"/>
+              <a:rPr lang="pt-PT"/>
               <a:t>Clique para editar o estilo</a:t>
             </a:r>
-            <a:endParaRPr lang="pt-PT"/>
           </a:p>
         </p:txBody>
       </p:sp>
@@ -1766,7 +1752,7 @@
           <a:p>
             <a:pPr lvl="0"/>
             <a:r>
-              <a:rPr lang="pt-PT" smtClean="0"/>
+              <a:rPr lang="pt-PT"/>
               <a:t>Editar os estilos de texto do Modelo Global</a:t>
             </a:r>
           </a:p>
@@ -1794,38 +1780,37 @@
           <a:p>
             <a:pPr lvl="0"/>
             <a:r>
-              <a:rPr lang="pt-PT" smtClean="0"/>
+              <a:rPr lang="pt-PT"/>
               <a:t>Editar os estilos de texto do Modelo Global</a:t>
             </a:r>
           </a:p>
           <a:p>
             <a:pPr lvl="1"/>
             <a:r>
-              <a:rPr lang="pt-PT" smtClean="0"/>
+              <a:rPr lang="pt-PT"/>
               <a:t>Segundo nível</a:t>
             </a:r>
           </a:p>
           <a:p>
             <a:pPr lvl="2"/>
             <a:r>
-              <a:rPr lang="pt-PT" smtClean="0"/>
+              <a:rPr lang="pt-PT"/>
               <a:t>Terceiro nível</a:t>
             </a:r>
           </a:p>
           <a:p>
             <a:pPr lvl="3"/>
             <a:r>
-              <a:rPr lang="pt-PT" smtClean="0"/>
+              <a:rPr lang="pt-PT"/>
               <a:t>Quarto nível</a:t>
             </a:r>
           </a:p>
           <a:p>
             <a:pPr lvl="4"/>
             <a:r>
-              <a:rPr lang="pt-PT" smtClean="0"/>
+              <a:rPr lang="pt-PT"/>
               <a:t>Quinto nível</a:t>
             </a:r>
-            <a:endParaRPr lang="pt-PT"/>
           </a:p>
         </p:txBody>
       </p:sp>
@@ -1888,7 +1873,7 @@
           <a:p>
             <a:pPr lvl="0"/>
             <a:r>
-              <a:rPr lang="pt-PT" smtClean="0"/>
+              <a:rPr lang="pt-PT"/>
               <a:t>Editar os estilos de texto do Modelo Global</a:t>
             </a:r>
           </a:p>
@@ -1916,38 +1901,37 @@
           <a:p>
             <a:pPr lvl="0"/>
             <a:r>
-              <a:rPr lang="pt-PT" smtClean="0"/>
+              <a:rPr lang="pt-PT"/>
               <a:t>Editar os estilos de texto do Modelo Global</a:t>
             </a:r>
           </a:p>
           <a:p>
             <a:pPr lvl="1"/>
             <a:r>
-              <a:rPr lang="pt-PT" smtClean="0"/>
+              <a:rPr lang="pt-PT"/>
               <a:t>Segundo nível</a:t>
             </a:r>
           </a:p>
           <a:p>
             <a:pPr lvl="2"/>
             <a:r>
-              <a:rPr lang="pt-PT" smtClean="0"/>
+              <a:rPr lang="pt-PT"/>
               <a:t>Terceiro nível</a:t>
             </a:r>
           </a:p>
           <a:p>
             <a:pPr lvl="3"/>
             <a:r>
-              <a:rPr lang="pt-PT" smtClean="0"/>
+              <a:rPr lang="pt-PT"/>
               <a:t>Quarto nível</a:t>
             </a:r>
           </a:p>
           <a:p>
             <a:pPr lvl="4"/>
             <a:r>
-              <a:rPr lang="pt-PT" smtClean="0"/>
+              <a:rPr lang="pt-PT"/>
               <a:t>Quinto nível</a:t>
             </a:r>
-            <a:endParaRPr lang="pt-PT"/>
           </a:p>
         </p:txBody>
       </p:sp>
@@ -1968,7 +1952,7 @@
           <a:p>
             <a:fld id="{E011CE98-2713-45F9-A806-008D9A8C3646}" type="datetimeFigureOut">
               <a:rPr lang="pt-PT" smtClean="0"/>
-              <a:t>14/01/2019</a:t>
+              <a:t>21/01/2019</a:t>
             </a:fld>
             <a:endParaRPr lang="pt-PT"/>
           </a:p>
@@ -2062,10 +2046,9 @@
           <a:lstStyle/>
           <a:p>
             <a:r>
-              <a:rPr lang="pt-PT" smtClean="0"/>
+              <a:rPr lang="pt-PT"/>
               <a:t>Clique para editar o estilo</a:t>
             </a:r>
-            <a:endParaRPr lang="pt-PT"/>
           </a:p>
         </p:txBody>
       </p:sp>
@@ -2086,7 +2069,7 @@
           <a:p>
             <a:fld id="{E011CE98-2713-45F9-A806-008D9A8C3646}" type="datetimeFigureOut">
               <a:rPr lang="pt-PT" smtClean="0"/>
-              <a:t>14/01/2019</a:t>
+              <a:t>21/01/2019</a:t>
             </a:fld>
             <a:endParaRPr lang="pt-PT"/>
           </a:p>
@@ -2181,7 +2164,7 @@
           <a:p>
             <a:fld id="{E011CE98-2713-45F9-A806-008D9A8C3646}" type="datetimeFigureOut">
               <a:rPr lang="pt-PT" smtClean="0"/>
-              <a:t>14/01/2019</a:t>
+              <a:t>21/01/2019</a:t>
             </a:fld>
             <a:endParaRPr lang="pt-PT"/>
           </a:p>
@@ -2284,10 +2267,9 @@
           </a:lstStyle>
           <a:p>
             <a:r>
-              <a:rPr lang="pt-PT" smtClean="0"/>
+              <a:rPr lang="pt-PT"/>
               <a:t>Clique para editar o estilo</a:t>
             </a:r>
-            <a:endParaRPr lang="pt-PT"/>
           </a:p>
         </p:txBody>
       </p:sp>
@@ -2341,38 +2323,37 @@
           <a:p>
             <a:pPr lvl="0"/>
             <a:r>
-              <a:rPr lang="pt-PT" smtClean="0"/>
+              <a:rPr lang="pt-PT"/>
               <a:t>Editar os estilos de texto do Modelo Global</a:t>
             </a:r>
           </a:p>
           <a:p>
             <a:pPr lvl="1"/>
             <a:r>
-              <a:rPr lang="pt-PT" smtClean="0"/>
+              <a:rPr lang="pt-PT"/>
               <a:t>Segundo nível</a:t>
             </a:r>
           </a:p>
           <a:p>
             <a:pPr lvl="2"/>
             <a:r>
-              <a:rPr lang="pt-PT" smtClean="0"/>
+              <a:rPr lang="pt-PT"/>
               <a:t>Terceiro nível</a:t>
             </a:r>
           </a:p>
           <a:p>
             <a:pPr lvl="3"/>
             <a:r>
-              <a:rPr lang="pt-PT" smtClean="0"/>
+              <a:rPr lang="pt-PT"/>
               <a:t>Quarto nível</a:t>
             </a:r>
           </a:p>
           <a:p>
             <a:pPr lvl="4"/>
             <a:r>
-              <a:rPr lang="pt-PT" smtClean="0"/>
+              <a:rPr lang="pt-PT"/>
               <a:t>Quinto nível</a:t>
             </a:r>
-            <a:endParaRPr lang="pt-PT"/>
           </a:p>
         </p:txBody>
       </p:sp>
@@ -2435,7 +2416,7 @@
           <a:p>
             <a:pPr lvl="0"/>
             <a:r>
-              <a:rPr lang="pt-PT" smtClean="0"/>
+              <a:rPr lang="pt-PT"/>
               <a:t>Editar os estilos de texto do Modelo Global</a:t>
             </a:r>
           </a:p>
@@ -2458,7 +2439,7 @@
           <a:p>
             <a:fld id="{E011CE98-2713-45F9-A806-008D9A8C3646}" type="datetimeFigureOut">
               <a:rPr lang="pt-PT" smtClean="0"/>
-              <a:t>14/01/2019</a:t>
+              <a:t>21/01/2019</a:t>
             </a:fld>
             <a:endParaRPr lang="pt-PT"/>
           </a:p>
@@ -2561,10 +2542,9 @@
           </a:lstStyle>
           <a:p>
             <a:r>
-              <a:rPr lang="pt-PT" smtClean="0"/>
+              <a:rPr lang="pt-PT"/>
               <a:t>Clique para editar o estilo</a:t>
             </a:r>
-            <a:endParaRPr lang="pt-PT"/>
           </a:p>
         </p:txBody>
       </p:sp>
@@ -2688,7 +2668,7 @@
           <a:p>
             <a:pPr lvl="0"/>
             <a:r>
-              <a:rPr lang="pt-PT" smtClean="0"/>
+              <a:rPr lang="pt-PT"/>
               <a:t>Editar os estilos de texto do Modelo Global</a:t>
             </a:r>
           </a:p>
@@ -2711,7 +2691,7 @@
           <a:p>
             <a:fld id="{E011CE98-2713-45F9-A806-008D9A8C3646}" type="datetimeFigureOut">
               <a:rPr lang="pt-PT" smtClean="0"/>
-              <a:t>14/01/2019</a:t>
+              <a:t>21/01/2019</a:t>
             </a:fld>
             <a:endParaRPr lang="pt-PT"/>
           </a:p>
@@ -2820,10 +2800,9 @@
           <a:lstStyle/>
           <a:p>
             <a:r>
-              <a:rPr lang="pt-PT" smtClean="0"/>
+              <a:rPr lang="pt-PT"/>
               <a:t>Clique para editar o estilo</a:t>
             </a:r>
-            <a:endParaRPr lang="pt-PT"/>
           </a:p>
         </p:txBody>
       </p:sp>
@@ -2854,38 +2833,37 @@
           <a:p>
             <a:pPr lvl="0"/>
             <a:r>
-              <a:rPr lang="pt-PT" smtClean="0"/>
+              <a:rPr lang="pt-PT"/>
               <a:t>Editar os estilos de texto do Modelo Global</a:t>
             </a:r>
           </a:p>
           <a:p>
             <a:pPr lvl="1"/>
             <a:r>
-              <a:rPr lang="pt-PT" smtClean="0"/>
+              <a:rPr lang="pt-PT"/>
               <a:t>Segundo nível</a:t>
             </a:r>
           </a:p>
           <a:p>
             <a:pPr lvl="2"/>
             <a:r>
-              <a:rPr lang="pt-PT" smtClean="0"/>
+              <a:rPr lang="pt-PT"/>
               <a:t>Terceiro nível</a:t>
             </a:r>
           </a:p>
           <a:p>
             <a:pPr lvl="3"/>
             <a:r>
-              <a:rPr lang="pt-PT" smtClean="0"/>
+              <a:rPr lang="pt-PT"/>
               <a:t>Quarto nível</a:t>
             </a:r>
           </a:p>
           <a:p>
             <a:pPr lvl="4"/>
             <a:r>
-              <a:rPr lang="pt-PT" smtClean="0"/>
+              <a:rPr lang="pt-PT"/>
               <a:t>Quinto nível</a:t>
             </a:r>
-            <a:endParaRPr lang="pt-PT"/>
           </a:p>
         </p:txBody>
       </p:sp>
@@ -2924,7 +2902,7 @@
           <a:p>
             <a:fld id="{E011CE98-2713-45F9-A806-008D9A8C3646}" type="datetimeFigureOut">
               <a:rPr lang="pt-PT" smtClean="0"/>
-              <a:t>14/01/2019</a:t>
+              <a:t>21/01/2019</a:t>
             </a:fld>
             <a:endParaRPr lang="pt-PT"/>
           </a:p>
@@ -3352,10 +3330,9 @@
           <a:lstStyle/>
           <a:p>
             <a:r>
-              <a:rPr lang="pt-PT" sz="4000" dirty="0" smtClean="0"/>
+              <a:rPr lang="pt-PT" sz="4000" dirty="0"/>
               <a:t>Unidade Curricular de Bases de Dados</a:t>
             </a:r>
-            <a:endParaRPr lang="pt-PT" sz="4000" dirty="0"/>
           </a:p>
         </p:txBody>
       </p:sp>
@@ -3382,10 +3359,9 @@
           <a:lstStyle/>
           <a:p>
             <a:r>
-              <a:rPr lang="pt-PT" sz="3600" b="1" dirty="0" smtClean="0"/>
+              <a:rPr lang="pt-PT" sz="3600" b="1" dirty="0"/>
               <a:t>Mercado de compra e vendas online</a:t>
             </a:r>
-            <a:endParaRPr lang="pt-PT" sz="3600" b="1" dirty="0"/>
           </a:p>
         </p:txBody>
       </p:sp>
@@ -3412,28 +3388,27 @@
           <a:lstStyle/>
           <a:p>
             <a:r>
-              <a:rPr lang="pt-PT" sz="2000" dirty="0" smtClean="0"/>
+              <a:rPr lang="pt-PT" sz="2000" dirty="0"/>
               <a:t>Luís Capa	A81960</a:t>
             </a:r>
           </a:p>
           <a:p>
             <a:r>
-              <a:rPr lang="pt-PT" sz="2000" dirty="0" smtClean="0"/>
+              <a:rPr lang="pt-PT" sz="2000" dirty="0"/>
               <a:t>Moisés Antunes	A82263</a:t>
             </a:r>
           </a:p>
           <a:p>
             <a:r>
-              <a:rPr lang="pt-PT" sz="2000" dirty="0" smtClean="0"/>
+              <a:rPr lang="pt-PT" sz="2000" dirty="0"/>
               <a:t>Pedro Capa	A83170</a:t>
             </a:r>
           </a:p>
           <a:p>
             <a:r>
-              <a:rPr lang="pt-PT" sz="2000" dirty="0" smtClean="0"/>
+              <a:rPr lang="pt-PT" sz="2000" dirty="0"/>
               <a:t>Tiago Pinheiro	A82491</a:t>
             </a:r>
-            <a:endParaRPr lang="pt-PT" sz="2000" dirty="0"/>
           </a:p>
         </p:txBody>
       </p:sp>
@@ -3453,10 +3428,9 @@
           <a:lstStyle/>
           <a:p>
             <a:r>
-              <a:rPr lang="pt-PT" smtClean="0"/>
+              <a:rPr lang="pt-PT"/>
               <a:t>Janeiro de 2019</a:t>
             </a:r>
-            <a:endParaRPr lang="pt-PT"/>
           </a:p>
         </p:txBody>
       </p:sp>
@@ -3493,13 +3467,6 @@
   <p:clrMapOvr>
     <a:masterClrMapping/>
   </p:clrMapOvr>
-  <p:timing>
-    <p:tnLst>
-      <p:par>
-        <p:cTn id="1" dur="indefinite" restart="never" nodeType="tmRoot"/>
-      </p:par>
-    </p:tnLst>
-  </p:timing>
 </p:sld>
 </file>
 
@@ -3536,10 +3503,9 @@
           <a:lstStyle/>
           <a:p>
             <a:r>
-              <a:rPr lang="pt-PT" dirty="0" smtClean="0"/>
+              <a:rPr lang="pt-PT" dirty="0"/>
               <a:t>Introdução</a:t>
             </a:r>
-            <a:endParaRPr lang="pt-PT" dirty="0"/>
           </a:p>
         </p:txBody>
       </p:sp>
@@ -3559,25 +3525,25 @@
           <a:lstStyle/>
           <a:p>
             <a:r>
-              <a:rPr lang="pt-PT" dirty="0" smtClean="0"/>
+              <a:rPr lang="pt-PT" dirty="0"/>
               <a:t>O tema do trabalho é “Mercado de Compra e Vendas Online”</a:t>
             </a:r>
           </a:p>
           <a:p>
             <a:r>
-              <a:rPr lang="pt-PT" dirty="0" smtClean="0"/>
+              <a:rPr lang="pt-PT" dirty="0"/>
               <a:t>O site “Amazon” serviu de inspiração para o trabalho, já que é uma das maiores empresas do mundo</a:t>
             </a:r>
           </a:p>
           <a:p>
             <a:r>
-              <a:rPr lang="pt-PT" dirty="0" smtClean="0"/>
+              <a:rPr lang="pt-PT" dirty="0"/>
               <a:t>Objetivo principal é o desenvolvimento e gestão de uma base de dados</a:t>
             </a:r>
           </a:p>
           <a:p>
             <a:r>
-              <a:rPr lang="pt-PT" dirty="0" smtClean="0"/>
+              <a:rPr lang="pt-PT" dirty="0"/>
               <a:t>A base de dados permite múltiplo acesso, flexibilidade, resposta rápida aos pedidos de acesso e integridade da informação, apesar do seu custo elevado.</a:t>
             </a:r>
           </a:p>
@@ -3632,10 +3598,9 @@
           <a:lstStyle/>
           <a:p>
             <a:r>
-              <a:rPr lang="pt-PT" dirty="0" smtClean="0"/>
+              <a:rPr lang="pt-PT" dirty="0"/>
               <a:t>Levantamento e análise de requisitos</a:t>
             </a:r>
-            <a:endParaRPr lang="pt-PT" dirty="0"/>
           </a:p>
         </p:txBody>
       </p:sp>
@@ -3655,7 +3620,7 @@
           <a:lstStyle/>
           <a:p>
             <a:r>
-              <a:rPr lang="pt-PT" dirty="0" smtClean="0"/>
+              <a:rPr lang="pt-PT" dirty="0"/>
               <a:t>Métodos de levantamento e análise de requisitos adotados</a:t>
             </a:r>
           </a:p>
@@ -3664,21 +3629,21 @@
               <a:buNone/>
             </a:pPr>
             <a:r>
-              <a:rPr lang="pt-PT" sz="1800" dirty="0" smtClean="0"/>
+              <a:rPr lang="pt-PT" sz="1800" dirty="0"/>
               <a:t>Para encontrar os requisitos foi seguida uma abordagem centralizada. Foram identificados dois tipos de utilizadores na base de dados.</a:t>
             </a:r>
           </a:p>
           <a:p>
             <a:r>
-              <a:rPr lang="pt-PT" dirty="0" smtClean="0"/>
+              <a:rPr lang="pt-PT" dirty="0"/>
               <a:t>Requisitos Levantados</a:t>
             </a:r>
-            <a:endParaRPr lang="pt-PT" sz="1800" dirty="0" smtClean="0"/>
+            <a:endParaRPr lang="pt-PT" sz="1800" dirty="0"/>
           </a:p>
           <a:p>
             <a:pPr lvl="1"/>
             <a:r>
-              <a:rPr lang="pt-PT" dirty="0" smtClean="0"/>
+              <a:rPr lang="pt-PT" dirty="0"/>
               <a:t>Requisitos de Descrição</a:t>
             </a:r>
           </a:p>
@@ -3687,14 +3652,14 @@
               <a:buNone/>
             </a:pPr>
             <a:r>
-              <a:rPr lang="pt-PT" sz="1800" dirty="0" smtClean="0"/>
+              <a:rPr lang="pt-PT" sz="1800" dirty="0"/>
               <a:t>Caraterísticas de cada entidade</a:t>
             </a:r>
           </a:p>
           <a:p>
             <a:pPr lvl="1"/>
             <a:r>
-              <a:rPr lang="pt-PT" dirty="0" smtClean="0"/>
+              <a:rPr lang="pt-PT" dirty="0"/>
               <a:t>Requisitos de exploração</a:t>
             </a:r>
           </a:p>
@@ -3703,14 +3668,14 @@
               <a:buNone/>
             </a:pPr>
             <a:r>
-              <a:rPr lang="pt-PT" sz="1800" dirty="0" smtClean="0"/>
+              <a:rPr lang="pt-PT" sz="1800" dirty="0"/>
               <a:t>Permissão de cada utilizador para pesquisar no sistema</a:t>
             </a:r>
           </a:p>
           <a:p>
             <a:pPr lvl="1"/>
             <a:r>
-              <a:rPr lang="pt-PT" dirty="0" smtClean="0"/>
+              <a:rPr lang="pt-PT" dirty="0"/>
               <a:t>Requisitos de Controlo</a:t>
             </a:r>
           </a:p>
@@ -3719,10 +3684,9 @@
               <a:buNone/>
             </a:pPr>
             <a:r>
-              <a:rPr lang="pt-PT" sz="1800" dirty="0" smtClean="0"/>
+              <a:rPr lang="pt-PT" sz="1800" dirty="0"/>
               <a:t>Permissão de cada utilizador para editar informação da base de dados</a:t>
             </a:r>
-            <a:endParaRPr lang="pt-PT" sz="1800" dirty="0"/>
           </a:p>
         </p:txBody>
       </p:sp>
@@ -3772,10 +3736,9 @@
           <a:lstStyle/>
           <a:p>
             <a:r>
-              <a:rPr lang="pt-PT" dirty="0" smtClean="0"/>
+              <a:rPr lang="pt-PT" dirty="0"/>
               <a:t>Esquema Concetual</a:t>
             </a:r>
-            <a:endParaRPr lang="pt-PT" dirty="0"/>
           </a:p>
         </p:txBody>
       </p:sp>
@@ -3838,14 +3801,9 @@
               <a:buChar char="•"/>
             </a:pPr>
             <a:r>
-              <a:rPr lang="pt-PT" dirty="0" smtClean="0"/>
-              <a:t>Abordagem de modelação </a:t>
-            </a:r>
-            <a:r>
-              <a:rPr lang="pt-PT" dirty="0" smtClean="0"/>
-              <a:t>realizada: Primeiro entidades, depois atributos e por fim relacionamentos</a:t>
-            </a:r>
-            <a:endParaRPr lang="pt-PT" dirty="0" smtClean="0"/>
+              <a:rPr lang="pt-PT" dirty="0"/>
+              <a:t>Abordagem de modelação realizada: Primeiro entidades, depois atributos e por fim relacionamentos</a:t>
+            </a:r>
           </a:p>
           <a:p>
             <a:pPr marL="285750" indent="-285750">
@@ -3853,14 +3811,9 @@
               <a:buChar char="•"/>
             </a:pPr>
             <a:r>
-              <a:rPr lang="pt-PT" dirty="0" smtClean="0"/>
-              <a:t>Identificação e caraterização de </a:t>
-            </a:r>
-            <a:r>
-              <a:rPr lang="pt-PT" dirty="0" smtClean="0"/>
-              <a:t>entidades</a:t>
-            </a:r>
-            <a:endParaRPr lang="pt-PT" dirty="0" smtClean="0"/>
+              <a:rPr lang="pt-PT" dirty="0"/>
+              <a:t>Identificação e caraterização de entidades</a:t>
+            </a:r>
           </a:p>
           <a:p>
             <a:pPr marL="285750" indent="-285750">
@@ -3868,7 +3821,7 @@
               <a:buChar char="•"/>
             </a:pPr>
             <a:r>
-              <a:rPr lang="pt-PT" dirty="0" smtClean="0"/>
+              <a:rPr lang="pt-PT" dirty="0"/>
               <a:t>Identificação e caraterização de relacionamentos</a:t>
             </a:r>
           </a:p>
@@ -3878,7 +3831,7 @@
               <a:buChar char="•"/>
             </a:pPr>
             <a:r>
-              <a:rPr lang="pt-PT" dirty="0" smtClean="0"/>
+              <a:rPr lang="pt-PT" dirty="0"/>
               <a:t>Identificação das Associações dos atributos</a:t>
             </a:r>
           </a:p>
@@ -3888,7 +3841,7 @@
               <a:buChar char="•"/>
             </a:pPr>
             <a:r>
-              <a:rPr lang="pt-PT" dirty="0" smtClean="0"/>
+              <a:rPr lang="pt-PT" dirty="0"/>
               <a:t>Detalhe ou generalização de entidades</a:t>
             </a:r>
           </a:p>
@@ -3898,7 +3851,7 @@
               <a:buChar char="•"/>
             </a:pPr>
             <a:r>
-              <a:rPr lang="pt-PT" dirty="0" smtClean="0"/>
+              <a:rPr lang="pt-PT" dirty="0"/>
               <a:t>Apresentação do esquema concetual</a:t>
             </a:r>
           </a:p>
@@ -3908,10 +3861,9 @@
               <a:buChar char="•"/>
             </a:pPr>
             <a:r>
-              <a:rPr lang="pt-PT" dirty="0" smtClean="0"/>
+              <a:rPr lang="pt-PT" dirty="0"/>
               <a:t>Validação do esquema com o cliente</a:t>
             </a:r>
-            <a:endParaRPr lang="pt-PT" dirty="0"/>
           </a:p>
         </p:txBody>
       </p:sp>
@@ -3961,10 +3913,9 @@
           <a:lstStyle/>
           <a:p>
             <a:r>
-              <a:rPr lang="pt-PT" dirty="0" smtClean="0"/>
+              <a:rPr lang="pt-PT" dirty="0"/>
               <a:t>Esquema Lógico </a:t>
             </a:r>
-            <a:endParaRPr lang="pt-PT" dirty="0"/>
           </a:p>
         </p:txBody>
       </p:sp>
@@ -4024,14 +3975,9 @@
               <a:buChar char="•"/>
             </a:pPr>
             <a:r>
-              <a:rPr lang="pt-PT" dirty="0" smtClean="0"/>
-              <a:t>Construção e validação do modelo de dados </a:t>
-            </a:r>
-            <a:r>
-              <a:rPr lang="pt-PT" dirty="0" smtClean="0"/>
-              <a:t>lógico: feito a partir do concetual</a:t>
-            </a:r>
-            <a:endParaRPr lang="pt-PT" dirty="0" smtClean="0"/>
+              <a:rPr lang="pt-PT" dirty="0"/>
+              <a:t>Construção e validação do modelo de dados lógico: feito a partir do concetual</a:t>
+            </a:r>
           </a:p>
           <a:p>
             <a:pPr marL="285750" indent="-285750">
@@ -4039,7 +3985,7 @@
               <a:buChar char="•"/>
             </a:pPr>
             <a:r>
-              <a:rPr lang="pt-PT" dirty="0" smtClean="0"/>
+              <a:rPr lang="pt-PT" dirty="0"/>
               <a:t>Desenho do modelo lógico</a:t>
             </a:r>
           </a:p>
@@ -4049,14 +3995,9 @@
               <a:buChar char="•"/>
             </a:pPr>
             <a:r>
-              <a:rPr lang="pt-PT" dirty="0" smtClean="0"/>
-              <a:t>Validação do modelo através da </a:t>
-            </a:r>
-            <a:r>
-              <a:rPr lang="pt-PT" dirty="0" smtClean="0"/>
-              <a:t>normalização: 3 formas normais</a:t>
-            </a:r>
-            <a:endParaRPr lang="pt-PT" dirty="0" smtClean="0"/>
+              <a:rPr lang="pt-PT" dirty="0"/>
+              <a:t>Validação do modelo através da normalização: 3 formas normais</a:t>
+            </a:r>
           </a:p>
           <a:p>
             <a:pPr marL="285750" indent="-285750">
@@ -4064,7 +4005,7 @@
               <a:buChar char="•"/>
             </a:pPr>
             <a:r>
-              <a:rPr lang="pt-PT" dirty="0" smtClean="0"/>
+              <a:rPr lang="pt-PT" dirty="0"/>
               <a:t>Validação do modelo com interrogações do utilizador</a:t>
             </a:r>
           </a:p>
@@ -4074,7 +4015,7 @@
               <a:buChar char="•"/>
             </a:pPr>
             <a:r>
-              <a:rPr lang="pt-PT" dirty="0" smtClean="0"/>
+              <a:rPr lang="pt-PT" dirty="0"/>
               <a:t>Validação do modelo com transações estabelecidas</a:t>
             </a:r>
           </a:p>
@@ -4084,10 +4025,9 @@
               <a:buChar char="•"/>
             </a:pPr>
             <a:r>
-              <a:rPr lang="pt-PT" dirty="0" smtClean="0"/>
+              <a:rPr lang="pt-PT" dirty="0"/>
               <a:t>Revisão do modelo lógico com o utilizador</a:t>
             </a:r>
-            <a:endParaRPr lang="pt-PT" dirty="0"/>
           </a:p>
         </p:txBody>
       </p:sp>
@@ -4142,10 +4082,9 @@
           <a:lstStyle/>
           <a:p>
             <a:r>
-              <a:rPr lang="pt-PT" dirty="0" smtClean="0"/>
+              <a:rPr lang="pt-PT" dirty="0"/>
               <a:t>Esquema Físico</a:t>
             </a:r>
-            <a:endParaRPr lang="pt-PT" dirty="0"/>
           </a:p>
         </p:txBody>
       </p:sp>
@@ -4172,155 +4111,62 @@
           <a:lstStyle/>
           <a:p>
             <a:r>
-              <a:rPr lang="pt-PT" sz="1800" dirty="0" smtClean="0"/>
-              <a:t>Seleção do sistema de gestão de bases de </a:t>
-            </a:r>
-            <a:r>
-              <a:rPr lang="pt-PT" sz="1800" dirty="0" smtClean="0"/>
-              <a:t>dados: </a:t>
-            </a:r>
-            <a:r>
-              <a:rPr lang="pt-PT" sz="1800" dirty="0" err="1" smtClean="0"/>
+              <a:rPr lang="pt-PT" sz="1800" dirty="0"/>
+              <a:t>Seleção do sistema de gestão de bases de dados: </a:t>
+            </a:r>
+            <a:r>
+              <a:rPr lang="pt-PT" sz="1800" dirty="0" err="1"/>
               <a:t>MySQL</a:t>
             </a:r>
-            <a:endParaRPr lang="pt-PT" sz="1800" dirty="0" smtClean="0"/>
-          </a:p>
-          <a:p>
-            <a:r>
-              <a:rPr lang="pt-PT" sz="1800" dirty="0" smtClean="0"/>
+            <a:endParaRPr lang="pt-PT" sz="1800" dirty="0"/>
+          </a:p>
+          <a:p>
+            <a:r>
+              <a:rPr lang="pt-PT" sz="1800" dirty="0"/>
               <a:t>Tradução do esquema lógico para o sistema de gestão de bases de dados escolhido em SQL</a:t>
             </a:r>
           </a:p>
           <a:p>
             <a:r>
               <a:rPr lang="pt-PT" sz="1800" dirty="0"/>
-              <a:t>Tradução das interrogações do utilizador para </a:t>
-            </a:r>
-            <a:r>
-              <a:rPr lang="pt-PT" sz="1800" dirty="0" smtClean="0"/>
-              <a:t>SQL</a:t>
+              <a:t>Escolha, definição e caracterização de índices em SQL</a:t>
             </a:r>
           </a:p>
           <a:p>
             <a:r>
               <a:rPr lang="pt-PT" sz="1800" dirty="0"/>
-              <a:t>Tradução das transações estabelecidas para </a:t>
-            </a:r>
-            <a:r>
-              <a:rPr lang="pt-PT" sz="1800" dirty="0" smtClean="0"/>
-              <a:t>SQL</a:t>
+              <a:t>Definição e caracterização das vistas de utilização em SQL</a:t>
             </a:r>
           </a:p>
           <a:p>
             <a:r>
               <a:rPr lang="pt-PT" sz="1800" dirty="0"/>
-              <a:t>Escolha, definição e caracterização de índices em </a:t>
-            </a:r>
-            <a:r>
-              <a:rPr lang="pt-PT" sz="1800" dirty="0" smtClean="0"/>
-              <a:t>SQL</a:t>
-            </a:r>
-          </a:p>
-          <a:p>
-            <a:r>
-              <a:rPr lang="pt-PT" sz="1800" dirty="0"/>
-              <a:t>Estimativa do espaço em disco da base de dados e taxa de crescimento </a:t>
-            </a:r>
-            <a:r>
-              <a:rPr lang="pt-PT" sz="1800" dirty="0" smtClean="0"/>
-              <a:t>anual</a:t>
-            </a:r>
-          </a:p>
-          <a:p>
-            <a:r>
-              <a:rPr lang="pt-PT" sz="1800" dirty="0"/>
-              <a:t>Definição e caracterização das vistas de utilização em </a:t>
-            </a:r>
-            <a:r>
-              <a:rPr lang="pt-PT" sz="1800" dirty="0" smtClean="0"/>
-              <a:t>SQL</a:t>
-            </a:r>
-          </a:p>
-          <a:p>
-            <a:r>
-              <a:rPr lang="pt-PT" sz="1800" dirty="0"/>
-              <a:t>Definição e caracterização dos mecanismos de segurança em </a:t>
-            </a:r>
-            <a:r>
-              <a:rPr lang="pt-PT" sz="1800" dirty="0" smtClean="0"/>
-              <a:t>SQL</a:t>
-            </a:r>
-          </a:p>
-          <a:p>
-            <a:r>
-              <a:rPr lang="pt-PT" sz="1800" dirty="0"/>
-              <a:t>Revisão do sistema implementado com o utilizador</a:t>
-            </a:r>
+              <a:t>Definição e caracterização dos mecanismos de segurança </a:t>
+            </a:r>
+            <a:r>
+              <a:rPr lang="pt-PT" sz="1800"/>
+              <a:t>em SQL</a:t>
+            </a:r>
+            <a:endParaRPr lang="pt-PT" sz="1800" dirty="0"/>
           </a:p>
         </p:txBody>
       </p:sp>
       <p:pic>
         <p:nvPicPr>
-          <p:cNvPr id="1026" name="Picture 2" descr="Transação"/>
+          <p:cNvPr id="7" name="Imagem 6">
+            <a:extLst>
+              <a:ext uri="{FF2B5EF4-FFF2-40B4-BE49-F238E27FC236}">
+                <a16:creationId xmlns:a16="http://schemas.microsoft.com/office/drawing/2014/main" id="{2B0F89FA-6832-449D-A692-D35A680C5A5F}"/>
+              </a:ext>
+            </a:extLst>
+          </p:cNvPr>
           <p:cNvPicPr>
-            <a:picLocks noChangeAspect="1" noChangeArrowheads="1"/>
+            <a:picLocks noChangeAspect="1"/>
           </p:cNvPicPr>
           <p:nvPr/>
         </p:nvPicPr>
         <p:blipFill>
           <a:blip r:embed="rId2">
-            <a:extLst>
-              <a:ext uri="{28A0092B-C50C-407E-A947-70E740481C1C}">
-                <a14:useLocalDpi xmlns:a14="http://schemas.microsoft.com/office/drawing/2010/main" val="0"/>
-              </a:ext>
-            </a:extLst>
-          </a:blip>
-          <a:srcRect/>
-          <a:stretch>
-            <a:fillRect/>
-          </a:stretch>
-        </p:blipFill>
-        <p:spPr bwMode="auto">
-          <a:xfrm>
-            <a:off x="6106208" y="954708"/>
-            <a:ext cx="5343525" cy="1524000"/>
-          </a:xfrm>
-          <a:prstGeom prst="rect">
-            <a:avLst/>
-          </a:prstGeom>
-          <a:noFill/>
-          <a:ln>
-            <a:noFill/>
-          </a:ln>
-          <a:extLst>
-            <a:ext uri="{909E8E84-426E-40DD-AFC4-6F175D3DCCD1}">
-              <a14:hiddenFill xmlns:a14="http://schemas.microsoft.com/office/drawing/2010/main">
-                <a:solidFill>
-                  <a:srgbClr val="FFFFFF"/>
-                </a:solidFill>
-              </a14:hiddenFill>
-            </a:ext>
-            <a:ext uri="{91240B29-F687-4F45-9708-019B960494DF}">
-              <a14:hiddenLine xmlns:a14="http://schemas.microsoft.com/office/drawing/2010/main" w="9525">
-                <a:solidFill>
-                  <a:srgbClr val="000000"/>
-                </a:solidFill>
-                <a:miter lim="800000"/>
-                <a:headEnd/>
-                <a:tailEnd/>
-              </a14:hiddenLine>
-            </a:ext>
-          </a:extLst>
-        </p:spPr>
-      </p:pic>
-      <p:pic>
-        <p:nvPicPr>
-          <p:cNvPr id="5" name="Imagem 4"/>
-          <p:cNvPicPr/>
-          <p:nvPr/>
-        </p:nvPicPr>
-        <p:blipFill>
-          <a:blip r:embed="rId3">
             <a:extLst>
               <a:ext uri="{28A0092B-C50C-407E-A947-70E740481C1C}">
                 <a14:useLocalDpi xmlns:a14="http://schemas.microsoft.com/office/drawing/2010/main" val="0"/>
@@ -4333,36 +4179,8 @@
         </p:blipFill>
         <p:spPr>
           <a:xfrm>
-            <a:off x="6106208" y="2478708"/>
-            <a:ext cx="5612130" cy="2437765"/>
-          </a:xfrm>
-          <a:prstGeom prst="rect">
-            <a:avLst/>
-          </a:prstGeom>
-        </p:spPr>
-      </p:pic>
-      <p:pic>
-        <p:nvPicPr>
-          <p:cNvPr id="6" name="Imagem 5"/>
-          <p:cNvPicPr/>
-          <p:nvPr/>
-        </p:nvPicPr>
-        <p:blipFill>
-          <a:blip r:embed="rId4">
-            <a:extLst>
-              <a:ext uri="{28A0092B-C50C-407E-A947-70E740481C1C}">
-                <a14:useLocalDpi xmlns:a14="http://schemas.microsoft.com/office/drawing/2010/main" val="0"/>
-              </a:ext>
-            </a:extLst>
-          </a:blip>
-          <a:stretch>
-            <a:fillRect/>
-          </a:stretch>
-        </p:blipFill>
-        <p:spPr>
-          <a:xfrm>
-            <a:off x="6106208" y="4916473"/>
-            <a:ext cx="3971925" cy="923925"/>
+            <a:off x="6136890" y="804496"/>
+            <a:ext cx="4953691" cy="5249008"/>
           </a:xfrm>
           <a:prstGeom prst="rect">
             <a:avLst/>
@@ -4415,10 +4233,9 @@
           <a:lstStyle/>
           <a:p>
             <a:r>
-              <a:rPr lang="pt-PT" dirty="0" smtClean="0"/>
+              <a:rPr lang="pt-PT" dirty="0"/>
               <a:t>Migração</a:t>
             </a:r>
-            <a:endParaRPr lang="pt-PT" dirty="0"/>
           </a:p>
         </p:txBody>
       </p:sp>
@@ -4487,10 +4304,9 @@
           <a:lstStyle/>
           <a:p>
             <a:r>
-              <a:rPr lang="pt-PT" dirty="0" smtClean="0"/>
+              <a:rPr lang="pt-PT" dirty="0"/>
               <a:t>Conclusão</a:t>
             </a:r>
-            <a:endParaRPr lang="pt-PT" dirty="0"/>
           </a:p>
         </p:txBody>
       </p:sp>
@@ -4510,19 +4326,19 @@
           <a:lstStyle/>
           <a:p>
             <a:r>
-              <a:rPr lang="pt-PT" dirty="0" smtClean="0"/>
+              <a:rPr lang="pt-PT" dirty="0"/>
               <a:t>Bases de dados estão em todo o lado hoje em dia</a:t>
             </a:r>
           </a:p>
           <a:p>
             <a:r>
-              <a:rPr lang="pt-PT" dirty="0" smtClean="0"/>
+              <a:rPr lang="pt-PT" dirty="0"/>
               <a:t>Escolha apropriada das caraterísticas é fundamental</a:t>
             </a:r>
           </a:p>
           <a:p>
             <a:r>
-              <a:rPr lang="pt-PT" dirty="0" smtClean="0"/>
+              <a:rPr lang="pt-PT" dirty="0"/>
               <a:t>Qualquer operação na loja acede à base de dados</a:t>
             </a:r>
           </a:p>

--- a/Apresentação BD.pptx
+++ b/Apresentação BD.pptx
@@ -3614,9 +3614,16 @@
             <p:ph idx="1"/>
           </p:nvPr>
         </p:nvSpPr>
-        <p:spPr/>
-        <p:txBody>
-          <a:bodyPr/>
+        <p:spPr>
+          <a:xfrm>
+            <a:off x="838200" y="1516566"/>
+            <a:ext cx="10515600" cy="5062654"/>
+          </a:xfrm>
+        </p:spPr>
+        <p:txBody>
+          <a:bodyPr>
+            <a:normAutofit fontScale="92500" lnSpcReduction="10000"/>
+          </a:bodyPr>
           <a:lstStyle/>
           <a:p>
             <a:r>
@@ -3636,57 +3643,172 @@
           <a:p>
             <a:r>
               <a:rPr lang="pt-PT" dirty="0"/>
-              <a:t>Requisitos Levantados</a:t>
+              <a:t>Requisitos </a:t>
+            </a:r>
+            <a:r>
+              <a:rPr lang="pt-PT" dirty="0" smtClean="0"/>
+              <a:t>Levantados</a:t>
+            </a:r>
+          </a:p>
+          <a:p>
+            <a:pPr marL="0" indent="0">
+              <a:buNone/>
+            </a:pPr>
+            <a:r>
+              <a:rPr lang="pt-PT" sz="1800" b="1" dirty="0" smtClean="0"/>
+              <a:t>	Requisitos </a:t>
+            </a:r>
+            <a:r>
+              <a:rPr lang="pt-PT" sz="1800" b="1" dirty="0"/>
+              <a:t>do utilizador:</a:t>
             </a:r>
             <a:endParaRPr lang="pt-PT" sz="1800" dirty="0"/>
           </a:p>
           <a:p>
-            <a:pPr lvl="1"/>
-            <a:r>
-              <a:rPr lang="pt-PT" dirty="0"/>
-              <a:t>Requisitos de Descrição</a:t>
-            </a:r>
-          </a:p>
-          <a:p>
-            <a:pPr marL="457200" lvl="1" indent="0">
+            <a:pPr marL="0" indent="0">
               <a:buNone/>
             </a:pPr>
             <a:r>
               <a:rPr lang="pt-PT" sz="1800" dirty="0"/>
-              <a:t>Caraterísticas de cada entidade</a:t>
-            </a:r>
-          </a:p>
-          <a:p>
-            <a:pPr lvl="1"/>
-            <a:r>
-              <a:rPr lang="pt-PT" dirty="0"/>
-              <a:t>Requisitos de exploração</a:t>
-            </a:r>
-          </a:p>
-          <a:p>
-            <a:pPr marL="457200" lvl="1" indent="0">
+              <a:t>	</a:t>
+            </a:r>
+            <a:r>
+              <a:rPr lang="pt-PT" sz="1800" dirty="0" smtClean="0"/>
+              <a:t>Ver </a:t>
+            </a:r>
+            <a:r>
+              <a:rPr lang="pt-PT" sz="1800" dirty="0"/>
+              <a:t>produtos que estão disponíveis no mercado; </a:t>
+            </a:r>
+          </a:p>
+          <a:p>
+            <a:pPr marL="0" indent="0">
               <a:buNone/>
             </a:pPr>
             <a:r>
+              <a:rPr lang="pt-PT" sz="1800" dirty="0" smtClean="0"/>
+              <a:t>	Filtrar </a:t>
+            </a:r>
+            <a:r>
               <a:rPr lang="pt-PT" sz="1800" dirty="0"/>
-              <a:t>Permissão de cada utilizador para pesquisar no sistema</a:t>
-            </a:r>
-          </a:p>
-          <a:p>
-            <a:pPr lvl="1"/>
-            <a:r>
-              <a:rPr lang="pt-PT" dirty="0"/>
-              <a:t>Requisitos de Controlo</a:t>
-            </a:r>
-          </a:p>
-          <a:p>
-            <a:pPr marL="457200" lvl="1" indent="0">
+              <a:t>os produtos que pretende ver/comprar do mercado; </a:t>
+            </a:r>
+          </a:p>
+          <a:p>
+            <a:pPr marL="0" indent="0">
               <a:buNone/>
             </a:pPr>
             <a:r>
+              <a:rPr lang="pt-PT" sz="1800" dirty="0" smtClean="0"/>
+              <a:t>	Aceder </a:t>
+            </a:r>
+            <a:r>
               <a:rPr lang="pt-PT" sz="1800" dirty="0"/>
-              <a:t>Permissão de cada utilizador para editar informação da base de dados</a:t>
-            </a:r>
+              <a:t>a informações pessoais; </a:t>
+            </a:r>
+          </a:p>
+          <a:p>
+            <a:pPr marL="0" indent="0">
+              <a:buNone/>
+            </a:pPr>
+            <a:r>
+              <a:rPr lang="pt-PT" sz="1800" dirty="0"/>
+              <a:t>	</a:t>
+            </a:r>
+            <a:r>
+              <a:rPr lang="pt-PT" sz="1800" dirty="0" smtClean="0"/>
+              <a:t>Comprar </a:t>
+            </a:r>
+            <a:r>
+              <a:rPr lang="pt-PT" sz="1800" dirty="0"/>
+              <a:t>produtos que estão disponíveis no mercado;</a:t>
+            </a:r>
+          </a:p>
+          <a:p>
+            <a:pPr marL="0" indent="0">
+              <a:buNone/>
+            </a:pPr>
+            <a:r>
+              <a:rPr lang="pt-PT" sz="1800" dirty="0"/>
+              <a:t>	</a:t>
+            </a:r>
+            <a:r>
+              <a:rPr lang="pt-PT" sz="1800" dirty="0" smtClean="0"/>
+              <a:t>Adicionar/Alterar </a:t>
+            </a:r>
+            <a:r>
+              <a:rPr lang="pt-PT" sz="1800" dirty="0"/>
+              <a:t>informações pessoais</a:t>
+            </a:r>
+            <a:r>
+              <a:rPr lang="pt-PT" sz="1800" dirty="0" smtClean="0"/>
+              <a:t>;</a:t>
+            </a:r>
+            <a:endParaRPr lang="pt-PT" sz="1800" dirty="0"/>
+          </a:p>
+          <a:p>
+            <a:pPr marL="0" indent="0">
+              <a:buNone/>
+            </a:pPr>
+            <a:r>
+              <a:rPr lang="pt-PT" sz="1800" b="1" dirty="0" smtClean="0"/>
+              <a:t>	Requisitos </a:t>
+            </a:r>
+            <a:r>
+              <a:rPr lang="pt-PT" sz="1800" b="1" dirty="0"/>
+              <a:t>do </a:t>
+            </a:r>
+            <a:r>
+              <a:rPr lang="pt-PT" sz="1800" b="1" dirty="0" smtClean="0"/>
+              <a:t>administrador:</a:t>
+            </a:r>
+            <a:endParaRPr lang="pt-PT" sz="1800" dirty="0"/>
+          </a:p>
+          <a:p>
+            <a:pPr marL="0" indent="0">
+              <a:buNone/>
+            </a:pPr>
+            <a:r>
+              <a:rPr lang="pt-PT" sz="1800" dirty="0" smtClean="0"/>
+              <a:t>	Aceder </a:t>
+            </a:r>
+            <a:r>
+              <a:rPr lang="pt-PT" sz="1800" dirty="0"/>
+              <a:t>a informações de todo o sistema; </a:t>
+            </a:r>
+          </a:p>
+          <a:p>
+            <a:pPr marL="0" indent="0">
+              <a:buNone/>
+            </a:pPr>
+            <a:r>
+              <a:rPr lang="pt-PT" sz="1800" dirty="0"/>
+              <a:t>	</a:t>
+            </a:r>
+            <a:r>
+              <a:rPr lang="pt-PT" sz="1800" dirty="0" smtClean="0"/>
+              <a:t>Ver </a:t>
+            </a:r>
+            <a:r>
+              <a:rPr lang="pt-PT" sz="1800" dirty="0"/>
+              <a:t>estatísticas do mercado e dos utilizadores;</a:t>
+            </a:r>
+          </a:p>
+          <a:p>
+            <a:pPr marL="0" indent="0">
+              <a:buNone/>
+            </a:pPr>
+            <a:r>
+              <a:rPr lang="pt-PT" sz="1800" dirty="0" smtClean="0"/>
+              <a:t>	Adicionar/Remover </a:t>
+            </a:r>
+            <a:r>
+              <a:rPr lang="pt-PT" sz="1800" dirty="0"/>
+              <a:t>métodos de pagamento ou transporte; </a:t>
+            </a:r>
+          </a:p>
+          <a:p>
+            <a:endParaRPr lang="pt-PT" sz="1800" dirty="0"/>
           </a:p>
         </p:txBody>
       </p:sp>
@@ -4141,13 +4263,8 @@
           <a:p>
             <a:r>
               <a:rPr lang="pt-PT" sz="1800" dirty="0"/>
-              <a:t>Definição e caracterização dos mecanismos de segurança </a:t>
-            </a:r>
-            <a:r>
-              <a:rPr lang="pt-PT" sz="1800"/>
-              <a:t>em SQL</a:t>
-            </a:r>
-            <a:endParaRPr lang="pt-PT" sz="1800" dirty="0"/>
+              <a:t>Definição e caracterização dos mecanismos de segurança em SQL</a:t>
+            </a:r>
           </a:p>
         </p:txBody>
       </p:sp>
@@ -4156,7 +4273,7 @@
           <p:cNvPr id="7" name="Imagem 6">
             <a:extLst>
               <a:ext uri="{FF2B5EF4-FFF2-40B4-BE49-F238E27FC236}">
-                <a16:creationId xmlns:a16="http://schemas.microsoft.com/office/drawing/2014/main" id="{2B0F89FA-6832-449D-A692-D35A680C5A5F}"/>
+                <a16:creationId xmlns:a16="http://schemas.microsoft.com/office/drawing/2014/main" xmlns="" id="{2B0F89FA-6832-449D-A692-D35A680C5A5F}"/>
               </a:ext>
             </a:extLst>
           </p:cNvPr>
@@ -4181,6 +4298,66 @@
           <a:xfrm>
             <a:off x="6136890" y="804496"/>
             <a:ext cx="4953691" cy="5249008"/>
+          </a:xfrm>
+          <a:prstGeom prst="rect">
+            <a:avLst/>
+          </a:prstGeom>
+        </p:spPr>
+      </p:pic>
+      <p:pic>
+        <p:nvPicPr>
+          <p:cNvPr id="4" name="Imagem 3"/>
+          <p:cNvPicPr>
+            <a:picLocks noChangeAspect="1"/>
+          </p:cNvPicPr>
+          <p:nvPr/>
+        </p:nvPicPr>
+        <p:blipFill>
+          <a:blip r:embed="rId3">
+            <a:extLst>
+              <a:ext uri="{28A0092B-C50C-407E-A947-70E740481C1C}">
+                <a14:useLocalDpi xmlns:a14="http://schemas.microsoft.com/office/drawing/2010/main" val="0"/>
+              </a:ext>
+            </a:extLst>
+          </a:blip>
+          <a:stretch>
+            <a:fillRect/>
+          </a:stretch>
+        </p:blipFill>
+        <p:spPr>
+          <a:xfrm>
+            <a:off x="1632602" y="4285286"/>
+            <a:ext cx="3181794" cy="495369"/>
+          </a:xfrm>
+          <a:prstGeom prst="rect">
+            <a:avLst/>
+          </a:prstGeom>
+        </p:spPr>
+      </p:pic>
+      <p:pic>
+        <p:nvPicPr>
+          <p:cNvPr id="5" name="Imagem 4"/>
+          <p:cNvPicPr>
+            <a:picLocks noChangeAspect="1"/>
+          </p:cNvPicPr>
+          <p:nvPr/>
+        </p:nvPicPr>
+        <p:blipFill>
+          <a:blip r:embed="rId4">
+            <a:extLst>
+              <a:ext uri="{28A0092B-C50C-407E-A947-70E740481C1C}">
+                <a14:useLocalDpi xmlns:a14="http://schemas.microsoft.com/office/drawing/2010/main" val="0"/>
+              </a:ext>
+            </a:extLst>
+          </a:blip>
+          <a:stretch>
+            <a:fillRect/>
+          </a:stretch>
+        </p:blipFill>
+        <p:spPr>
+          <a:xfrm>
+            <a:off x="540015" y="5091117"/>
+            <a:ext cx="5068007" cy="990738"/>
           </a:xfrm>
           <a:prstGeom prst="rect">
             <a:avLst/>
@@ -4249,12 +4426,137 @@
             <p:ph idx="1"/>
           </p:nvPr>
         </p:nvSpPr>
-        <p:spPr/>
-        <p:txBody>
-          <a:bodyPr/>
-          <a:lstStyle/>
-          <a:p>
-            <a:endParaRPr lang="pt-PT"/>
+        <p:spPr>
+          <a:xfrm>
+            <a:off x="838200" y="1690688"/>
+            <a:ext cx="10515600" cy="4620902"/>
+          </a:xfrm>
+        </p:spPr>
+        <p:txBody>
+          <a:bodyPr>
+            <a:normAutofit fontScale="92500" lnSpcReduction="10000"/>
+          </a:bodyPr>
+          <a:lstStyle/>
+          <a:p>
+            <a:r>
+              <a:rPr lang="pt-PT" sz="3000" b="1" dirty="0"/>
+              <a:t>Justificação da Migração</a:t>
+            </a:r>
+            <a:endParaRPr lang="pt-PT" sz="3000" dirty="0"/>
+          </a:p>
+          <a:p>
+            <a:r>
+              <a:rPr lang="pt-PT" sz="3000" b="1" dirty="0"/>
+              <a:t>Estrutura base do sistema </a:t>
+            </a:r>
+            <a:r>
+              <a:rPr lang="pt-PT" sz="3000" b="1" dirty="0" err="1" smtClean="0"/>
+              <a:t>NoSQL</a:t>
+            </a:r>
+            <a:endParaRPr lang="pt-PT" sz="3000" b="1" dirty="0" smtClean="0"/>
+          </a:p>
+          <a:p>
+            <a:pPr lvl="1"/>
+            <a:r>
+              <a:rPr lang="pt-PT" sz="2600" dirty="0" smtClean="0"/>
+              <a:t>Utilizador</a:t>
+            </a:r>
+            <a:r>
+              <a:rPr lang="pt-PT" sz="2600" dirty="0"/>
+              <a:t>;</a:t>
+            </a:r>
+            <a:endParaRPr lang="pt-PT" sz="3500" dirty="0"/>
+          </a:p>
+          <a:p>
+            <a:pPr lvl="1"/>
+            <a:r>
+              <a:rPr lang="pt-PT" sz="2600" dirty="0" smtClean="0"/>
+              <a:t>Produto</a:t>
+            </a:r>
+            <a:r>
+              <a:rPr lang="pt-PT" sz="2600" dirty="0"/>
+              <a:t>;</a:t>
+            </a:r>
+            <a:endParaRPr lang="pt-PT" sz="3500" dirty="0"/>
+          </a:p>
+          <a:p>
+            <a:pPr lvl="1"/>
+            <a:r>
+              <a:rPr lang="pt-PT" sz="2600" dirty="0" smtClean="0"/>
+              <a:t>Compra</a:t>
+            </a:r>
+            <a:r>
+              <a:rPr lang="pt-PT" sz="2600" dirty="0"/>
+              <a:t>;</a:t>
+            </a:r>
+            <a:endParaRPr lang="pt-PT" sz="3500" dirty="0"/>
+          </a:p>
+          <a:p>
+            <a:pPr lvl="1"/>
+            <a:r>
+              <a:rPr lang="pt-PT" sz="2600" dirty="0" smtClean="0"/>
+              <a:t>Carrinho</a:t>
+            </a:r>
+            <a:r>
+              <a:rPr lang="pt-PT" sz="2600" dirty="0"/>
+              <a:t>;</a:t>
+            </a:r>
+            <a:endParaRPr lang="pt-PT" sz="3500" dirty="0"/>
+          </a:p>
+          <a:p>
+            <a:pPr lvl="1"/>
+            <a:r>
+              <a:rPr lang="pt-PT" sz="2600" dirty="0" smtClean="0"/>
+              <a:t>MetodosPagamento</a:t>
+            </a:r>
+            <a:r>
+              <a:rPr lang="pt-PT" sz="2600" dirty="0"/>
+              <a:t>;</a:t>
+            </a:r>
+            <a:endParaRPr lang="pt-PT" sz="3500" dirty="0"/>
+          </a:p>
+          <a:p>
+            <a:pPr lvl="1"/>
+            <a:r>
+              <a:rPr lang="pt-PT" sz="2600" dirty="0" smtClean="0"/>
+              <a:t>Transporte;</a:t>
+            </a:r>
+            <a:endParaRPr lang="pt-PT" sz="2600" dirty="0"/>
+          </a:p>
+          <a:p>
+            <a:r>
+              <a:rPr lang="pt-PT" sz="3000" b="1" dirty="0"/>
+              <a:t>Processo de migração de </a:t>
+            </a:r>
+            <a:r>
+              <a:rPr lang="pt-PT" sz="3000" b="1" dirty="0" smtClean="0"/>
+              <a:t>dados</a:t>
+            </a:r>
+          </a:p>
+          <a:p>
+            <a:pPr lvl="1"/>
+            <a:r>
+              <a:rPr lang="pt-PT" sz="2600" dirty="0" smtClean="0"/>
+              <a:t>Extração</a:t>
+            </a:r>
+          </a:p>
+          <a:p>
+            <a:pPr lvl="1"/>
+            <a:r>
+              <a:rPr lang="pt-PT" sz="2600" dirty="0" smtClean="0"/>
+              <a:t>Transformação</a:t>
+            </a:r>
+          </a:p>
+          <a:p>
+            <a:pPr lvl="1"/>
+            <a:r>
+              <a:rPr lang="pt-PT" sz="2600" dirty="0" smtClean="0"/>
+              <a:t>Carregamento</a:t>
+            </a:r>
+            <a:endParaRPr lang="pt-PT" sz="2600" dirty="0"/>
+          </a:p>
+          <a:p>
+            <a:endParaRPr lang="pt-PT" dirty="0"/>
           </a:p>
         </p:txBody>
       </p:sp>

--- a/Apresentação BD.pptx
+++ b/Apresentação BD.pptx
@@ -2,7 +2,7 @@
 <file path=ppt/presentation.xml><?xml version="1.0" encoding="utf-8"?>
 <p:presentation xmlns:a="http://schemas.openxmlformats.org/drawingml/2006/main" xmlns:r="http://schemas.openxmlformats.org/officeDocument/2006/relationships" xmlns:p="http://schemas.openxmlformats.org/presentationml/2006/main" saveSubsetFonts="1">
   <p:sldMasterIdLst>
-    <p:sldMasterId id="2147483648" r:id="rId1"/>
+    <p:sldMasterId id="2147483660" r:id="rId1"/>
   </p:sldMasterIdLst>
   <p:notesMasterIdLst>
     <p:notesMasterId r:id="rId10"/>
@@ -21,9 +21,9 @@
   <p:notesSz cx="6858000" cy="9144000"/>
   <p:defaultTextStyle>
     <a:defPPr>
-      <a:defRPr lang="pt-PT"/>
+      <a:defRPr lang="en-US"/>
     </a:defPPr>
-    <a:lvl1pPr marL="0" algn="l" defTabSz="914400" rtl="0" eaLnBrk="1" latinLnBrk="0" hangingPunct="1">
+    <a:lvl1pPr marL="0" algn="l" defTabSz="457200" rtl="0" eaLnBrk="1" latinLnBrk="0" hangingPunct="1">
       <a:defRPr sz="1800" kern="1200">
         <a:solidFill>
           <a:schemeClr val="tx1"/>
@@ -33,7 +33,7 @@
         <a:cs typeface="+mn-cs"/>
       </a:defRPr>
     </a:lvl1pPr>
-    <a:lvl2pPr marL="457200" algn="l" defTabSz="914400" rtl="0" eaLnBrk="1" latinLnBrk="0" hangingPunct="1">
+    <a:lvl2pPr marL="457200" algn="l" defTabSz="457200" rtl="0" eaLnBrk="1" latinLnBrk="0" hangingPunct="1">
       <a:defRPr sz="1800" kern="1200">
         <a:solidFill>
           <a:schemeClr val="tx1"/>
@@ -43,7 +43,7 @@
         <a:cs typeface="+mn-cs"/>
       </a:defRPr>
     </a:lvl2pPr>
-    <a:lvl3pPr marL="914400" algn="l" defTabSz="914400" rtl="0" eaLnBrk="1" latinLnBrk="0" hangingPunct="1">
+    <a:lvl3pPr marL="914400" algn="l" defTabSz="457200" rtl="0" eaLnBrk="1" latinLnBrk="0" hangingPunct="1">
       <a:defRPr sz="1800" kern="1200">
         <a:solidFill>
           <a:schemeClr val="tx1"/>
@@ -53,7 +53,7 @@
         <a:cs typeface="+mn-cs"/>
       </a:defRPr>
     </a:lvl3pPr>
-    <a:lvl4pPr marL="1371600" algn="l" defTabSz="914400" rtl="0" eaLnBrk="1" latinLnBrk="0" hangingPunct="1">
+    <a:lvl4pPr marL="1371600" algn="l" defTabSz="457200" rtl="0" eaLnBrk="1" latinLnBrk="0" hangingPunct="1">
       <a:defRPr sz="1800" kern="1200">
         <a:solidFill>
           <a:schemeClr val="tx1"/>
@@ -63,7 +63,7 @@
         <a:cs typeface="+mn-cs"/>
       </a:defRPr>
     </a:lvl4pPr>
-    <a:lvl5pPr marL="1828800" algn="l" defTabSz="914400" rtl="0" eaLnBrk="1" latinLnBrk="0" hangingPunct="1">
+    <a:lvl5pPr marL="1828800" algn="l" defTabSz="457200" rtl="0" eaLnBrk="1" latinLnBrk="0" hangingPunct="1">
       <a:defRPr sz="1800" kern="1200">
         <a:solidFill>
           <a:schemeClr val="tx1"/>
@@ -73,7 +73,7 @@
         <a:cs typeface="+mn-cs"/>
       </a:defRPr>
     </a:lvl5pPr>
-    <a:lvl6pPr marL="2286000" algn="l" defTabSz="914400" rtl="0" eaLnBrk="1" latinLnBrk="0" hangingPunct="1">
+    <a:lvl6pPr marL="2286000" algn="l" defTabSz="457200" rtl="0" eaLnBrk="1" latinLnBrk="0" hangingPunct="1">
       <a:defRPr sz="1800" kern="1200">
         <a:solidFill>
           <a:schemeClr val="tx1"/>
@@ -83,7 +83,7 @@
         <a:cs typeface="+mn-cs"/>
       </a:defRPr>
     </a:lvl6pPr>
-    <a:lvl7pPr marL="2743200" algn="l" defTabSz="914400" rtl="0" eaLnBrk="1" latinLnBrk="0" hangingPunct="1">
+    <a:lvl7pPr marL="2743200" algn="l" defTabSz="457200" rtl="0" eaLnBrk="1" latinLnBrk="0" hangingPunct="1">
       <a:defRPr sz="1800" kern="1200">
         <a:solidFill>
           <a:schemeClr val="tx1"/>
@@ -93,7 +93,7 @@
         <a:cs typeface="+mn-cs"/>
       </a:defRPr>
     </a:lvl7pPr>
-    <a:lvl8pPr marL="3200400" algn="l" defTabSz="914400" rtl="0" eaLnBrk="1" latinLnBrk="0" hangingPunct="1">
+    <a:lvl8pPr marL="3200400" algn="l" defTabSz="457200" rtl="0" eaLnBrk="1" latinLnBrk="0" hangingPunct="1">
       <a:defRPr sz="1800" kern="1200">
         <a:solidFill>
           <a:schemeClr val="tx1"/>
@@ -103,7 +103,7 @@
         <a:cs typeface="+mn-cs"/>
       </a:defRPr>
     </a:lvl8pPr>
-    <a:lvl9pPr marL="3657600" algn="l" defTabSz="914400" rtl="0" eaLnBrk="1" latinLnBrk="0" hangingPunct="1">
+    <a:lvl9pPr marL="3657600" algn="l" defTabSz="457200" rtl="0" eaLnBrk="1" latinLnBrk="0" hangingPunct="1">
       <a:defRPr sz="1800" kern="1200">
         <a:solidFill>
           <a:schemeClr val="tx1"/>
@@ -204,7 +204,7 @@
           <a:p>
             <a:fld id="{0A538BEC-E331-4F1A-B277-A6186320AEFE}" type="datetimeFigureOut">
               <a:rPr lang="pt-PT" smtClean="0"/>
-              <a:t>21/01/2019</a:t>
+              <a:t>22/01/2019</a:t>
             </a:fld>
             <a:endParaRPr lang="pt-PT"/>
           </a:p>
@@ -490,7 +490,7 @@
       </p:grpSpPr>
       <p:sp>
         <p:nvSpPr>
-          <p:cNvPr id="2" name="Título 1"/>
+          <p:cNvPr id="2" name="Title 1"/>
           <p:cNvSpPr>
             <a:spLocks noGrp="1"/>
           </p:cNvSpPr>
@@ -500,28 +500,31 @@
         </p:nvSpPr>
         <p:spPr>
           <a:xfrm>
-            <a:off x="1524000" y="1122363"/>
-            <a:ext cx="9144000" cy="2387600"/>
-          </a:xfrm>
-        </p:spPr>
-        <p:txBody>
-          <a:bodyPr anchor="b"/>
+            <a:off x="2417779" y="802298"/>
+            <a:ext cx="8637073" cy="2541431"/>
+          </a:xfrm>
+        </p:spPr>
+        <p:txBody>
+          <a:bodyPr bIns="0" anchor="b">
+            <a:normAutofit/>
+          </a:bodyPr>
           <a:lstStyle>
-            <a:lvl1pPr algn="ctr">
-              <a:defRPr sz="6000"/>
+            <a:lvl1pPr algn="l">
+              <a:defRPr sz="6600"/>
             </a:lvl1pPr>
           </a:lstStyle>
           <a:p>
             <a:r>
               <a:rPr lang="pt-PT"/>
-              <a:t>Clique para editar o estilo</a:t>
-            </a:r>
-          </a:p>
-        </p:txBody>
-      </p:sp>
-      <p:sp>
-        <p:nvSpPr>
-          <p:cNvPr id="3" name="Subtítulo 2"/>
+              <a:t>Clique para editar o estilo de título do Modelo Global</a:t>
+            </a:r>
+            <a:endParaRPr lang="en-US" dirty="0"/>
+          </a:p>
+        </p:txBody>
+      </p:sp>
+      <p:sp>
+        <p:nvSpPr>
+          <p:cNvPr id="3" name="Subtitle 2"/>
           <p:cNvSpPr>
             <a:spLocks noGrp="1"/>
           </p:cNvSpPr>
@@ -531,20 +534,26 @@
         </p:nvSpPr>
         <p:spPr>
           <a:xfrm>
-            <a:off x="1524000" y="3602038"/>
-            <a:ext cx="9144000" cy="1655762"/>
-          </a:xfrm>
-        </p:spPr>
-        <p:txBody>
-          <a:bodyPr/>
+            <a:off x="2417780" y="3531204"/>
+            <a:ext cx="8637072" cy="977621"/>
+          </a:xfrm>
+        </p:spPr>
+        <p:txBody>
+          <a:bodyPr tIns="91440" bIns="91440">
+            <a:normAutofit/>
+          </a:bodyPr>
           <a:lstStyle>
-            <a:lvl1pPr marL="0" indent="0" algn="ctr">
-              <a:buNone/>
-              <a:defRPr sz="2400"/>
+            <a:lvl1pPr marL="0" indent="0" algn="l">
+              <a:buNone/>
+              <a:defRPr sz="1800" b="0" cap="all" baseline="0">
+                <a:solidFill>
+                  <a:schemeClr val="tx1"/>
+                </a:solidFill>
+              </a:defRPr>
             </a:lvl1pPr>
             <a:lvl2pPr marL="457200" indent="0" algn="ctr">
               <a:buNone/>
-              <a:defRPr sz="2000"/>
+              <a:defRPr sz="1800"/>
             </a:lvl2pPr>
             <a:lvl3pPr marL="914400" indent="0" algn="ctr">
               <a:buNone/>
@@ -578,14 +587,15 @@
           <a:p>
             <a:r>
               <a:rPr lang="pt-PT"/>
-              <a:t>Clique para editar o estilo do subtítulo do Modelo Global</a:t>
-            </a:r>
-          </a:p>
-        </p:txBody>
-      </p:sp>
-      <p:sp>
-        <p:nvSpPr>
-          <p:cNvPr id="4" name="Marcador de Posição da Data 3"/>
+              <a:t>Clique para editar o estilo de subtítulo do Modelo Global</a:t>
+            </a:r>
+            <a:endParaRPr lang="en-US" dirty="0"/>
+          </a:p>
+        </p:txBody>
+      </p:sp>
+      <p:sp>
+        <p:nvSpPr>
+          <p:cNvPr id="4" name="Date Placeholder 3"/>
           <p:cNvSpPr>
             <a:spLocks noGrp="1"/>
           </p:cNvSpPr>
@@ -600,7 +610,7 @@
           <a:p>
             <a:fld id="{E011CE98-2713-45F9-A806-008D9A8C3646}" type="datetimeFigureOut">
               <a:rPr lang="pt-PT" smtClean="0"/>
-              <a:t>21/01/2019</a:t>
+              <a:t>22/01/2019</a:t>
             </a:fld>
             <a:endParaRPr lang="pt-PT"/>
           </a:p>
@@ -608,7 +618,7 @@
       </p:sp>
       <p:sp>
         <p:nvSpPr>
-          <p:cNvPr id="5" name="Marcador de Posição do Rodapé 4"/>
+          <p:cNvPr id="5" name="Footer Placeholder 4"/>
           <p:cNvSpPr>
             <a:spLocks noGrp="1"/>
           </p:cNvSpPr>
@@ -616,7 +626,12 @@
             <p:ph type="ftr" sz="quarter" idx="11"/>
           </p:nvPr>
         </p:nvSpPr>
-        <p:spPr/>
+        <p:spPr>
+          <a:xfrm>
+            <a:off x="2416500" y="329307"/>
+            <a:ext cx="4973915" cy="309201"/>
+          </a:xfrm>
+        </p:spPr>
         <p:txBody>
           <a:bodyPr/>
           <a:lstStyle/>
@@ -627,7 +642,7 @@
       </p:sp>
       <p:sp>
         <p:nvSpPr>
-          <p:cNvPr id="6" name="Marcador de Posição do Número do Diapositivo 5"/>
+          <p:cNvPr id="6" name="Slide Number Placeholder 5"/>
           <p:cNvSpPr>
             <a:spLocks noGrp="1"/>
           </p:cNvSpPr>
@@ -635,7 +650,12 @@
             <p:ph type="sldNum" sz="quarter" idx="12"/>
           </p:nvPr>
         </p:nvSpPr>
-        <p:spPr/>
+        <p:spPr>
+          <a:xfrm>
+            <a:off x="1437664" y="798973"/>
+            <a:ext cx="811019" cy="503578"/>
+          </a:xfrm>
+        </p:spPr>
         <p:txBody>
           <a:bodyPr/>
           <a:lstStyle/>
@@ -648,10 +668,41 @@
           </a:p>
         </p:txBody>
       </p:sp>
+      <p:cxnSp>
+        <p:nvCxnSpPr>
+          <p:cNvPr id="15" name="Straight Connector 14"/>
+          <p:cNvCxnSpPr/>
+          <p:nvPr/>
+        </p:nvCxnSpPr>
+        <p:spPr>
+          <a:xfrm>
+            <a:off x="2417780" y="3528542"/>
+            <a:ext cx="8637072" cy="0"/>
+          </a:xfrm>
+          <a:prstGeom prst="line">
+            <a:avLst/>
+          </a:prstGeom>
+          <a:ln w="31750"/>
+        </p:spPr>
+        <p:style>
+          <a:lnRef idx="3">
+            <a:schemeClr val="accent1"/>
+          </a:lnRef>
+          <a:fillRef idx="0">
+            <a:schemeClr val="accent1"/>
+          </a:fillRef>
+          <a:effectRef idx="2">
+            <a:schemeClr val="accent1"/>
+          </a:effectRef>
+          <a:fontRef idx="minor">
+            <a:schemeClr val="tx1"/>
+          </a:fontRef>
+        </p:style>
+      </p:cxnSp>
     </p:spTree>
     <p:extLst>
       <p:ext uri="{BB962C8B-B14F-4D97-AF65-F5344CB8AC3E}">
-        <p14:creationId xmlns:p14="http://schemas.microsoft.com/office/powerpoint/2010/main" val="903885254"/>
+        <p14:creationId xmlns:p14="http://schemas.microsoft.com/office/powerpoint/2010/main" val="29335002"/>
       </p:ext>
     </p:extLst>
   </p:cSld>
@@ -680,7 +731,7 @@
       </p:grpSpPr>
       <p:sp>
         <p:nvSpPr>
-          <p:cNvPr id="2" name="Título 1"/>
+          <p:cNvPr id="2" name="Title 1"/>
           <p:cNvSpPr>
             <a:spLocks noGrp="1"/>
           </p:cNvSpPr>
@@ -695,14 +746,15 @@
           <a:p>
             <a:r>
               <a:rPr lang="pt-PT"/>
-              <a:t>Clique para editar o estilo</a:t>
-            </a:r>
-          </a:p>
-        </p:txBody>
-      </p:sp>
-      <p:sp>
-        <p:nvSpPr>
-          <p:cNvPr id="3" name="Marcador de Posição de Texto Vertical 2"/>
+              <a:t>Clique para editar o estilo de título do Modelo Global</a:t>
+            </a:r>
+            <a:endParaRPr lang="en-US" dirty="0"/>
+          </a:p>
+        </p:txBody>
+      </p:sp>
+      <p:sp>
+        <p:nvSpPr>
+          <p:cNvPr id="3" name="Vertical Text Placeholder 2"/>
           <p:cNvSpPr>
             <a:spLocks noGrp="1"/>
           </p:cNvSpPr>
@@ -748,12 +800,13 @@
               <a:rPr lang="pt-PT"/>
               <a:t>Quinto nível</a:t>
             </a:r>
-          </a:p>
-        </p:txBody>
-      </p:sp>
-      <p:sp>
-        <p:nvSpPr>
-          <p:cNvPr id="4" name="Marcador de Posição da Data 3"/>
+            <a:endParaRPr lang="en-US" dirty="0"/>
+          </a:p>
+        </p:txBody>
+      </p:sp>
+      <p:sp>
+        <p:nvSpPr>
+          <p:cNvPr id="4" name="Date Placeholder 3"/>
           <p:cNvSpPr>
             <a:spLocks noGrp="1"/>
           </p:cNvSpPr>
@@ -768,7 +821,7 @@
           <a:p>
             <a:fld id="{E011CE98-2713-45F9-A806-008D9A8C3646}" type="datetimeFigureOut">
               <a:rPr lang="pt-PT" smtClean="0"/>
-              <a:t>21/01/2019</a:t>
+              <a:t>22/01/2019</a:t>
             </a:fld>
             <a:endParaRPr lang="pt-PT"/>
           </a:p>
@@ -776,7 +829,7 @@
       </p:sp>
       <p:sp>
         <p:nvSpPr>
-          <p:cNvPr id="5" name="Marcador de Posição do Rodapé 4"/>
+          <p:cNvPr id="5" name="Footer Placeholder 4"/>
           <p:cNvSpPr>
             <a:spLocks noGrp="1"/>
           </p:cNvSpPr>
@@ -795,7 +848,7 @@
       </p:sp>
       <p:sp>
         <p:nvSpPr>
-          <p:cNvPr id="6" name="Marcador de Posição do Número do Diapositivo 5"/>
+          <p:cNvPr id="6" name="Slide Number Placeholder 5"/>
           <p:cNvSpPr>
             <a:spLocks noGrp="1"/>
           </p:cNvSpPr>
@@ -816,10 +869,41 @@
           </a:p>
         </p:txBody>
       </p:sp>
+      <p:cxnSp>
+        <p:nvCxnSpPr>
+          <p:cNvPr id="26" name="Straight Connector 25"/>
+          <p:cNvCxnSpPr/>
+          <p:nvPr/>
+        </p:nvCxnSpPr>
+        <p:spPr>
+          <a:xfrm>
+            <a:off x="1453896" y="1847088"/>
+            <a:ext cx="9607522" cy="0"/>
+          </a:xfrm>
+          <a:prstGeom prst="line">
+            <a:avLst/>
+          </a:prstGeom>
+          <a:ln w="31750"/>
+        </p:spPr>
+        <p:style>
+          <a:lnRef idx="3">
+            <a:schemeClr val="accent1"/>
+          </a:lnRef>
+          <a:fillRef idx="0">
+            <a:schemeClr val="accent1"/>
+          </a:fillRef>
+          <a:effectRef idx="2">
+            <a:schemeClr val="accent1"/>
+          </a:effectRef>
+          <a:fontRef idx="minor">
+            <a:schemeClr val="tx1"/>
+          </a:fontRef>
+        </p:style>
+      </p:cxnSp>
     </p:spTree>
     <p:extLst>
       <p:ext uri="{BB962C8B-B14F-4D97-AF65-F5344CB8AC3E}">
-        <p14:creationId xmlns:p14="http://schemas.microsoft.com/office/powerpoint/2010/main" val="4051128532"/>
+        <p14:creationId xmlns:p14="http://schemas.microsoft.com/office/powerpoint/2010/main" val="1912996803"/>
       </p:ext>
     </p:extLst>
   </p:cSld>
@@ -848,7 +932,7 @@
       </p:grpSpPr>
       <p:sp>
         <p:nvSpPr>
-          <p:cNvPr id="2" name="Título Vertical 1"/>
+          <p:cNvPr id="2" name="Vertical Title 1"/>
           <p:cNvSpPr>
             <a:spLocks noGrp="1"/>
           </p:cNvSpPr>
@@ -858,24 +942,29 @@
         </p:nvSpPr>
         <p:spPr>
           <a:xfrm>
-            <a:off x="8724900" y="365125"/>
-            <a:ext cx="2628900" cy="5811838"/>
+            <a:off x="9439111" y="798973"/>
+            <a:ext cx="1615742" cy="4659889"/>
           </a:xfrm>
         </p:spPr>
         <p:txBody>
           <a:bodyPr vert="eaVert"/>
-          <a:lstStyle/>
-          <a:p>
-            <a:r>
-              <a:rPr lang="pt-PT"/>
-              <a:t>Clique para editar o estilo</a:t>
-            </a:r>
-          </a:p>
-        </p:txBody>
-      </p:sp>
-      <p:sp>
-        <p:nvSpPr>
-          <p:cNvPr id="3" name="Marcador de Posição de Texto Vertical 2"/>
+          <a:lstStyle>
+            <a:lvl1pPr algn="l">
+              <a:defRPr/>
+            </a:lvl1pPr>
+          </a:lstStyle>
+          <a:p>
+            <a:r>
+              <a:rPr lang="pt-PT"/>
+              <a:t>Clique para editar o estilo de título do Modelo Global</a:t>
+            </a:r>
+            <a:endParaRPr lang="en-US" dirty="0"/>
+          </a:p>
+        </p:txBody>
+      </p:sp>
+      <p:sp>
+        <p:nvSpPr>
+          <p:cNvPr id="3" name="Vertical Text Placeholder 2"/>
           <p:cNvSpPr>
             <a:spLocks noGrp="1"/>
           </p:cNvSpPr>
@@ -885,8 +974,8 @@
         </p:nvSpPr>
         <p:spPr>
           <a:xfrm>
-            <a:off x="838200" y="365125"/>
-            <a:ext cx="7734300" cy="5811838"/>
+            <a:off x="1444672" y="798973"/>
+            <a:ext cx="7828830" cy="4659889"/>
           </a:xfrm>
         </p:spPr>
         <p:txBody>
@@ -926,12 +1015,13 @@
               <a:rPr lang="pt-PT"/>
               <a:t>Quinto nível</a:t>
             </a:r>
-          </a:p>
-        </p:txBody>
-      </p:sp>
-      <p:sp>
-        <p:nvSpPr>
-          <p:cNvPr id="4" name="Marcador de Posição da Data 3"/>
+            <a:endParaRPr lang="en-US" dirty="0"/>
+          </a:p>
+        </p:txBody>
+      </p:sp>
+      <p:sp>
+        <p:nvSpPr>
+          <p:cNvPr id="4" name="Date Placeholder 3"/>
           <p:cNvSpPr>
             <a:spLocks noGrp="1"/>
           </p:cNvSpPr>
@@ -946,7 +1036,7 @@
           <a:p>
             <a:fld id="{E011CE98-2713-45F9-A806-008D9A8C3646}" type="datetimeFigureOut">
               <a:rPr lang="pt-PT" smtClean="0"/>
-              <a:t>21/01/2019</a:t>
+              <a:t>22/01/2019</a:t>
             </a:fld>
             <a:endParaRPr lang="pt-PT"/>
           </a:p>
@@ -954,7 +1044,7 @@
       </p:sp>
       <p:sp>
         <p:nvSpPr>
-          <p:cNvPr id="5" name="Marcador de Posição do Rodapé 4"/>
+          <p:cNvPr id="5" name="Footer Placeholder 4"/>
           <p:cNvSpPr>
             <a:spLocks noGrp="1"/>
           </p:cNvSpPr>
@@ -973,7 +1063,7 @@
       </p:sp>
       <p:sp>
         <p:nvSpPr>
-          <p:cNvPr id="6" name="Marcador de Posição do Número do Diapositivo 5"/>
+          <p:cNvPr id="6" name="Slide Number Placeholder 5"/>
           <p:cNvSpPr>
             <a:spLocks noGrp="1"/>
           </p:cNvSpPr>
@@ -994,10 +1084,41 @@
           </a:p>
         </p:txBody>
       </p:sp>
+      <p:cxnSp>
+        <p:nvCxnSpPr>
+          <p:cNvPr id="15" name="Straight Connector 14"/>
+          <p:cNvCxnSpPr/>
+          <p:nvPr/>
+        </p:nvCxnSpPr>
+        <p:spPr>
+          <a:xfrm>
+            <a:off x="9439111" y="798973"/>
+            <a:ext cx="0" cy="4659889"/>
+          </a:xfrm>
+          <a:prstGeom prst="line">
+            <a:avLst/>
+          </a:prstGeom>
+          <a:ln w="31750"/>
+        </p:spPr>
+        <p:style>
+          <a:lnRef idx="3">
+            <a:schemeClr val="accent1"/>
+          </a:lnRef>
+          <a:fillRef idx="0">
+            <a:schemeClr val="accent1"/>
+          </a:fillRef>
+          <a:effectRef idx="2">
+            <a:schemeClr val="accent1"/>
+          </a:effectRef>
+          <a:fontRef idx="minor">
+            <a:schemeClr val="tx1"/>
+          </a:fontRef>
+        </p:style>
+      </p:cxnSp>
     </p:spTree>
     <p:extLst>
       <p:ext uri="{BB962C8B-B14F-4D97-AF65-F5344CB8AC3E}">
-        <p14:creationId xmlns:p14="http://schemas.microsoft.com/office/powerpoint/2010/main" val="3412473478"/>
+        <p14:creationId xmlns:p14="http://schemas.microsoft.com/office/powerpoint/2010/main" val="4096775163"/>
       </p:ext>
     </p:extLst>
   </p:cSld>
@@ -1026,7 +1147,7 @@
       </p:grpSpPr>
       <p:sp>
         <p:nvSpPr>
-          <p:cNvPr id="2" name="Título 1"/>
+          <p:cNvPr id="2" name="Title 1"/>
           <p:cNvSpPr>
             <a:spLocks noGrp="1"/>
           </p:cNvSpPr>
@@ -1041,14 +1162,15 @@
           <a:p>
             <a:r>
               <a:rPr lang="pt-PT"/>
-              <a:t>Clique para editar o estilo</a:t>
-            </a:r>
-          </a:p>
-        </p:txBody>
-      </p:sp>
-      <p:sp>
-        <p:nvSpPr>
-          <p:cNvPr id="3" name="Marcador de Posição de Conteúdo 2"/>
+              <a:t>Clique para editar o estilo de título do Modelo Global</a:t>
+            </a:r>
+            <a:endParaRPr lang="en-US" dirty="0"/>
+          </a:p>
+        </p:txBody>
+      </p:sp>
+      <p:sp>
+        <p:nvSpPr>
+          <p:cNvPr id="3" name="Content Placeholder 2"/>
           <p:cNvSpPr>
             <a:spLocks noGrp="1"/>
           </p:cNvSpPr>
@@ -1058,7 +1180,7 @@
         </p:nvSpPr>
         <p:spPr/>
         <p:txBody>
-          <a:bodyPr/>
+          <a:bodyPr anchor="t"/>
           <a:lstStyle/>
           <a:p>
             <a:pPr lvl="0"/>
@@ -1094,12 +1216,13 @@
               <a:rPr lang="pt-PT"/>
               <a:t>Quinto nível</a:t>
             </a:r>
-          </a:p>
-        </p:txBody>
-      </p:sp>
-      <p:sp>
-        <p:nvSpPr>
-          <p:cNvPr id="4" name="Marcador de Posição da Data 3"/>
+            <a:endParaRPr lang="en-US" dirty="0"/>
+          </a:p>
+        </p:txBody>
+      </p:sp>
+      <p:sp>
+        <p:nvSpPr>
+          <p:cNvPr id="4" name="Date Placeholder 3"/>
           <p:cNvSpPr>
             <a:spLocks noGrp="1"/>
           </p:cNvSpPr>
@@ -1114,7 +1237,7 @@
           <a:p>
             <a:fld id="{E011CE98-2713-45F9-A806-008D9A8C3646}" type="datetimeFigureOut">
               <a:rPr lang="pt-PT" smtClean="0"/>
-              <a:t>21/01/2019</a:t>
+              <a:t>22/01/2019</a:t>
             </a:fld>
             <a:endParaRPr lang="pt-PT"/>
           </a:p>
@@ -1122,7 +1245,7 @@
       </p:sp>
       <p:sp>
         <p:nvSpPr>
-          <p:cNvPr id="5" name="Marcador de Posição do Rodapé 4"/>
+          <p:cNvPr id="5" name="Footer Placeholder 4"/>
           <p:cNvSpPr>
             <a:spLocks noGrp="1"/>
           </p:cNvSpPr>
@@ -1141,7 +1264,7 @@
       </p:sp>
       <p:sp>
         <p:nvSpPr>
-          <p:cNvPr id="6" name="Marcador de Posição do Número do Diapositivo 5"/>
+          <p:cNvPr id="6" name="Slide Number Placeholder 5"/>
           <p:cNvSpPr>
             <a:spLocks noGrp="1"/>
           </p:cNvSpPr>
@@ -1162,10 +1285,41 @@
           </a:p>
         </p:txBody>
       </p:sp>
+      <p:cxnSp>
+        <p:nvCxnSpPr>
+          <p:cNvPr id="33" name="Straight Connector 32"/>
+          <p:cNvCxnSpPr/>
+          <p:nvPr/>
+        </p:nvCxnSpPr>
+        <p:spPr>
+          <a:xfrm>
+            <a:off x="1453896" y="1847088"/>
+            <a:ext cx="9607522" cy="0"/>
+          </a:xfrm>
+          <a:prstGeom prst="line">
+            <a:avLst/>
+          </a:prstGeom>
+          <a:ln w="31750"/>
+        </p:spPr>
+        <p:style>
+          <a:lnRef idx="3">
+            <a:schemeClr val="accent1"/>
+          </a:lnRef>
+          <a:fillRef idx="0">
+            <a:schemeClr val="accent1"/>
+          </a:fillRef>
+          <a:effectRef idx="2">
+            <a:schemeClr val="accent1"/>
+          </a:effectRef>
+          <a:fontRef idx="minor">
+            <a:schemeClr val="tx1"/>
+          </a:fontRef>
+        </p:style>
+      </p:cxnSp>
     </p:spTree>
     <p:extLst>
       <p:ext uri="{BB962C8B-B14F-4D97-AF65-F5344CB8AC3E}">
-        <p14:creationId xmlns:p14="http://schemas.microsoft.com/office/powerpoint/2010/main" val="2484398516"/>
+        <p14:creationId xmlns:p14="http://schemas.microsoft.com/office/powerpoint/2010/main" val="3659548451"/>
       </p:ext>
     </p:extLst>
   </p:cSld>
@@ -1194,7 +1348,7 @@
       </p:grpSpPr>
       <p:sp>
         <p:nvSpPr>
-          <p:cNvPr id="2" name="Título 1"/>
+          <p:cNvPr id="2" name="Title 1"/>
           <p:cNvSpPr>
             <a:spLocks noGrp="1"/>
           </p:cNvSpPr>
@@ -1204,28 +1358,31 @@
         </p:nvSpPr>
         <p:spPr>
           <a:xfrm>
-            <a:off x="831850" y="1709738"/>
-            <a:ext cx="10515600" cy="2852737"/>
-          </a:xfrm>
-        </p:spPr>
-        <p:txBody>
-          <a:bodyPr anchor="b"/>
+            <a:off x="1454239" y="1756130"/>
+            <a:ext cx="8643154" cy="1887950"/>
+          </a:xfrm>
+        </p:spPr>
+        <p:txBody>
+          <a:bodyPr anchor="b">
+            <a:normAutofit/>
+          </a:bodyPr>
           <a:lstStyle>
-            <a:lvl1pPr>
-              <a:defRPr sz="6000"/>
+            <a:lvl1pPr algn="l">
+              <a:defRPr sz="3600"/>
             </a:lvl1pPr>
           </a:lstStyle>
           <a:p>
             <a:r>
               <a:rPr lang="pt-PT"/>
-              <a:t>Clique para editar o estilo</a:t>
-            </a:r>
-          </a:p>
-        </p:txBody>
-      </p:sp>
-      <p:sp>
-        <p:nvSpPr>
-          <p:cNvPr id="3" name="Marcador de Posição do Texto 2"/>
+              <a:t>Clique para editar o estilo de título do Modelo Global</a:t>
+            </a:r>
+            <a:endParaRPr lang="en-US" dirty="0"/>
+          </a:p>
+        </p:txBody>
+      </p:sp>
+      <p:sp>
+        <p:nvSpPr>
+          <p:cNvPr id="3" name="Text Placeholder 2"/>
           <p:cNvSpPr>
             <a:spLocks noGrp="1"/>
           </p:cNvSpPr>
@@ -1235,26 +1392,26 @@
         </p:nvSpPr>
         <p:spPr>
           <a:xfrm>
-            <a:off x="831850" y="4589463"/>
-            <a:ext cx="10515600" cy="1500187"/>
-          </a:xfrm>
-        </p:spPr>
-        <p:txBody>
-          <a:bodyPr/>
+            <a:off x="1454239" y="3806195"/>
+            <a:ext cx="8630446" cy="1012929"/>
+          </a:xfrm>
+        </p:spPr>
+        <p:txBody>
+          <a:bodyPr tIns="91440">
+            <a:normAutofit/>
+          </a:bodyPr>
           <a:lstStyle>
-            <a:lvl1pPr marL="0" indent="0">
-              <a:buNone/>
-              <a:defRPr sz="2400">
+            <a:lvl1pPr marL="0" indent="0" algn="l">
+              <a:buNone/>
+              <a:defRPr sz="1800">
                 <a:solidFill>
-                  <a:schemeClr val="tx1">
-                    <a:tint val="75000"/>
-                  </a:schemeClr>
+                  <a:schemeClr val="tx1"/>
                 </a:solidFill>
               </a:defRPr>
             </a:lvl1pPr>
             <a:lvl2pPr marL="457200" indent="0">
               <a:buNone/>
-              <a:defRPr sz="2000">
+              <a:defRPr sz="1800">
                 <a:solidFill>
                   <a:schemeClr val="tx1">
                     <a:tint val="75000"/>
@@ -1344,7 +1501,7 @@
       </p:sp>
       <p:sp>
         <p:nvSpPr>
-          <p:cNvPr id="4" name="Marcador de Posição da Data 3"/>
+          <p:cNvPr id="4" name="Date Placeholder 3"/>
           <p:cNvSpPr>
             <a:spLocks noGrp="1"/>
           </p:cNvSpPr>
@@ -1359,7 +1516,7 @@
           <a:p>
             <a:fld id="{E011CE98-2713-45F9-A806-008D9A8C3646}" type="datetimeFigureOut">
               <a:rPr lang="pt-PT" smtClean="0"/>
-              <a:t>21/01/2019</a:t>
+              <a:t>22/01/2019</a:t>
             </a:fld>
             <a:endParaRPr lang="pt-PT"/>
           </a:p>
@@ -1367,7 +1524,7 @@
       </p:sp>
       <p:sp>
         <p:nvSpPr>
-          <p:cNvPr id="5" name="Marcador de Posição do Rodapé 4"/>
+          <p:cNvPr id="5" name="Footer Placeholder 4"/>
           <p:cNvSpPr>
             <a:spLocks noGrp="1"/>
           </p:cNvSpPr>
@@ -1386,7 +1543,7 @@
       </p:sp>
       <p:sp>
         <p:nvSpPr>
-          <p:cNvPr id="6" name="Marcador de Posição do Número do Diapositivo 5"/>
+          <p:cNvPr id="6" name="Slide Number Placeholder 5"/>
           <p:cNvSpPr>
             <a:spLocks noGrp="1"/>
           </p:cNvSpPr>
@@ -1407,10 +1564,41 @@
           </a:p>
         </p:txBody>
       </p:sp>
+      <p:cxnSp>
+        <p:nvCxnSpPr>
+          <p:cNvPr id="15" name="Straight Connector 14"/>
+          <p:cNvCxnSpPr/>
+          <p:nvPr/>
+        </p:nvCxnSpPr>
+        <p:spPr>
+          <a:xfrm>
+            <a:off x="1454239" y="3804985"/>
+            <a:ext cx="8630446" cy="0"/>
+          </a:xfrm>
+          <a:prstGeom prst="line">
+            <a:avLst/>
+          </a:prstGeom>
+          <a:ln w="31750"/>
+        </p:spPr>
+        <p:style>
+          <a:lnRef idx="3">
+            <a:schemeClr val="accent1"/>
+          </a:lnRef>
+          <a:fillRef idx="0">
+            <a:schemeClr val="accent1"/>
+          </a:fillRef>
+          <a:effectRef idx="2">
+            <a:schemeClr val="accent1"/>
+          </a:effectRef>
+          <a:fontRef idx="minor">
+            <a:schemeClr val="tx1"/>
+          </a:fontRef>
+        </p:style>
+      </p:cxnSp>
     </p:spTree>
     <p:extLst>
       <p:ext uri="{BB962C8B-B14F-4D97-AF65-F5344CB8AC3E}">
-        <p14:creationId xmlns:p14="http://schemas.microsoft.com/office/powerpoint/2010/main" val="1414567139"/>
+        <p14:creationId xmlns:p14="http://schemas.microsoft.com/office/powerpoint/2010/main" val="4123724947"/>
       </p:ext>
     </p:extLst>
   </p:cSld>
@@ -1439,7 +1627,7 @@
       </p:grpSpPr>
       <p:sp>
         <p:nvSpPr>
-          <p:cNvPr id="2" name="Título 1"/>
+          <p:cNvPr id="2" name="Title 1"/>
           <p:cNvSpPr>
             <a:spLocks noGrp="1"/>
           </p:cNvSpPr>
@@ -1447,21 +1635,27 @@
             <p:ph type="title"/>
           </p:nvPr>
         </p:nvSpPr>
-        <p:spPr/>
+        <p:spPr>
+          <a:xfrm>
+            <a:off x="1449217" y="804889"/>
+            <a:ext cx="9605635" cy="1059305"/>
+          </a:xfrm>
+        </p:spPr>
         <p:txBody>
           <a:bodyPr/>
           <a:lstStyle/>
           <a:p>
             <a:r>
               <a:rPr lang="pt-PT"/>
-              <a:t>Clique para editar o estilo</a:t>
-            </a:r>
-          </a:p>
-        </p:txBody>
-      </p:sp>
-      <p:sp>
-        <p:nvSpPr>
-          <p:cNvPr id="3" name="Marcador de Posição de Conteúdo 2"/>
+              <a:t>Clique para editar o estilo de título do Modelo Global</a:t>
+            </a:r>
+            <a:endParaRPr lang="en-US" dirty="0"/>
+          </a:p>
+        </p:txBody>
+      </p:sp>
+      <p:sp>
+        <p:nvSpPr>
+          <p:cNvPr id="3" name="Content Placeholder 2"/>
           <p:cNvSpPr>
             <a:spLocks noGrp="1"/>
           </p:cNvSpPr>
@@ -1471,8 +1665,8 @@
         </p:nvSpPr>
         <p:spPr>
           <a:xfrm>
-            <a:off x="838200" y="1825625"/>
-            <a:ext cx="5181600" cy="4351338"/>
+            <a:off x="1447331" y="2010878"/>
+            <a:ext cx="4645152" cy="3448595"/>
           </a:xfrm>
         </p:spPr>
         <p:txBody>
@@ -1512,12 +1706,13 @@
               <a:rPr lang="pt-PT"/>
               <a:t>Quinto nível</a:t>
             </a:r>
-          </a:p>
-        </p:txBody>
-      </p:sp>
-      <p:sp>
-        <p:nvSpPr>
-          <p:cNvPr id="4" name="Marcador de Posição de Conteúdo 3"/>
+            <a:endParaRPr lang="en-US" dirty="0"/>
+          </a:p>
+        </p:txBody>
+      </p:sp>
+      <p:sp>
+        <p:nvSpPr>
+          <p:cNvPr id="4" name="Content Placeholder 3"/>
           <p:cNvSpPr>
             <a:spLocks noGrp="1"/>
           </p:cNvSpPr>
@@ -1527,8 +1722,8 @@
         </p:nvSpPr>
         <p:spPr>
           <a:xfrm>
-            <a:off x="6172200" y="1825625"/>
-            <a:ext cx="5181600" cy="4351338"/>
+            <a:off x="6413771" y="2017343"/>
+            <a:ext cx="4645152" cy="3441520"/>
           </a:xfrm>
         </p:spPr>
         <p:txBody>
@@ -1568,12 +1763,13 @@
               <a:rPr lang="pt-PT"/>
               <a:t>Quinto nível</a:t>
             </a:r>
-          </a:p>
-        </p:txBody>
-      </p:sp>
-      <p:sp>
-        <p:nvSpPr>
-          <p:cNvPr id="5" name="Marcador de Posição da Data 4"/>
+            <a:endParaRPr lang="en-US" dirty="0"/>
+          </a:p>
+        </p:txBody>
+      </p:sp>
+      <p:sp>
+        <p:nvSpPr>
+          <p:cNvPr id="5" name="Date Placeholder 4"/>
           <p:cNvSpPr>
             <a:spLocks noGrp="1"/>
           </p:cNvSpPr>
@@ -1588,7 +1784,7 @@
           <a:p>
             <a:fld id="{E011CE98-2713-45F9-A806-008D9A8C3646}" type="datetimeFigureOut">
               <a:rPr lang="pt-PT" smtClean="0"/>
-              <a:t>21/01/2019</a:t>
+              <a:t>22/01/2019</a:t>
             </a:fld>
             <a:endParaRPr lang="pt-PT"/>
           </a:p>
@@ -1596,7 +1792,7 @@
       </p:sp>
       <p:sp>
         <p:nvSpPr>
-          <p:cNvPr id="6" name="Marcador de Posição do Rodapé 5"/>
+          <p:cNvPr id="6" name="Footer Placeholder 5"/>
           <p:cNvSpPr>
             <a:spLocks noGrp="1"/>
           </p:cNvSpPr>
@@ -1615,7 +1811,7 @@
       </p:sp>
       <p:sp>
         <p:nvSpPr>
-          <p:cNvPr id="7" name="Marcador de Posição do Número do Diapositivo 6"/>
+          <p:cNvPr id="7" name="Slide Number Placeholder 6"/>
           <p:cNvSpPr>
             <a:spLocks noGrp="1"/>
           </p:cNvSpPr>
@@ -1636,10 +1832,41 @@
           </a:p>
         </p:txBody>
       </p:sp>
+      <p:cxnSp>
+        <p:nvCxnSpPr>
+          <p:cNvPr id="35" name="Straight Connector 34"/>
+          <p:cNvCxnSpPr/>
+          <p:nvPr/>
+        </p:nvCxnSpPr>
+        <p:spPr>
+          <a:xfrm>
+            <a:off x="1453896" y="1847088"/>
+            <a:ext cx="9607522" cy="0"/>
+          </a:xfrm>
+          <a:prstGeom prst="line">
+            <a:avLst/>
+          </a:prstGeom>
+          <a:ln w="31750"/>
+        </p:spPr>
+        <p:style>
+          <a:lnRef idx="3">
+            <a:schemeClr val="accent1"/>
+          </a:lnRef>
+          <a:fillRef idx="0">
+            <a:schemeClr val="accent1"/>
+          </a:fillRef>
+          <a:effectRef idx="2">
+            <a:schemeClr val="accent1"/>
+          </a:effectRef>
+          <a:fontRef idx="minor">
+            <a:schemeClr val="tx1"/>
+          </a:fontRef>
+        </p:style>
+      </p:cxnSp>
     </p:spTree>
     <p:extLst>
       <p:ext uri="{BB962C8B-B14F-4D97-AF65-F5344CB8AC3E}">
-        <p14:creationId xmlns:p14="http://schemas.microsoft.com/office/powerpoint/2010/main" val="1136748600"/>
+        <p14:creationId xmlns:p14="http://schemas.microsoft.com/office/powerpoint/2010/main" val="479656785"/>
       </p:ext>
     </p:extLst>
   </p:cSld>
@@ -1668,7 +1895,7 @@
       </p:grpSpPr>
       <p:sp>
         <p:nvSpPr>
-          <p:cNvPr id="2" name="Título 1"/>
+          <p:cNvPr id="2" name="Title 1"/>
           <p:cNvSpPr>
             <a:spLocks noGrp="1"/>
           </p:cNvSpPr>
@@ -1678,8 +1905,8 @@
         </p:nvSpPr>
         <p:spPr>
           <a:xfrm>
-            <a:off x="839788" y="365125"/>
-            <a:ext cx="10515600" cy="1325563"/>
+            <a:off x="1447191" y="804163"/>
+            <a:ext cx="9607661" cy="1056319"/>
           </a:xfrm>
         </p:spPr>
         <p:txBody>
@@ -1688,14 +1915,15 @@
           <a:p>
             <a:r>
               <a:rPr lang="pt-PT"/>
-              <a:t>Clique para editar o estilo</a:t>
-            </a:r>
-          </a:p>
-        </p:txBody>
-      </p:sp>
-      <p:sp>
-        <p:nvSpPr>
-          <p:cNvPr id="3" name="Marcador de Posição do Texto 2"/>
+              <a:t>Clique para editar o estilo de título do Modelo Global</a:t>
+            </a:r>
+            <a:endParaRPr lang="en-US" dirty="0"/>
+          </a:p>
+        </p:txBody>
+      </p:sp>
+      <p:sp>
+        <p:nvSpPr>
+          <p:cNvPr id="3" name="Text Placeholder 2"/>
           <p:cNvSpPr>
             <a:spLocks noGrp="1"/>
           </p:cNvSpPr>
@@ -1705,16 +1933,25 @@
         </p:nvSpPr>
         <p:spPr>
           <a:xfrm>
-            <a:off x="839788" y="1681163"/>
-            <a:ext cx="5157787" cy="823912"/>
-          </a:xfrm>
-        </p:spPr>
-        <p:txBody>
-          <a:bodyPr anchor="b"/>
+            <a:off x="1447191" y="2019549"/>
+            <a:ext cx="4645152" cy="801943"/>
+          </a:xfrm>
+        </p:spPr>
+        <p:txBody>
+          <a:bodyPr anchor="b">
+            <a:normAutofit/>
+          </a:bodyPr>
           <a:lstStyle>
             <a:lvl1pPr marL="0" indent="0">
-              <a:buNone/>
-              <a:defRPr sz="2400" b="1"/>
+              <a:lnSpc>
+                <a:spcPct val="100000"/>
+              </a:lnSpc>
+              <a:buNone/>
+              <a:defRPr sz="2200" b="0" cap="all" baseline="0">
+                <a:solidFill>
+                  <a:schemeClr val="accent1"/>
+                </a:solidFill>
+              </a:defRPr>
             </a:lvl1pPr>
             <a:lvl2pPr marL="457200" indent="0">
               <a:buNone/>
@@ -1760,7 +1997,7 @@
       </p:sp>
       <p:sp>
         <p:nvSpPr>
-          <p:cNvPr id="4" name="Marcador de Posição de Conteúdo 3"/>
+          <p:cNvPr id="4" name="Content Placeholder 3"/>
           <p:cNvSpPr>
             <a:spLocks noGrp="1"/>
           </p:cNvSpPr>
@@ -1770,8 +2007,8 @@
         </p:nvSpPr>
         <p:spPr>
           <a:xfrm>
-            <a:off x="839788" y="2505075"/>
-            <a:ext cx="5157787" cy="3684588"/>
+            <a:off x="1447191" y="2824269"/>
+            <a:ext cx="4645152" cy="2644457"/>
           </a:xfrm>
         </p:spPr>
         <p:txBody>
@@ -1811,12 +2048,13 @@
               <a:rPr lang="pt-PT"/>
               <a:t>Quinto nível</a:t>
             </a:r>
-          </a:p>
-        </p:txBody>
-      </p:sp>
-      <p:sp>
-        <p:nvSpPr>
-          <p:cNvPr id="5" name="Marcador de Posição do Texto 4"/>
+            <a:endParaRPr lang="en-US" dirty="0"/>
+          </a:p>
+        </p:txBody>
+      </p:sp>
+      <p:sp>
+        <p:nvSpPr>
+          <p:cNvPr id="5" name="Text Placeholder 4"/>
           <p:cNvSpPr>
             <a:spLocks noGrp="1"/>
           </p:cNvSpPr>
@@ -1826,16 +2064,25 @@
         </p:nvSpPr>
         <p:spPr>
           <a:xfrm>
-            <a:off x="6172200" y="1681163"/>
-            <a:ext cx="5183188" cy="823912"/>
-          </a:xfrm>
-        </p:spPr>
-        <p:txBody>
-          <a:bodyPr anchor="b"/>
+            <a:off x="6412362" y="2023003"/>
+            <a:ext cx="4645152" cy="802237"/>
+          </a:xfrm>
+        </p:spPr>
+        <p:txBody>
+          <a:bodyPr anchor="b">
+            <a:normAutofit/>
+          </a:bodyPr>
           <a:lstStyle>
             <a:lvl1pPr marL="0" indent="0">
-              <a:buNone/>
-              <a:defRPr sz="2400" b="1"/>
+              <a:lnSpc>
+                <a:spcPct val="100000"/>
+              </a:lnSpc>
+              <a:buNone/>
+              <a:defRPr sz="2200" b="0" cap="all" baseline="0">
+                <a:solidFill>
+                  <a:schemeClr val="accent1"/>
+                </a:solidFill>
+              </a:defRPr>
             </a:lvl1pPr>
             <a:lvl2pPr marL="457200" indent="0">
               <a:buNone/>
@@ -1881,7 +2128,7 @@
       </p:sp>
       <p:sp>
         <p:nvSpPr>
-          <p:cNvPr id="6" name="Marcador de Posição de Conteúdo 5"/>
+          <p:cNvPr id="6" name="Content Placeholder 5"/>
           <p:cNvSpPr>
             <a:spLocks noGrp="1"/>
           </p:cNvSpPr>
@@ -1891,8 +2138,8 @@
         </p:nvSpPr>
         <p:spPr>
           <a:xfrm>
-            <a:off x="6172200" y="2505075"/>
-            <a:ext cx="5183188" cy="3684588"/>
+            <a:off x="6412362" y="2821491"/>
+            <a:ext cx="4645152" cy="2637371"/>
           </a:xfrm>
         </p:spPr>
         <p:txBody>
@@ -1932,12 +2179,13 @@
               <a:rPr lang="pt-PT"/>
               <a:t>Quinto nível</a:t>
             </a:r>
-          </a:p>
-        </p:txBody>
-      </p:sp>
-      <p:sp>
-        <p:nvSpPr>
-          <p:cNvPr id="7" name="Marcador de Posição da Data 6"/>
+            <a:endParaRPr lang="en-US" dirty="0"/>
+          </a:p>
+        </p:txBody>
+      </p:sp>
+      <p:sp>
+        <p:nvSpPr>
+          <p:cNvPr id="7" name="Date Placeholder 6"/>
           <p:cNvSpPr>
             <a:spLocks noGrp="1"/>
           </p:cNvSpPr>
@@ -1952,7 +2200,7 @@
           <a:p>
             <a:fld id="{E011CE98-2713-45F9-A806-008D9A8C3646}" type="datetimeFigureOut">
               <a:rPr lang="pt-PT" smtClean="0"/>
-              <a:t>21/01/2019</a:t>
+              <a:t>22/01/2019</a:t>
             </a:fld>
             <a:endParaRPr lang="pt-PT"/>
           </a:p>
@@ -1960,7 +2208,7 @@
       </p:sp>
       <p:sp>
         <p:nvSpPr>
-          <p:cNvPr id="8" name="Marcador de Posição do Rodapé 7"/>
+          <p:cNvPr id="8" name="Footer Placeholder 7"/>
           <p:cNvSpPr>
             <a:spLocks noGrp="1"/>
           </p:cNvSpPr>
@@ -1979,7 +2227,7 @@
       </p:sp>
       <p:sp>
         <p:nvSpPr>
-          <p:cNvPr id="9" name="Marcador de Posição do Número do Diapositivo 8"/>
+          <p:cNvPr id="9" name="Slide Number Placeholder 8"/>
           <p:cNvSpPr>
             <a:spLocks noGrp="1"/>
           </p:cNvSpPr>
@@ -2000,10 +2248,41 @@
           </a:p>
         </p:txBody>
       </p:sp>
+      <p:cxnSp>
+        <p:nvCxnSpPr>
+          <p:cNvPr id="29" name="Straight Connector 28"/>
+          <p:cNvCxnSpPr/>
+          <p:nvPr/>
+        </p:nvCxnSpPr>
+        <p:spPr>
+          <a:xfrm>
+            <a:off x="1453896" y="1847088"/>
+            <a:ext cx="9607522" cy="0"/>
+          </a:xfrm>
+          <a:prstGeom prst="line">
+            <a:avLst/>
+          </a:prstGeom>
+          <a:ln w="31750"/>
+        </p:spPr>
+        <p:style>
+          <a:lnRef idx="3">
+            <a:schemeClr val="accent1"/>
+          </a:lnRef>
+          <a:fillRef idx="0">
+            <a:schemeClr val="accent1"/>
+          </a:fillRef>
+          <a:effectRef idx="2">
+            <a:schemeClr val="accent1"/>
+          </a:effectRef>
+          <a:fontRef idx="minor">
+            <a:schemeClr val="tx1"/>
+          </a:fontRef>
+        </p:style>
+      </p:cxnSp>
     </p:spTree>
     <p:extLst>
       <p:ext uri="{BB962C8B-B14F-4D97-AF65-F5344CB8AC3E}">
-        <p14:creationId xmlns:p14="http://schemas.microsoft.com/office/powerpoint/2010/main" val="152013878"/>
+        <p14:creationId xmlns:p14="http://schemas.microsoft.com/office/powerpoint/2010/main" val="2396768816"/>
       </p:ext>
     </p:extLst>
   </p:cSld>
@@ -2032,7 +2311,7 @@
       </p:grpSpPr>
       <p:sp>
         <p:nvSpPr>
-          <p:cNvPr id="2" name="Título 1"/>
+          <p:cNvPr id="2" name="Title 1"/>
           <p:cNvSpPr>
             <a:spLocks noGrp="1"/>
           </p:cNvSpPr>
@@ -2047,14 +2326,15 @@
           <a:p>
             <a:r>
               <a:rPr lang="pt-PT"/>
-              <a:t>Clique para editar o estilo</a:t>
-            </a:r>
-          </a:p>
-        </p:txBody>
-      </p:sp>
-      <p:sp>
-        <p:nvSpPr>
-          <p:cNvPr id="3" name="Marcador de Posição da Data 2"/>
+              <a:t>Clique para editar o estilo de título do Modelo Global</a:t>
+            </a:r>
+            <a:endParaRPr lang="en-US" dirty="0"/>
+          </a:p>
+        </p:txBody>
+      </p:sp>
+      <p:sp>
+        <p:nvSpPr>
+          <p:cNvPr id="3" name="Date Placeholder 2"/>
           <p:cNvSpPr>
             <a:spLocks noGrp="1"/>
           </p:cNvSpPr>
@@ -2069,7 +2349,7 @@
           <a:p>
             <a:fld id="{E011CE98-2713-45F9-A806-008D9A8C3646}" type="datetimeFigureOut">
               <a:rPr lang="pt-PT" smtClean="0"/>
-              <a:t>21/01/2019</a:t>
+              <a:t>22/01/2019</a:t>
             </a:fld>
             <a:endParaRPr lang="pt-PT"/>
           </a:p>
@@ -2077,7 +2357,7 @@
       </p:sp>
       <p:sp>
         <p:nvSpPr>
-          <p:cNvPr id="4" name="Marcador de Posição do Rodapé 3"/>
+          <p:cNvPr id="4" name="Footer Placeholder 3"/>
           <p:cNvSpPr>
             <a:spLocks noGrp="1"/>
           </p:cNvSpPr>
@@ -2096,7 +2376,7 @@
       </p:sp>
       <p:sp>
         <p:nvSpPr>
-          <p:cNvPr id="5" name="Marcador de Posição do Número do Diapositivo 4"/>
+          <p:cNvPr id="5" name="Slide Number Placeholder 4"/>
           <p:cNvSpPr>
             <a:spLocks noGrp="1"/>
           </p:cNvSpPr>
@@ -2117,10 +2397,41 @@
           </a:p>
         </p:txBody>
       </p:sp>
+      <p:cxnSp>
+        <p:nvCxnSpPr>
+          <p:cNvPr id="25" name="Straight Connector 24"/>
+          <p:cNvCxnSpPr/>
+          <p:nvPr/>
+        </p:nvCxnSpPr>
+        <p:spPr>
+          <a:xfrm>
+            <a:off x="1453896" y="1847088"/>
+            <a:ext cx="9607522" cy="0"/>
+          </a:xfrm>
+          <a:prstGeom prst="line">
+            <a:avLst/>
+          </a:prstGeom>
+          <a:ln w="31750"/>
+        </p:spPr>
+        <p:style>
+          <a:lnRef idx="3">
+            <a:schemeClr val="accent1"/>
+          </a:lnRef>
+          <a:fillRef idx="0">
+            <a:schemeClr val="accent1"/>
+          </a:fillRef>
+          <a:effectRef idx="2">
+            <a:schemeClr val="accent1"/>
+          </a:effectRef>
+          <a:fontRef idx="minor">
+            <a:schemeClr val="tx1"/>
+          </a:fontRef>
+        </p:style>
+      </p:cxnSp>
     </p:spTree>
     <p:extLst>
       <p:ext uri="{BB962C8B-B14F-4D97-AF65-F5344CB8AC3E}">
-        <p14:creationId xmlns:p14="http://schemas.microsoft.com/office/powerpoint/2010/main" val="1650230021"/>
+        <p14:creationId xmlns:p14="http://schemas.microsoft.com/office/powerpoint/2010/main" val="3444974940"/>
       </p:ext>
     </p:extLst>
   </p:cSld>
@@ -2149,7 +2460,7 @@
       </p:grpSpPr>
       <p:sp>
         <p:nvSpPr>
-          <p:cNvPr id="2" name="Marcador de Posição da Data 1"/>
+          <p:cNvPr id="2" name="Date Placeholder 1"/>
           <p:cNvSpPr>
             <a:spLocks noGrp="1"/>
           </p:cNvSpPr>
@@ -2164,7 +2475,7 @@
           <a:p>
             <a:fld id="{E011CE98-2713-45F9-A806-008D9A8C3646}" type="datetimeFigureOut">
               <a:rPr lang="pt-PT" smtClean="0"/>
-              <a:t>21/01/2019</a:t>
+              <a:t>22/01/2019</a:t>
             </a:fld>
             <a:endParaRPr lang="pt-PT"/>
           </a:p>
@@ -2172,7 +2483,7 @@
       </p:sp>
       <p:sp>
         <p:nvSpPr>
-          <p:cNvPr id="3" name="Marcador de Posição do Rodapé 2"/>
+          <p:cNvPr id="3" name="Footer Placeholder 2"/>
           <p:cNvSpPr>
             <a:spLocks noGrp="1"/>
           </p:cNvSpPr>
@@ -2191,7 +2502,7 @@
       </p:sp>
       <p:sp>
         <p:nvSpPr>
-          <p:cNvPr id="4" name="Marcador de Posição do Número do Diapositivo 3"/>
+          <p:cNvPr id="4" name="Slide Number Placeholder 3"/>
           <p:cNvSpPr>
             <a:spLocks noGrp="1"/>
           </p:cNvSpPr>
@@ -2215,7 +2526,7 @@
     </p:spTree>
     <p:extLst>
       <p:ext uri="{BB962C8B-B14F-4D97-AF65-F5344CB8AC3E}">
-        <p14:creationId xmlns:p14="http://schemas.microsoft.com/office/powerpoint/2010/main" val="3846632383"/>
+        <p14:creationId xmlns:p14="http://schemas.microsoft.com/office/powerpoint/2010/main" val="936268621"/>
       </p:ext>
     </p:extLst>
   </p:cSld>
@@ -2244,7 +2555,7 @@
       </p:grpSpPr>
       <p:sp>
         <p:nvSpPr>
-          <p:cNvPr id="2" name="Título 1"/>
+          <p:cNvPr id="2" name="Title 1"/>
           <p:cNvSpPr>
             <a:spLocks noGrp="1"/>
           </p:cNvSpPr>
@@ -2254,28 +2565,31 @@
         </p:nvSpPr>
         <p:spPr>
           <a:xfrm>
-            <a:off x="839788" y="457200"/>
-            <a:ext cx="3932237" cy="1600200"/>
-          </a:xfrm>
-        </p:spPr>
-        <p:txBody>
-          <a:bodyPr anchor="b"/>
+            <a:off x="1444671" y="798973"/>
+            <a:ext cx="3273099" cy="2247117"/>
+          </a:xfrm>
+        </p:spPr>
+        <p:txBody>
+          <a:bodyPr anchor="b">
+            <a:normAutofit/>
+          </a:bodyPr>
           <a:lstStyle>
-            <a:lvl1pPr>
-              <a:defRPr sz="3200"/>
+            <a:lvl1pPr algn="l">
+              <a:defRPr sz="2400"/>
             </a:lvl1pPr>
           </a:lstStyle>
           <a:p>
             <a:r>
               <a:rPr lang="pt-PT"/>
-              <a:t>Clique para editar o estilo</a:t>
-            </a:r>
-          </a:p>
-        </p:txBody>
-      </p:sp>
-      <p:sp>
-        <p:nvSpPr>
-          <p:cNvPr id="3" name="Marcador de Posição de Conteúdo 2"/>
+              <a:t>Clique para editar o estilo de título do Modelo Global</a:t>
+            </a:r>
+            <a:endParaRPr lang="en-US" dirty="0"/>
+          </a:p>
+        </p:txBody>
+      </p:sp>
+      <p:sp>
+        <p:nvSpPr>
+          <p:cNvPr id="3" name="Content Placeholder 2"/>
           <p:cNvSpPr>
             <a:spLocks noGrp="1"/>
           </p:cNvSpPr>
@@ -2285,98 +2599,71 @@
         </p:nvSpPr>
         <p:spPr>
           <a:xfrm>
-            <a:off x="5183188" y="987425"/>
-            <a:ext cx="6172200" cy="4873625"/>
+            <a:off x="5043714" y="798974"/>
+            <a:ext cx="6012470" cy="4658826"/>
+          </a:xfrm>
+        </p:spPr>
+        <p:txBody>
+          <a:bodyPr anchor="ctr"/>
+          <a:lstStyle/>
+          <a:p>
+            <a:pPr lvl="0"/>
+            <a:r>
+              <a:rPr lang="pt-PT"/>
+              <a:t>Editar os estilos de texto do Modelo Global</a:t>
+            </a:r>
+          </a:p>
+          <a:p>
+            <a:pPr lvl="1"/>
+            <a:r>
+              <a:rPr lang="pt-PT"/>
+              <a:t>Segundo nível</a:t>
+            </a:r>
+          </a:p>
+          <a:p>
+            <a:pPr lvl="2"/>
+            <a:r>
+              <a:rPr lang="pt-PT"/>
+              <a:t>Terceiro nível</a:t>
+            </a:r>
+          </a:p>
+          <a:p>
+            <a:pPr lvl="3"/>
+            <a:r>
+              <a:rPr lang="pt-PT"/>
+              <a:t>Quarto nível</a:t>
+            </a:r>
+          </a:p>
+          <a:p>
+            <a:pPr lvl="4"/>
+            <a:r>
+              <a:rPr lang="pt-PT"/>
+              <a:t>Quinto nível</a:t>
+            </a:r>
+            <a:endParaRPr lang="en-US" dirty="0"/>
+          </a:p>
+        </p:txBody>
+      </p:sp>
+      <p:sp>
+        <p:nvSpPr>
+          <p:cNvPr id="4" name="Text Placeholder 3"/>
+          <p:cNvSpPr>
+            <a:spLocks noGrp="1"/>
+          </p:cNvSpPr>
+          <p:nvPr>
+            <p:ph type="body" sz="half" idx="2"/>
+          </p:nvPr>
+        </p:nvSpPr>
+        <p:spPr>
+          <a:xfrm>
+            <a:off x="1444671" y="3205491"/>
+            <a:ext cx="3275013" cy="2248181"/>
           </a:xfrm>
         </p:spPr>
         <p:txBody>
           <a:bodyPr/>
           <a:lstStyle>
-            <a:lvl1pPr>
-              <a:defRPr sz="3200"/>
-            </a:lvl1pPr>
-            <a:lvl2pPr>
-              <a:defRPr sz="2800"/>
-            </a:lvl2pPr>
-            <a:lvl3pPr>
-              <a:defRPr sz="2400"/>
-            </a:lvl3pPr>
-            <a:lvl4pPr>
-              <a:defRPr sz="2000"/>
-            </a:lvl4pPr>
-            <a:lvl5pPr>
-              <a:defRPr sz="2000"/>
-            </a:lvl5pPr>
-            <a:lvl6pPr>
-              <a:defRPr sz="2000"/>
-            </a:lvl6pPr>
-            <a:lvl7pPr>
-              <a:defRPr sz="2000"/>
-            </a:lvl7pPr>
-            <a:lvl8pPr>
-              <a:defRPr sz="2000"/>
-            </a:lvl8pPr>
-            <a:lvl9pPr>
-              <a:defRPr sz="2000"/>
-            </a:lvl9pPr>
-          </a:lstStyle>
-          <a:p>
-            <a:pPr lvl="0"/>
-            <a:r>
-              <a:rPr lang="pt-PT"/>
-              <a:t>Editar os estilos de texto do Modelo Global</a:t>
-            </a:r>
-          </a:p>
-          <a:p>
-            <a:pPr lvl="1"/>
-            <a:r>
-              <a:rPr lang="pt-PT"/>
-              <a:t>Segundo nível</a:t>
-            </a:r>
-          </a:p>
-          <a:p>
-            <a:pPr lvl="2"/>
-            <a:r>
-              <a:rPr lang="pt-PT"/>
-              <a:t>Terceiro nível</a:t>
-            </a:r>
-          </a:p>
-          <a:p>
-            <a:pPr lvl="3"/>
-            <a:r>
-              <a:rPr lang="pt-PT"/>
-              <a:t>Quarto nível</a:t>
-            </a:r>
-          </a:p>
-          <a:p>
-            <a:pPr lvl="4"/>
-            <a:r>
-              <a:rPr lang="pt-PT"/>
-              <a:t>Quinto nível</a:t>
-            </a:r>
-          </a:p>
-        </p:txBody>
-      </p:sp>
-      <p:sp>
-        <p:nvSpPr>
-          <p:cNvPr id="4" name="Marcador de Posição do Texto 3"/>
-          <p:cNvSpPr>
-            <a:spLocks noGrp="1"/>
-          </p:cNvSpPr>
-          <p:nvPr>
-            <p:ph type="body" sz="half" idx="2"/>
-          </p:nvPr>
-        </p:nvSpPr>
-        <p:spPr>
-          <a:xfrm>
-            <a:off x="839788" y="2057400"/>
-            <a:ext cx="3932237" cy="3811588"/>
-          </a:xfrm>
-        </p:spPr>
-        <p:txBody>
-          <a:bodyPr/>
-          <a:lstStyle>
-            <a:lvl1pPr marL="0" indent="0">
+            <a:lvl1pPr marL="0" indent="0" algn="l">
               <a:buNone/>
               <a:defRPr sz="1600"/>
             </a:lvl1pPr>
@@ -2424,7 +2711,7 @@
       </p:sp>
       <p:sp>
         <p:nvSpPr>
-          <p:cNvPr id="5" name="Marcador de Posição da Data 4"/>
+          <p:cNvPr id="5" name="Date Placeholder 4"/>
           <p:cNvSpPr>
             <a:spLocks noGrp="1"/>
           </p:cNvSpPr>
@@ -2439,7 +2726,7 @@
           <a:p>
             <a:fld id="{E011CE98-2713-45F9-A806-008D9A8C3646}" type="datetimeFigureOut">
               <a:rPr lang="pt-PT" smtClean="0"/>
-              <a:t>21/01/2019</a:t>
+              <a:t>22/01/2019</a:t>
             </a:fld>
             <a:endParaRPr lang="pt-PT"/>
           </a:p>
@@ -2447,7 +2734,7 @@
       </p:sp>
       <p:sp>
         <p:nvSpPr>
-          <p:cNvPr id="6" name="Marcador de Posição do Rodapé 5"/>
+          <p:cNvPr id="6" name="Footer Placeholder 5"/>
           <p:cNvSpPr>
             <a:spLocks noGrp="1"/>
           </p:cNvSpPr>
@@ -2466,7 +2753,7 @@
       </p:sp>
       <p:sp>
         <p:nvSpPr>
-          <p:cNvPr id="7" name="Marcador de Posição do Número do Diapositivo 6"/>
+          <p:cNvPr id="7" name="Slide Number Placeholder 6"/>
           <p:cNvSpPr>
             <a:spLocks noGrp="1"/>
           </p:cNvSpPr>
@@ -2487,10 +2774,41 @@
           </a:p>
         </p:txBody>
       </p:sp>
+      <p:cxnSp>
+        <p:nvCxnSpPr>
+          <p:cNvPr id="17" name="Straight Connector 16"/>
+          <p:cNvCxnSpPr/>
+          <p:nvPr/>
+        </p:nvCxnSpPr>
+        <p:spPr>
+          <a:xfrm>
+            <a:off x="1448280" y="3205491"/>
+            <a:ext cx="3269490" cy="0"/>
+          </a:xfrm>
+          <a:prstGeom prst="line">
+            <a:avLst/>
+          </a:prstGeom>
+          <a:ln w="31750"/>
+        </p:spPr>
+        <p:style>
+          <a:lnRef idx="3">
+            <a:schemeClr val="accent1"/>
+          </a:lnRef>
+          <a:fillRef idx="0">
+            <a:schemeClr val="accent1"/>
+          </a:fillRef>
+          <a:effectRef idx="2">
+            <a:schemeClr val="accent1"/>
+          </a:effectRef>
+          <a:fontRef idx="minor">
+            <a:schemeClr val="tx1"/>
+          </a:fontRef>
+        </p:style>
+      </p:cxnSp>
     </p:spTree>
     <p:extLst>
       <p:ext uri="{BB962C8B-B14F-4D97-AF65-F5344CB8AC3E}">
-        <p14:creationId xmlns:p14="http://schemas.microsoft.com/office/powerpoint/2010/main" val="765786466"/>
+        <p14:creationId xmlns:p14="http://schemas.microsoft.com/office/powerpoint/2010/main" val="1194692278"/>
       </p:ext>
     </p:extLst>
   </p:cSld>
@@ -2517,9 +2835,143 @@
           <a:chExt cx="0" cy="0"/>
         </a:xfrm>
       </p:grpSpPr>
-      <p:sp>
-        <p:nvSpPr>
-          <p:cNvPr id="2" name="Título 1"/>
+      <p:grpSp>
+        <p:nvGrpSpPr>
+          <p:cNvPr id="8" name="Group 7"/>
+          <p:cNvGrpSpPr/>
+          <p:nvPr/>
+        </p:nvGrpSpPr>
+        <p:grpSpPr>
+          <a:xfrm>
+            <a:off x="7477387" y="482170"/>
+            <a:ext cx="4074533" cy="5149101"/>
+            <a:chOff x="7477387" y="482170"/>
+            <a:chExt cx="4074533" cy="5149101"/>
+          </a:xfrm>
+        </p:grpSpPr>
+        <p:sp>
+          <p:nvSpPr>
+            <p:cNvPr id="18" name="Rectangle 17"/>
+            <p:cNvSpPr/>
+            <p:nvPr/>
+          </p:nvSpPr>
+          <p:spPr bwMode="black">
+            <a:xfrm>
+              <a:off x="7477387" y="482170"/>
+              <a:ext cx="4074533" cy="5149101"/>
+            </a:xfrm>
+            <a:prstGeom prst="rect">
+              <a:avLst/>
+            </a:prstGeom>
+            <a:gradFill>
+              <a:gsLst>
+                <a:gs pos="0">
+                  <a:srgbClr val="000001"/>
+                </a:gs>
+                <a:gs pos="100000">
+                  <a:srgbClr val="191919"/>
+                </a:gs>
+              </a:gsLst>
+            </a:gradFill>
+            <a:ln w="76200" cmpd="sng">
+              <a:noFill/>
+              <a:miter lim="800000"/>
+            </a:ln>
+            <a:effectLst>
+              <a:outerShdw blurRad="127000" dist="228600" dir="4740000" sx="98000" sy="98000" algn="tl" rotWithShape="0">
+                <a:srgbClr val="000000">
+                  <a:alpha val="34000"/>
+                </a:srgbClr>
+              </a:outerShdw>
+            </a:effectLst>
+            <a:scene3d>
+              <a:camera prst="orthographicFront"/>
+              <a:lightRig rig="threePt" dir="t"/>
+            </a:scene3d>
+            <a:sp3d>
+              <a:bevelT w="152400" h="50800" prst="softRound"/>
+            </a:sp3d>
+          </p:spPr>
+          <p:style>
+            <a:lnRef idx="1">
+              <a:schemeClr val="accent1"/>
+            </a:lnRef>
+            <a:fillRef idx="3">
+              <a:schemeClr val="accent1"/>
+            </a:fillRef>
+            <a:effectRef idx="2">
+              <a:schemeClr val="accent1"/>
+            </a:effectRef>
+            <a:fontRef idx="minor">
+              <a:schemeClr val="lt1"/>
+            </a:fontRef>
+          </p:style>
+        </p:sp>
+        <p:sp>
+          <p:nvSpPr>
+            <p:cNvPr id="19" name="Rectangle 18"/>
+            <p:cNvSpPr/>
+            <p:nvPr/>
+          </p:nvSpPr>
+          <p:spPr bwMode="blackWhite">
+            <a:xfrm>
+              <a:off x="7790446" y="812506"/>
+              <a:ext cx="3450289" cy="4466452"/>
+            </a:xfrm>
+            <a:prstGeom prst="rect">
+              <a:avLst/>
+            </a:prstGeom>
+            <a:gradFill>
+              <a:gsLst>
+                <a:gs pos="0">
+                  <a:srgbClr val="DADADA"/>
+                </a:gs>
+                <a:gs pos="100000">
+                  <a:srgbClr val="FFFFFE"/>
+                </a:gs>
+              </a:gsLst>
+              <a:lin ang="16200000" scaled="0"/>
+            </a:gradFill>
+            <a:ln w="50800" cmpd="sng">
+              <a:solidFill>
+                <a:srgbClr val="191919"/>
+              </a:solidFill>
+              <a:miter lim="800000"/>
+            </a:ln>
+            <a:effectLst>
+              <a:innerShdw blurRad="63500" dist="88900" dir="14100000">
+                <a:srgbClr val="000000">
+                  <a:alpha val="30000"/>
+                </a:srgbClr>
+              </a:innerShdw>
+            </a:effectLst>
+            <a:scene3d>
+              <a:camera prst="orthographicFront"/>
+              <a:lightRig rig="threePt" dir="t"/>
+            </a:scene3d>
+            <a:sp3d>
+              <a:bevelT prst="relaxedInset"/>
+            </a:sp3d>
+          </p:spPr>
+          <p:style>
+            <a:lnRef idx="1">
+              <a:schemeClr val="accent1"/>
+            </a:lnRef>
+            <a:fillRef idx="3">
+              <a:schemeClr val="accent1"/>
+            </a:fillRef>
+            <a:effectRef idx="2">
+              <a:schemeClr val="accent1"/>
+            </a:effectRef>
+            <a:fontRef idx="minor">
+              <a:schemeClr val="lt1"/>
+            </a:fontRef>
+          </p:style>
+        </p:sp>
+      </p:grpSp>
+      <p:sp>
+        <p:nvSpPr>
+          <p:cNvPr id="2" name="Title 1"/>
           <p:cNvSpPr>
             <a:spLocks noGrp="1"/>
           </p:cNvSpPr>
@@ -2529,12 +2981,14 @@
         </p:nvSpPr>
         <p:spPr>
           <a:xfrm>
-            <a:off x="839788" y="457200"/>
-            <a:ext cx="3932237" cy="1600200"/>
-          </a:xfrm>
-        </p:spPr>
-        <p:txBody>
-          <a:bodyPr anchor="b"/>
+            <a:off x="1451206" y="1129513"/>
+            <a:ext cx="5532328" cy="1830584"/>
+          </a:xfrm>
+        </p:spPr>
+        <p:txBody>
+          <a:bodyPr anchor="b">
+            <a:normAutofit/>
+          </a:bodyPr>
           <a:lstStyle>
             <a:lvl1pPr>
               <a:defRPr sz="3200"/>
@@ -2543,16 +2997,17 @@
           <a:p>
             <a:r>
               <a:rPr lang="pt-PT"/>
-              <a:t>Clique para editar o estilo</a:t>
-            </a:r>
-          </a:p>
-        </p:txBody>
-      </p:sp>
-      <p:sp>
-        <p:nvSpPr>
-          <p:cNvPr id="3" name="Marcador de Posição da Imagem 2"/>
-          <p:cNvSpPr>
-            <a:spLocks noGrp="1"/>
+              <a:t>Clique para editar o estilo de título do Modelo Global</a:t>
+            </a:r>
+            <a:endParaRPr lang="en-US" dirty="0"/>
+          </a:p>
+        </p:txBody>
+      </p:sp>
+      <p:sp>
+        <p:nvSpPr>
+          <p:cNvPr id="3" name="Picture Placeholder 2"/>
+          <p:cNvSpPr>
+            <a:spLocks noGrp="1" noChangeAspect="1"/>
           </p:cNvSpPr>
           <p:nvPr>
             <p:ph type="pic" idx="1"/>
@@ -2560,14 +3015,24 @@
         </p:nvSpPr>
         <p:spPr>
           <a:xfrm>
-            <a:off x="5183188" y="987425"/>
-            <a:ext cx="6172200" cy="4873625"/>
-          </a:xfrm>
-        </p:spPr>
-        <p:txBody>
-          <a:bodyPr/>
+            <a:off x="8124389" y="1122542"/>
+            <a:ext cx="2791171" cy="3866327"/>
+          </a:xfrm>
+          <a:solidFill>
+            <a:schemeClr val="bg1">
+              <a:lumMod val="85000"/>
+            </a:schemeClr>
+          </a:solidFill>
+          <a:ln w="9525" cap="sq">
+            <a:noFill/>
+            <a:miter lim="800000"/>
+          </a:ln>
+          <a:effectLst/>
+        </p:spPr>
+        <p:txBody>
+          <a:bodyPr anchor="t"/>
           <a:lstStyle>
-            <a:lvl1pPr marL="0" indent="0">
+            <a:lvl1pPr marL="0" indent="0" algn="ctr">
               <a:buNone/>
               <a:defRPr sz="3200"/>
             </a:lvl1pPr>
@@ -2605,13 +3070,17 @@
             </a:lvl9pPr>
           </a:lstStyle>
           <a:p>
-            <a:endParaRPr lang="pt-PT"/>
-          </a:p>
-        </p:txBody>
-      </p:sp>
-      <p:sp>
-        <p:nvSpPr>
-          <p:cNvPr id="4" name="Marcador de Posição do Texto 3"/>
+            <a:r>
+              <a:rPr lang="pt-PT"/>
+              <a:t>Clique no ícone para adicionar uma imagem</a:t>
+            </a:r>
+            <a:endParaRPr lang="en-US" dirty="0"/>
+          </a:p>
+        </p:txBody>
+      </p:sp>
+      <p:sp>
+        <p:nvSpPr>
+          <p:cNvPr id="4" name="Text Placeholder 3"/>
           <p:cNvSpPr>
             <a:spLocks noGrp="1"/>
           </p:cNvSpPr>
@@ -2621,16 +3090,18 @@
         </p:nvSpPr>
         <p:spPr>
           <a:xfrm>
-            <a:off x="839788" y="2057400"/>
-            <a:ext cx="3932237" cy="3811588"/>
-          </a:xfrm>
-        </p:spPr>
-        <p:txBody>
-          <a:bodyPr/>
+            <a:off x="1450329" y="3145992"/>
+            <a:ext cx="5524404" cy="2003742"/>
+          </a:xfrm>
+        </p:spPr>
+        <p:txBody>
+          <a:bodyPr>
+            <a:normAutofit/>
+          </a:bodyPr>
           <a:lstStyle>
-            <a:lvl1pPr marL="0" indent="0">
-              <a:buNone/>
-              <a:defRPr sz="1600"/>
+            <a:lvl1pPr marL="0" indent="0" algn="l">
+              <a:buNone/>
+              <a:defRPr sz="1800"/>
             </a:lvl1pPr>
             <a:lvl2pPr marL="457200" indent="0">
               <a:buNone/>
@@ -2676,7 +3147,7 @@
       </p:sp>
       <p:sp>
         <p:nvSpPr>
-          <p:cNvPr id="5" name="Marcador de Posição da Data 4"/>
+          <p:cNvPr id="5" name="Date Placeholder 4"/>
           <p:cNvSpPr>
             <a:spLocks noGrp="1"/>
           </p:cNvSpPr>
@@ -2684,14 +3155,23 @@
             <p:ph type="dt" sz="half" idx="10"/>
           </p:nvPr>
         </p:nvSpPr>
-        <p:spPr/>
+        <p:spPr>
+          <a:xfrm>
+            <a:off x="1447382" y="5469856"/>
+            <a:ext cx="5527351" cy="320123"/>
+          </a:xfrm>
+        </p:spPr>
         <p:txBody>
           <a:bodyPr/>
-          <a:lstStyle/>
+          <a:lstStyle>
+            <a:lvl1pPr algn="l">
+              <a:defRPr/>
+            </a:lvl1pPr>
+          </a:lstStyle>
           <a:p>
             <a:fld id="{E011CE98-2713-45F9-A806-008D9A8C3646}" type="datetimeFigureOut">
               <a:rPr lang="pt-PT" smtClean="0"/>
-              <a:t>21/01/2019</a:t>
+              <a:t>22/01/2019</a:t>
             </a:fld>
             <a:endParaRPr lang="pt-PT"/>
           </a:p>
@@ -2699,7 +3179,7 @@
       </p:sp>
       <p:sp>
         <p:nvSpPr>
-          <p:cNvPr id="6" name="Marcador de Posição do Rodapé 5"/>
+          <p:cNvPr id="6" name="Footer Placeholder 5"/>
           <p:cNvSpPr>
             <a:spLocks noGrp="1"/>
           </p:cNvSpPr>
@@ -2707,7 +3187,12 @@
             <p:ph type="ftr" sz="quarter" idx="11"/>
           </p:nvPr>
         </p:nvSpPr>
-        <p:spPr/>
+        <p:spPr>
+          <a:xfrm>
+            <a:off x="1447382" y="318640"/>
+            <a:ext cx="5541004" cy="320931"/>
+          </a:xfrm>
+        </p:spPr>
         <p:txBody>
           <a:bodyPr/>
           <a:lstStyle/>
@@ -2718,7 +3203,7 @@
       </p:sp>
       <p:sp>
         <p:nvSpPr>
-          <p:cNvPr id="7" name="Marcador de Posição do Número do Diapositivo 6"/>
+          <p:cNvPr id="7" name="Slide Number Placeholder 6"/>
           <p:cNvSpPr>
             <a:spLocks noGrp="1"/>
           </p:cNvSpPr>
@@ -2739,10 +3224,41 @@
           </a:p>
         </p:txBody>
       </p:sp>
+      <p:cxnSp>
+        <p:nvCxnSpPr>
+          <p:cNvPr id="31" name="Straight Connector 30"/>
+          <p:cNvCxnSpPr/>
+          <p:nvPr/>
+        </p:nvCxnSpPr>
+        <p:spPr>
+          <a:xfrm>
+            <a:off x="1447382" y="3143605"/>
+            <a:ext cx="5527351" cy="0"/>
+          </a:xfrm>
+          <a:prstGeom prst="line">
+            <a:avLst/>
+          </a:prstGeom>
+          <a:ln w="31750"/>
+        </p:spPr>
+        <p:style>
+          <a:lnRef idx="3">
+            <a:schemeClr val="accent1"/>
+          </a:lnRef>
+          <a:fillRef idx="0">
+            <a:schemeClr val="accent1"/>
+          </a:fillRef>
+          <a:effectRef idx="2">
+            <a:schemeClr val="accent1"/>
+          </a:effectRef>
+          <a:fontRef idx="minor">
+            <a:schemeClr val="tx1"/>
+          </a:fontRef>
+        </p:style>
+      </p:cxnSp>
     </p:spTree>
     <p:extLst>
       <p:ext uri="{BB962C8B-B14F-4D97-AF65-F5344CB8AC3E}">
-        <p14:creationId xmlns:p14="http://schemas.microsoft.com/office/powerpoint/2010/main" val="3329810971"/>
+        <p14:creationId xmlns:p14="http://schemas.microsoft.com/office/powerpoint/2010/main" val="1403901920"/>
       </p:ext>
     </p:extLst>
   </p:cSld>
@@ -2756,8 +3272,8 @@
 <p:sldMaster xmlns:a="http://schemas.openxmlformats.org/drawingml/2006/main" xmlns:r="http://schemas.openxmlformats.org/officeDocument/2006/relationships" xmlns:p="http://schemas.openxmlformats.org/presentationml/2006/main">
   <p:cSld>
     <p:bg>
-      <p:bgRef idx="1001">
-        <a:schemeClr val="bg1"/>
+      <p:bgRef idx="1003">
+        <a:schemeClr val="bg2"/>
       </p:bgRef>
     </p:bg>
     <p:spTree>
@@ -2776,55 +3292,134 @@
       </p:grpSpPr>
       <p:sp>
         <p:nvSpPr>
-          <p:cNvPr id="2" name="Marcador de Posição do Título 1"/>
-          <p:cNvSpPr>
-            <a:spLocks noGrp="1"/>
-          </p:cNvSpPr>
-          <p:nvPr>
-            <p:ph type="title"/>
-          </p:nvPr>
-        </p:nvSpPr>
-        <p:spPr>
-          <a:xfrm>
-            <a:off x="838200" y="365125"/>
-            <a:ext cx="10515600" cy="1325563"/>
+          <p:cNvPr id="8" name="Rectangle 7"/>
+          <p:cNvSpPr/>
+          <p:nvPr/>
+        </p:nvSpPr>
+        <p:spPr>
+          <a:xfrm>
+            <a:off x="0" y="2019476"/>
+            <a:ext cx="12192000" cy="4105941"/>
           </a:xfrm>
           <a:prstGeom prst="rect">
             <a:avLst/>
           </a:prstGeom>
-        </p:spPr>
-        <p:txBody>
-          <a:bodyPr vert="horz" lIns="91440" tIns="45720" rIns="91440" bIns="45720" rtlCol="0" anchor="ctr">
-            <a:normAutofit/>
-          </a:bodyPr>
-          <a:lstStyle/>
-          <a:p>
-            <a:r>
-              <a:rPr lang="pt-PT"/>
-              <a:t>Clique para editar o estilo</a:t>
-            </a:r>
-          </a:p>
-        </p:txBody>
-      </p:sp>
-      <p:sp>
-        <p:nvSpPr>
-          <p:cNvPr id="3" name="Marcador de Posição do Texto 2"/>
-          <p:cNvSpPr>
-            <a:spLocks noGrp="1"/>
-          </p:cNvSpPr>
-          <p:nvPr>
-            <p:ph type="body" idx="1"/>
-          </p:nvPr>
-        </p:nvSpPr>
-        <p:spPr>
-          <a:xfrm>
-            <a:off x="838200" y="1825625"/>
-            <a:ext cx="10515600" cy="4351338"/>
+          <a:gradFill flip="none" rotWithShape="1">
+            <a:gsLst>
+              <a:gs pos="0">
+                <a:schemeClr val="bg2">
+                  <a:alpha val="0"/>
+                </a:schemeClr>
+              </a:gs>
+              <a:gs pos="100000">
+                <a:schemeClr val="bg2"/>
+              </a:gs>
+            </a:gsLst>
+            <a:lin ang="5400000" scaled="0"/>
+            <a:tileRect/>
+          </a:gradFill>
+          <a:ln>
+            <a:noFill/>
+          </a:ln>
+        </p:spPr>
+        <p:style>
+          <a:lnRef idx="2">
+            <a:schemeClr val="accent1">
+              <a:shade val="50000"/>
+            </a:schemeClr>
+          </a:lnRef>
+          <a:fillRef idx="1">
+            <a:schemeClr val="accent1"/>
+          </a:fillRef>
+          <a:effectRef idx="0">
+            <a:schemeClr val="accent1"/>
+          </a:effectRef>
+          <a:fontRef idx="minor">
+            <a:schemeClr val="lt1"/>
+          </a:fontRef>
+        </p:style>
+      </p:sp>
+      <p:pic>
+        <p:nvPicPr>
+          <p:cNvPr id="7" name="Picture 6"/>
+          <p:cNvPicPr>
+            <a:picLocks noChangeAspect="1"/>
+          </p:cNvPicPr>
+          <p:nvPr/>
+        </p:nvPicPr>
+        <p:blipFill rotWithShape="1">
+          <a:blip r:embed="rId13">
+            <a:extLst>
+              <a:ext uri="{28A0092B-C50C-407E-A947-70E740481C1C}">
+                <a14:useLocalDpi xmlns:a14="http://schemas.microsoft.com/office/drawing/2010/main" val="0"/>
+              </a:ext>
+            </a:extLst>
+          </a:blip>
+          <a:srcRect t="1538" b="-1538"/>
+          <a:stretch/>
+        </p:blipFill>
+        <p:spPr bwMode="black">
+          <a:xfrm>
+            <a:off x="0" y="6126480"/>
+            <a:ext cx="12192000" cy="742950"/>
           </a:xfrm>
           <a:prstGeom prst="rect">
             <a:avLst/>
           </a:prstGeom>
         </p:spPr>
+      </p:pic>
+      <p:sp>
+        <p:nvSpPr>
+          <p:cNvPr id="2" name="Title Placeholder 1"/>
+          <p:cNvSpPr>
+            <a:spLocks noGrp="1"/>
+          </p:cNvSpPr>
+          <p:nvPr>
+            <p:ph type="title"/>
+          </p:nvPr>
+        </p:nvSpPr>
+        <p:spPr>
+          <a:xfrm>
+            <a:off x="1451579" y="804519"/>
+            <a:ext cx="9603275" cy="1049235"/>
+          </a:xfrm>
+          <a:prstGeom prst="rect">
+            <a:avLst/>
+          </a:prstGeom>
+        </p:spPr>
+        <p:txBody>
+          <a:bodyPr vert="horz" lIns="91440" tIns="45720" rIns="91440" bIns="45720" rtlCol="0" anchor="t">
+            <a:normAutofit/>
+          </a:bodyPr>
+          <a:lstStyle/>
+          <a:p>
+            <a:r>
+              <a:rPr lang="pt-PT"/>
+              <a:t>Clique para editar o estilo de título do Modelo Global</a:t>
+            </a:r>
+            <a:endParaRPr lang="en-US" dirty="0"/>
+          </a:p>
+        </p:txBody>
+      </p:sp>
+      <p:sp>
+        <p:nvSpPr>
+          <p:cNvPr id="3" name="Text Placeholder 2"/>
+          <p:cNvSpPr>
+            <a:spLocks noGrp="1"/>
+          </p:cNvSpPr>
+          <p:nvPr>
+            <p:ph type="body" idx="1"/>
+          </p:nvPr>
+        </p:nvSpPr>
+        <p:spPr>
+          <a:xfrm>
+            <a:off x="1451579" y="2015732"/>
+            <a:ext cx="9603275" cy="3450613"/>
+          </a:xfrm>
+          <a:prstGeom prst="rect">
+            <a:avLst/>
+          </a:prstGeom>
+        </p:spPr>
         <p:txBody>
           <a:bodyPr vert="horz" lIns="91440" tIns="45720" rIns="91440" bIns="45720" rtlCol="0">
             <a:normAutofit/>
@@ -2833,43 +3428,43 @@
           <a:p>
             <a:pPr lvl="0"/>
             <a:r>
-              <a:rPr lang="pt-PT"/>
-              <a:t>Editar os estilos de texto do Modelo Global</a:t>
+              <a:rPr lang="en-US" dirty="0"/>
+              <a:t>Edit Master text styles</a:t>
             </a:r>
           </a:p>
           <a:p>
             <a:pPr lvl="1"/>
             <a:r>
-              <a:rPr lang="pt-PT"/>
-              <a:t>Segundo nível</a:t>
+              <a:rPr lang="en-US" dirty="0"/>
+              <a:t>Second level</a:t>
             </a:r>
           </a:p>
           <a:p>
             <a:pPr lvl="2"/>
             <a:r>
-              <a:rPr lang="pt-PT"/>
-              <a:t>Terceiro nível</a:t>
+              <a:rPr lang="en-US" dirty="0"/>
+              <a:t>Third level</a:t>
             </a:r>
           </a:p>
           <a:p>
             <a:pPr lvl="3"/>
             <a:r>
-              <a:rPr lang="pt-PT"/>
-              <a:t>Quarto nível</a:t>
+              <a:rPr lang="en-US" dirty="0"/>
+              <a:t>Fourth level</a:t>
             </a:r>
           </a:p>
           <a:p>
             <a:pPr lvl="4"/>
             <a:r>
-              <a:rPr lang="pt-PT"/>
-              <a:t>Quinto nível</a:t>
-            </a:r>
-          </a:p>
-        </p:txBody>
-      </p:sp>
-      <p:sp>
-        <p:nvSpPr>
-          <p:cNvPr id="4" name="Marcador de Posição da Data 3"/>
+              <a:rPr lang="en-US" dirty="0"/>
+              <a:t>Fifth level</a:t>
+            </a:r>
+          </a:p>
+        </p:txBody>
+      </p:sp>
+      <p:sp>
+        <p:nvSpPr>
+          <p:cNvPr id="4" name="Date Placeholder 3"/>
           <p:cNvSpPr>
             <a:spLocks noGrp="1"/>
           </p:cNvSpPr>
@@ -2879,8 +3474,8 @@
         </p:nvSpPr>
         <p:spPr>
           <a:xfrm>
-            <a:off x="838200" y="6356350"/>
-            <a:ext cx="2743200" cy="365125"/>
+            <a:off x="7554138" y="330370"/>
+            <a:ext cx="3500715" cy="309201"/>
           </a:xfrm>
           <a:prstGeom prst="rect">
             <a:avLst/>
@@ -2889,8 +3484,8 @@
         <p:txBody>
           <a:bodyPr vert="horz" lIns="91440" tIns="45720" rIns="91440" bIns="45720" rtlCol="0" anchor="ctr"/>
           <a:lstStyle>
-            <a:lvl1pPr algn="l">
-              <a:defRPr sz="1200">
+            <a:lvl1pPr algn="r">
+              <a:defRPr sz="1000">
                 <a:solidFill>
                   <a:schemeClr val="tx1">
                     <a:tint val="75000"/>
@@ -2902,7 +3497,7 @@
           <a:p>
             <a:fld id="{E011CE98-2713-45F9-A806-008D9A8C3646}" type="datetimeFigureOut">
               <a:rPr lang="pt-PT" smtClean="0"/>
-              <a:t>21/01/2019</a:t>
+              <a:t>22/01/2019</a:t>
             </a:fld>
             <a:endParaRPr lang="pt-PT"/>
           </a:p>
@@ -2910,7 +3505,7 @@
       </p:sp>
       <p:sp>
         <p:nvSpPr>
-          <p:cNvPr id="5" name="Marcador de Posição do Rodapé 4"/>
+          <p:cNvPr id="5" name="Footer Placeholder 4"/>
           <p:cNvSpPr>
             <a:spLocks noGrp="1"/>
           </p:cNvSpPr>
@@ -2920,8 +3515,8 @@
         </p:nvSpPr>
         <p:spPr>
           <a:xfrm>
-            <a:off x="4038600" y="6356350"/>
-            <a:ext cx="4114800" cy="365125"/>
+            <a:off x="1451579" y="329307"/>
+            <a:ext cx="5938836" cy="309201"/>
           </a:xfrm>
           <a:prstGeom prst="rect">
             <a:avLst/>
@@ -2930,8 +3525,8 @@
         <p:txBody>
           <a:bodyPr vert="horz" lIns="91440" tIns="45720" rIns="91440" bIns="45720" rtlCol="0" anchor="ctr"/>
           <a:lstStyle>
-            <a:lvl1pPr algn="ctr">
-              <a:defRPr sz="1200">
+            <a:lvl1pPr algn="l">
+              <a:defRPr sz="1000">
                 <a:solidFill>
                   <a:schemeClr val="tx1">
                     <a:tint val="75000"/>
@@ -2947,7 +3542,7 @@
       </p:sp>
       <p:sp>
         <p:nvSpPr>
-          <p:cNvPr id="6" name="Marcador de Posição do Número do Diapositivo 5"/>
+          <p:cNvPr id="6" name="Slide Number Placeholder 5"/>
           <p:cNvSpPr>
             <a:spLocks noGrp="1"/>
           </p:cNvSpPr>
@@ -2957,22 +3552,20 @@
         </p:nvSpPr>
         <p:spPr>
           <a:xfrm>
-            <a:off x="8610600" y="6356350"/>
-            <a:ext cx="2743200" cy="365125"/>
+            <a:off x="480060" y="798973"/>
+            <a:ext cx="811019" cy="503578"/>
           </a:xfrm>
           <a:prstGeom prst="rect">
             <a:avLst/>
           </a:prstGeom>
         </p:spPr>
         <p:txBody>
-          <a:bodyPr vert="horz" lIns="91440" tIns="45720" rIns="91440" bIns="45720" rtlCol="0" anchor="ctr"/>
+          <a:bodyPr vert="horz" lIns="91440" tIns="45720" rIns="91440" bIns="45720" rtlCol="0" anchor="t"/>
           <a:lstStyle>
             <a:lvl1pPr algn="r">
-              <a:defRPr sz="1200">
+              <a:defRPr sz="2800">
                 <a:solidFill>
-                  <a:schemeClr val="tx1">
-                    <a:tint val="75000"/>
-                  </a:schemeClr>
+                  <a:schemeClr val="accent1"/>
                 </a:solidFill>
               </a:defRPr>
             </a:lvl1pPr>
@@ -2986,26 +3579,63 @@
           </a:p>
         </p:txBody>
       </p:sp>
+      <p:cxnSp>
+        <p:nvCxnSpPr>
+          <p:cNvPr id="10" name="Straight Connector 9"/>
+          <p:cNvCxnSpPr/>
+          <p:nvPr/>
+        </p:nvCxnSpPr>
+        <p:spPr>
+          <a:xfrm>
+            <a:off x="0" y="6128413"/>
+            <a:ext cx="12192000" cy="0"/>
+          </a:xfrm>
+          <a:prstGeom prst="line">
+            <a:avLst/>
+          </a:prstGeom>
+          <a:ln w="12700">
+            <a:solidFill>
+              <a:srgbClr val="000001">
+                <a:alpha val="20000"/>
+              </a:srgbClr>
+            </a:solidFill>
+          </a:ln>
+        </p:spPr>
+        <p:style>
+          <a:lnRef idx="1">
+            <a:schemeClr val="accent1"/>
+          </a:lnRef>
+          <a:fillRef idx="0">
+            <a:schemeClr val="accent1"/>
+          </a:fillRef>
+          <a:effectRef idx="0">
+            <a:schemeClr val="accent1"/>
+          </a:effectRef>
+          <a:fontRef idx="minor">
+            <a:schemeClr val="tx1"/>
+          </a:fontRef>
+        </p:style>
+      </p:cxnSp>
     </p:spTree>
     <p:extLst>
       <p:ext uri="{BB962C8B-B14F-4D97-AF65-F5344CB8AC3E}">
-        <p14:creationId xmlns:p14="http://schemas.microsoft.com/office/powerpoint/2010/main" val="84671815"/>
+        <p14:creationId xmlns:p14="http://schemas.microsoft.com/office/powerpoint/2010/main" val="3509058145"/>
       </p:ext>
     </p:extLst>
   </p:cSld>
   <p:clrMap bg1="lt1" tx1="dk1" bg2="lt2" tx2="dk2" accent1="accent1" accent2="accent2" accent3="accent3" accent4="accent4" accent5="accent5" accent6="accent6" hlink="hlink" folHlink="folHlink"/>
   <p:sldLayoutIdLst>
-    <p:sldLayoutId id="2147483649" r:id="rId1"/>
-    <p:sldLayoutId id="2147483650" r:id="rId2"/>
-    <p:sldLayoutId id="2147483651" r:id="rId3"/>
-    <p:sldLayoutId id="2147483652" r:id="rId4"/>
-    <p:sldLayoutId id="2147483653" r:id="rId5"/>
-    <p:sldLayoutId id="2147483654" r:id="rId6"/>
-    <p:sldLayoutId id="2147483655" r:id="rId7"/>
-    <p:sldLayoutId id="2147483656" r:id="rId8"/>
-    <p:sldLayoutId id="2147483657" r:id="rId9"/>
-    <p:sldLayoutId id="2147483658" r:id="rId10"/>
-    <p:sldLayoutId id="2147483659" r:id="rId11"/>
+    <p:sldLayoutId id="2147483661" r:id="rId1"/>
+    <p:sldLayoutId id="2147483662" r:id="rId2"/>
+    <p:sldLayoutId id="2147483663" r:id="rId3"/>
+    <p:sldLayoutId id="2147483664" r:id="rId4"/>
+    <p:sldLayoutId id="2147483665" r:id="rId5"/>
+    <p:sldLayoutId id="2147483666" r:id="rId6"/>
+    <p:sldLayoutId id="2147483667" r:id="rId7"/>
+    <p:sldLayoutId id="2147483668" r:id="rId8"/>
+    <p:sldLayoutId id="2147483669" r:id="rId9"/>
+    <p:sldLayoutId id="2147483670" r:id="rId10"/>
+    <p:sldLayoutId id="2147483671" r:id="rId11"/>
   </p:sldLayoutIdLst>
   <p:txStyles>
     <p:titleStyle>
@@ -3017,10 +3647,11 @@
           <a:spcPct val="0"/>
         </a:spcBef>
         <a:buNone/>
-        <a:defRPr sz="4400" kern="1200">
+        <a:defRPr sz="3200" b="0" i="0" kern="1200" cap="all">
           <a:solidFill>
             <a:schemeClr val="tx1"/>
           </a:solidFill>
+          <a:effectLst/>
           <a:latin typeface="+mj-lt"/>
           <a:ea typeface="+mj-ea"/>
           <a:cs typeface="+mj-cs"/>
@@ -3030,17 +3661,22 @@
     <p:bodyStyle>
       <a:lvl1pPr marL="228600" indent="-228600" algn="l" defTabSz="914400" rtl="0" eaLnBrk="1" latinLnBrk="0" hangingPunct="1">
         <a:lnSpc>
-          <a:spcPct val="90000"/>
+          <a:spcPct val="120000"/>
         </a:lnSpc>
         <a:spcBef>
           <a:spcPts val="1000"/>
         </a:spcBef>
+        <a:buClr>
+          <a:schemeClr val="accent1"/>
+        </a:buClr>
+        <a:buSzPct val="100000"/>
         <a:buFont typeface="Arial" panose="020B0604020202020204" pitchFamily="34" charset="0"/>
         <a:buChar char="•"/>
-        <a:defRPr sz="2800" kern="1200">
+        <a:defRPr sz="2000" kern="1200">
           <a:solidFill>
             <a:schemeClr val="tx1"/>
           </a:solidFill>
+          <a:effectLst/>
           <a:latin typeface="+mn-lt"/>
           <a:ea typeface="+mn-ea"/>
           <a:cs typeface="+mn-cs"/>
@@ -3048,17 +3684,22 @@
       </a:lvl1pPr>
       <a:lvl2pPr marL="685800" indent="-228600" algn="l" defTabSz="914400" rtl="0" eaLnBrk="1" latinLnBrk="0" hangingPunct="1">
         <a:lnSpc>
-          <a:spcPct val="90000"/>
+          <a:spcPct val="120000"/>
         </a:lnSpc>
         <a:spcBef>
           <a:spcPts val="500"/>
         </a:spcBef>
+        <a:buClr>
+          <a:schemeClr val="accent1"/>
+        </a:buClr>
+        <a:buSzPct val="100000"/>
         <a:buFont typeface="Arial" panose="020B0604020202020204" pitchFamily="34" charset="0"/>
         <a:buChar char="•"/>
-        <a:defRPr sz="2400" kern="1200">
+        <a:defRPr sz="1800" kern="1200" cap="none" baseline="0">
           <a:solidFill>
             <a:schemeClr val="tx1"/>
           </a:solidFill>
+          <a:effectLst/>
           <a:latin typeface="+mn-lt"/>
           <a:ea typeface="+mn-ea"/>
           <a:cs typeface="+mn-cs"/>
@@ -3066,17 +3707,22 @@
       </a:lvl2pPr>
       <a:lvl3pPr marL="1143000" indent="-228600" algn="l" defTabSz="914400" rtl="0" eaLnBrk="1" latinLnBrk="0" hangingPunct="1">
         <a:lnSpc>
-          <a:spcPct val="90000"/>
+          <a:spcPct val="120000"/>
         </a:lnSpc>
         <a:spcBef>
           <a:spcPts val="500"/>
         </a:spcBef>
+        <a:buClr>
+          <a:schemeClr val="accent1"/>
+        </a:buClr>
+        <a:buSzPct val="100000"/>
         <a:buFont typeface="Arial" panose="020B0604020202020204" pitchFamily="34" charset="0"/>
         <a:buChar char="•"/>
-        <a:defRPr sz="2000" kern="1200">
+        <a:defRPr sz="1600" kern="1200">
           <a:solidFill>
             <a:schemeClr val="tx1"/>
           </a:solidFill>
+          <a:effectLst/>
           <a:latin typeface="+mn-lt"/>
           <a:ea typeface="+mn-ea"/>
           <a:cs typeface="+mn-cs"/>
@@ -3084,17 +3730,22 @@
       </a:lvl3pPr>
       <a:lvl4pPr marL="1600200" indent="-228600" algn="l" defTabSz="914400" rtl="0" eaLnBrk="1" latinLnBrk="0" hangingPunct="1">
         <a:lnSpc>
-          <a:spcPct val="90000"/>
+          <a:spcPct val="120000"/>
         </a:lnSpc>
         <a:spcBef>
           <a:spcPts val="500"/>
         </a:spcBef>
+        <a:buClr>
+          <a:schemeClr val="accent1"/>
+        </a:buClr>
+        <a:buSzPct val="100000"/>
         <a:buFont typeface="Arial" panose="020B0604020202020204" pitchFamily="34" charset="0"/>
         <a:buChar char="•"/>
-        <a:defRPr sz="1800" kern="1200">
+        <a:defRPr sz="1400" kern="1200" cap="none" baseline="0">
           <a:solidFill>
             <a:schemeClr val="tx1"/>
           </a:solidFill>
+          <a:effectLst/>
           <a:latin typeface="+mn-lt"/>
           <a:ea typeface="+mn-ea"/>
           <a:cs typeface="+mn-cs"/>
@@ -3102,17 +3753,22 @@
       </a:lvl4pPr>
       <a:lvl5pPr marL="2057400" indent="-228600" algn="l" defTabSz="914400" rtl="0" eaLnBrk="1" latinLnBrk="0" hangingPunct="1">
         <a:lnSpc>
-          <a:spcPct val="90000"/>
+          <a:spcPct val="120000"/>
         </a:lnSpc>
         <a:spcBef>
           <a:spcPts val="500"/>
         </a:spcBef>
+        <a:buClr>
+          <a:schemeClr val="accent1"/>
+        </a:buClr>
+        <a:buSzPct val="100000"/>
         <a:buFont typeface="Arial" panose="020B0604020202020204" pitchFamily="34" charset="0"/>
         <a:buChar char="•"/>
-        <a:defRPr sz="1800" kern="1200">
+        <a:defRPr sz="1200" kern="1200">
           <a:solidFill>
             <a:schemeClr val="tx1"/>
           </a:solidFill>
+          <a:effectLst/>
           <a:latin typeface="+mn-lt"/>
           <a:ea typeface="+mn-ea"/>
           <a:cs typeface="+mn-cs"/>
@@ -3120,17 +3776,22 @@
       </a:lvl5pPr>
       <a:lvl6pPr marL="2514600" indent="-228600" algn="l" defTabSz="914400" rtl="0" eaLnBrk="1" latinLnBrk="0" hangingPunct="1">
         <a:lnSpc>
-          <a:spcPct val="90000"/>
+          <a:spcPct val="120000"/>
         </a:lnSpc>
         <a:spcBef>
           <a:spcPts val="500"/>
         </a:spcBef>
+        <a:buClr>
+          <a:schemeClr val="accent1"/>
+        </a:buClr>
+        <a:buSzPct val="100000"/>
         <a:buFont typeface="Arial" panose="020B0604020202020204" pitchFamily="34" charset="0"/>
         <a:buChar char="•"/>
-        <a:defRPr sz="1800" kern="1200">
+        <a:defRPr sz="1200" kern="1200">
           <a:solidFill>
             <a:schemeClr val="tx1"/>
           </a:solidFill>
+          <a:effectLst/>
           <a:latin typeface="+mn-lt"/>
           <a:ea typeface="+mn-ea"/>
           <a:cs typeface="+mn-cs"/>
@@ -3138,17 +3799,22 @@
       </a:lvl6pPr>
       <a:lvl7pPr marL="2971800" indent="-228600" algn="l" defTabSz="914400" rtl="0" eaLnBrk="1" latinLnBrk="0" hangingPunct="1">
         <a:lnSpc>
-          <a:spcPct val="90000"/>
+          <a:spcPct val="120000"/>
         </a:lnSpc>
         <a:spcBef>
           <a:spcPts val="500"/>
         </a:spcBef>
+        <a:buClr>
+          <a:schemeClr val="accent1"/>
+        </a:buClr>
+        <a:buSzPct val="100000"/>
         <a:buFont typeface="Arial" panose="020B0604020202020204" pitchFamily="34" charset="0"/>
         <a:buChar char="•"/>
-        <a:defRPr sz="1800" kern="1200">
+        <a:defRPr sz="1200" kern="1200">
           <a:solidFill>
             <a:schemeClr val="tx1"/>
           </a:solidFill>
+          <a:effectLst/>
           <a:latin typeface="+mn-lt"/>
           <a:ea typeface="+mn-ea"/>
           <a:cs typeface="+mn-cs"/>
@@ -3156,17 +3822,22 @@
       </a:lvl7pPr>
       <a:lvl8pPr marL="3429000" indent="-228600" algn="l" defTabSz="914400" rtl="0" eaLnBrk="1" latinLnBrk="0" hangingPunct="1">
         <a:lnSpc>
-          <a:spcPct val="90000"/>
+          <a:spcPct val="120000"/>
         </a:lnSpc>
         <a:spcBef>
           <a:spcPts val="500"/>
         </a:spcBef>
+        <a:buClr>
+          <a:schemeClr val="accent1"/>
+        </a:buClr>
+        <a:buSzPct val="100000"/>
         <a:buFont typeface="Arial" panose="020B0604020202020204" pitchFamily="34" charset="0"/>
         <a:buChar char="•"/>
-        <a:defRPr sz="1800" kern="1200">
+        <a:defRPr sz="1200" kern="1200" baseline="0">
           <a:solidFill>
             <a:schemeClr val="tx1"/>
           </a:solidFill>
+          <a:effectLst/>
           <a:latin typeface="+mn-lt"/>
           <a:ea typeface="+mn-ea"/>
           <a:cs typeface="+mn-cs"/>
@@ -3174,17 +3845,22 @@
       </a:lvl8pPr>
       <a:lvl9pPr marL="3886200" indent="-228600" algn="l" defTabSz="914400" rtl="0" eaLnBrk="1" latinLnBrk="0" hangingPunct="1">
         <a:lnSpc>
-          <a:spcPct val="90000"/>
+          <a:spcPct val="120000"/>
         </a:lnSpc>
         <a:spcBef>
           <a:spcPts val="500"/>
         </a:spcBef>
+        <a:buClr>
+          <a:schemeClr val="accent1"/>
+        </a:buClr>
+        <a:buSzPct val="100000"/>
         <a:buFont typeface="Arial" panose="020B0604020202020204" pitchFamily="34" charset="0"/>
         <a:buChar char="•"/>
-        <a:defRPr sz="1800" kern="1200">
+        <a:defRPr sz="1200" kern="1200" baseline="0">
           <a:solidFill>
             <a:schemeClr val="tx1"/>
           </a:solidFill>
+          <a:effectLst/>
           <a:latin typeface="+mn-lt"/>
           <a:ea typeface="+mn-ea"/>
           <a:cs typeface="+mn-cs"/>
@@ -3193,7 +3869,7 @@
     </p:bodyStyle>
     <p:otherStyle>
       <a:defPPr>
-        <a:defRPr lang="pt-PT"/>
+        <a:defRPr lang="en-US"/>
       </a:defPPr>
       <a:lvl1pPr marL="0" algn="l" defTabSz="914400" rtl="0" eaLnBrk="1" latinLnBrk="0" hangingPunct="1">
         <a:defRPr sz="1800" kern="1200">
@@ -3325,7 +4001,7 @@
         </p:spPr>
         <p:txBody>
           <a:bodyPr>
-            <a:normAutofit/>
+            <a:normAutofit fontScale="90000"/>
           </a:bodyPr>
           <a:lstStyle/>
           <a:p>
@@ -3354,60 +4030,13 @@
         </p:spPr>
         <p:txBody>
           <a:bodyPr>
-            <a:normAutofit/>
+            <a:normAutofit fontScale="85000" lnSpcReduction="10000"/>
           </a:bodyPr>
           <a:lstStyle/>
           <a:p>
             <a:r>
               <a:rPr lang="pt-PT" sz="3600" b="1" dirty="0"/>
               <a:t>Mercado de compra e vendas online</a:t>
-            </a:r>
-          </a:p>
-        </p:txBody>
-      </p:sp>
-      <p:sp>
-        <p:nvSpPr>
-          <p:cNvPr id="5" name="CaixaDeTexto 4"/>
-          <p:cNvSpPr txBox="1"/>
-          <p:nvPr/>
-        </p:nvSpPr>
-        <p:spPr>
-          <a:xfrm>
-            <a:off x="1524000" y="4454434"/>
-            <a:ext cx="8451668" cy="1323439"/>
-          </a:xfrm>
-          <a:prstGeom prst="rect">
-            <a:avLst/>
-          </a:prstGeom>
-          <a:noFill/>
-        </p:spPr>
-        <p:txBody>
-          <a:bodyPr wrap="square" rtlCol="0">
-            <a:spAutoFit/>
-          </a:bodyPr>
-          <a:lstStyle/>
-          <a:p>
-            <a:r>
-              <a:rPr lang="pt-PT" sz="2000" dirty="0"/>
-              <a:t>Luís Capa	A81960</a:t>
-            </a:r>
-          </a:p>
-          <a:p>
-            <a:r>
-              <a:rPr lang="pt-PT" sz="2000" dirty="0"/>
-              <a:t>Moisés Antunes	A82263</a:t>
-            </a:r>
-          </a:p>
-          <a:p>
-            <a:r>
-              <a:rPr lang="pt-PT" sz="2000" dirty="0"/>
-              <a:t>Pedro Capa	A83170</a:t>
-            </a:r>
-          </a:p>
-          <a:p>
-            <a:r>
-              <a:rPr lang="pt-PT" sz="2000" dirty="0"/>
-              <a:t>Tiago Pinheiro	A82491</a:t>
             </a:r>
           </a:p>
         </p:txBody>
@@ -3454,6 +4083,53 @@
               <a:t>1</a:t>
             </a:fld>
             <a:endParaRPr lang="pt-PT"/>
+          </a:p>
+        </p:txBody>
+      </p:sp>
+      <p:sp>
+        <p:nvSpPr>
+          <p:cNvPr id="5" name="CaixaDeTexto 4"/>
+          <p:cNvSpPr txBox="1"/>
+          <p:nvPr/>
+        </p:nvSpPr>
+        <p:spPr>
+          <a:xfrm>
+            <a:off x="1524000" y="4454434"/>
+            <a:ext cx="8451668" cy="1323439"/>
+          </a:xfrm>
+          <a:prstGeom prst="rect">
+            <a:avLst/>
+          </a:prstGeom>
+          <a:noFill/>
+        </p:spPr>
+        <p:txBody>
+          <a:bodyPr wrap="square" rtlCol="0">
+            <a:spAutoFit/>
+          </a:bodyPr>
+          <a:lstStyle/>
+          <a:p>
+            <a:r>
+              <a:rPr lang="pt-PT" sz="2000" dirty="0"/>
+              <a:t>Luís Capa	A81960</a:t>
+            </a:r>
+          </a:p>
+          <a:p>
+            <a:r>
+              <a:rPr lang="pt-PT" sz="2000" dirty="0"/>
+              <a:t>Moisés Antunes	A82263</a:t>
+            </a:r>
+          </a:p>
+          <a:p>
+            <a:r>
+              <a:rPr lang="pt-PT" sz="2000" dirty="0"/>
+              <a:t>Pedro Capa	A83170</a:t>
+            </a:r>
+          </a:p>
+          <a:p>
+            <a:r>
+              <a:rPr lang="pt-PT" sz="2000" dirty="0"/>
+              <a:t>Tiago Pinheiro	A82491</a:t>
+            </a:r>
           </a:p>
         </p:txBody>
       </p:sp>
@@ -3622,7 +4298,7 @@
         </p:spPr>
         <p:txBody>
           <a:bodyPr>
-            <a:normAutofit fontScale="92500" lnSpcReduction="10000"/>
+            <a:normAutofit fontScale="85000" lnSpcReduction="10000"/>
           </a:bodyPr>
           <a:lstStyle/>
           <a:p>
@@ -3643,11 +4319,7 @@
           <a:p>
             <a:r>
               <a:rPr lang="pt-PT" dirty="0"/>
-              <a:t>Requisitos </a:t>
-            </a:r>
-            <a:r>
-              <a:rPr lang="pt-PT" dirty="0" smtClean="0"/>
-              <a:t>Levantados</a:t>
+              <a:t>Requisitos Levantados</a:t>
             </a:r>
           </a:p>
           <a:p>
@@ -3655,12 +4327,8 @@
               <a:buNone/>
             </a:pPr>
             <a:r>
-              <a:rPr lang="pt-PT" sz="1800" b="1" dirty="0" smtClean="0"/>
-              <a:t>	Requisitos </a:t>
-            </a:r>
-            <a:r>
               <a:rPr lang="pt-PT" sz="1800" b="1" dirty="0"/>
-              <a:t>do utilizador:</a:t>
+              <a:t>	Requisitos do utilizador:</a:t>
             </a:r>
             <a:endParaRPr lang="pt-PT" sz="1800" dirty="0"/>
           </a:p>
@@ -3670,15 +4338,16 @@
             </a:pPr>
             <a:r>
               <a:rPr lang="pt-PT" sz="1800" dirty="0"/>
-              <a:t>	</a:t>
-            </a:r>
-            <a:r>
-              <a:rPr lang="pt-PT" sz="1800" dirty="0" smtClean="0"/>
-              <a:t>Ver </a:t>
-            </a:r>
+              <a:t>	Ver produtos que estão disponíveis no mercado; </a:t>
+            </a:r>
+          </a:p>
+          <a:p>
+            <a:pPr marL="0" indent="0">
+              <a:buNone/>
+            </a:pPr>
             <a:r>
               <a:rPr lang="pt-PT" sz="1800" dirty="0"/>
-              <a:t>produtos que estão disponíveis no mercado; </a:t>
+              <a:t>	Filtrar os produtos que pretende ver/comprar do mercado; </a:t>
             </a:r>
           </a:p>
           <a:p>
@@ -3686,12 +4355,8 @@
               <a:buNone/>
             </a:pPr>
             <a:r>
-              <a:rPr lang="pt-PT" sz="1800" dirty="0" smtClean="0"/>
-              <a:t>	Filtrar </a:t>
-            </a:r>
-            <a:r>
               <a:rPr lang="pt-PT" sz="1800" dirty="0"/>
-              <a:t>os produtos que pretende ver/comprar do mercado; </a:t>
+              <a:t>	Aceder a informações pessoais; </a:t>
             </a:r>
           </a:p>
           <a:p>
@@ -3699,12 +4364,8 @@
               <a:buNone/>
             </a:pPr>
             <a:r>
-              <a:rPr lang="pt-PT" sz="1800" dirty="0" smtClean="0"/>
-              <a:t>	Aceder </a:t>
-            </a:r>
-            <a:r>
               <a:rPr lang="pt-PT" sz="1800" dirty="0"/>
-              <a:t>a informações pessoais; </a:t>
+              <a:t>	Comprar produtos que estão disponíveis no mercado;</a:t>
             </a:r>
           </a:p>
           <a:p>
@@ -3713,15 +4374,26 @@
             </a:pPr>
             <a:r>
               <a:rPr lang="pt-PT" sz="1800" dirty="0"/>
-              <a:t>	</a:t>
-            </a:r>
-            <a:r>
-              <a:rPr lang="pt-PT" sz="1800" dirty="0" smtClean="0"/>
-              <a:t>Comprar </a:t>
-            </a:r>
+              <a:t>	Adicionar/Alterar informações pessoais;</a:t>
+            </a:r>
+          </a:p>
+          <a:p>
+            <a:pPr marL="0" indent="0">
+              <a:buNone/>
+            </a:pPr>
+            <a:r>
+              <a:rPr lang="pt-PT" sz="1800" b="1" dirty="0"/>
+              <a:t>	Requisitos do administrador:</a:t>
+            </a:r>
+            <a:endParaRPr lang="pt-PT" sz="1800" dirty="0"/>
+          </a:p>
+          <a:p>
+            <a:pPr marL="0" indent="0">
+              <a:buNone/>
+            </a:pPr>
             <a:r>
               <a:rPr lang="pt-PT" sz="1800" dirty="0"/>
-              <a:t>produtos que estão disponíveis no mercado;</a:t>
+              <a:t>	Aceder a informações de todo o sistema; </a:t>
             </a:r>
           </a:p>
           <a:p>
@@ -3730,81 +4402,16 @@
             </a:pPr>
             <a:r>
               <a:rPr lang="pt-PT" sz="1800" dirty="0"/>
-              <a:t>	</a:t>
-            </a:r>
-            <a:r>
-              <a:rPr lang="pt-PT" sz="1800" dirty="0" smtClean="0"/>
-              <a:t>Adicionar/Alterar </a:t>
-            </a:r>
+              <a:t>	Ver estatísticas do mercado e dos utilizadores;</a:t>
+            </a:r>
+          </a:p>
+          <a:p>
+            <a:pPr marL="0" indent="0">
+              <a:buNone/>
+            </a:pPr>
             <a:r>
               <a:rPr lang="pt-PT" sz="1800" dirty="0"/>
-              <a:t>informações pessoais</a:t>
-            </a:r>
-            <a:r>
-              <a:rPr lang="pt-PT" sz="1800" dirty="0" smtClean="0"/>
-              <a:t>;</a:t>
-            </a:r>
-            <a:endParaRPr lang="pt-PT" sz="1800" dirty="0"/>
-          </a:p>
-          <a:p>
-            <a:pPr marL="0" indent="0">
-              <a:buNone/>
-            </a:pPr>
-            <a:r>
-              <a:rPr lang="pt-PT" sz="1800" b="1" dirty="0" smtClean="0"/>
-              <a:t>	Requisitos </a:t>
-            </a:r>
-            <a:r>
-              <a:rPr lang="pt-PT" sz="1800" b="1" dirty="0"/>
-              <a:t>do </a:t>
-            </a:r>
-            <a:r>
-              <a:rPr lang="pt-PT" sz="1800" b="1" dirty="0" smtClean="0"/>
-              <a:t>administrador:</a:t>
-            </a:r>
-            <a:endParaRPr lang="pt-PT" sz="1800" dirty="0"/>
-          </a:p>
-          <a:p>
-            <a:pPr marL="0" indent="0">
-              <a:buNone/>
-            </a:pPr>
-            <a:r>
-              <a:rPr lang="pt-PT" sz="1800" dirty="0" smtClean="0"/>
-              <a:t>	Aceder </a:t>
-            </a:r>
-            <a:r>
-              <a:rPr lang="pt-PT" sz="1800" dirty="0"/>
-              <a:t>a informações de todo o sistema; </a:t>
-            </a:r>
-          </a:p>
-          <a:p>
-            <a:pPr marL="0" indent="0">
-              <a:buNone/>
-            </a:pPr>
-            <a:r>
-              <a:rPr lang="pt-PT" sz="1800" dirty="0"/>
-              <a:t>	</a:t>
-            </a:r>
-            <a:r>
-              <a:rPr lang="pt-PT" sz="1800" dirty="0" smtClean="0"/>
-              <a:t>Ver </a:t>
-            </a:r>
-            <a:r>
-              <a:rPr lang="pt-PT" sz="1800" dirty="0"/>
-              <a:t>estatísticas do mercado e dos utilizadores;</a:t>
-            </a:r>
-          </a:p>
-          <a:p>
-            <a:pPr marL="0" indent="0">
-              <a:buNone/>
-            </a:pPr>
-            <a:r>
-              <a:rPr lang="pt-PT" sz="1800" dirty="0" smtClean="0"/>
-              <a:t>	Adicionar/Remover </a:t>
-            </a:r>
-            <a:r>
-              <a:rPr lang="pt-PT" sz="1800" dirty="0"/>
-              <a:t>métodos de pagamento ou transporte; </a:t>
+              <a:t>	Adicionar/Remover métodos de pagamento ou transporte; </a:t>
             </a:r>
           </a:p>
           <a:p>
@@ -4065,94 +4672,11 @@
         </p:blipFill>
         <p:spPr>
           <a:xfrm>
-            <a:off x="6937917" y="1690688"/>
-            <a:ext cx="5140711" cy="4351338"/>
+            <a:off x="3031359" y="1880258"/>
+            <a:ext cx="6129282" cy="4173223"/>
           </a:xfrm>
         </p:spPr>
       </p:pic>
-      <p:sp>
-        <p:nvSpPr>
-          <p:cNvPr id="5" name="CaixaDeTexto 4"/>
-          <p:cNvSpPr txBox="1"/>
-          <p:nvPr/>
-        </p:nvSpPr>
-        <p:spPr>
-          <a:xfrm>
-            <a:off x="468351" y="1895708"/>
-            <a:ext cx="5787482" cy="2308324"/>
-          </a:xfrm>
-          <a:prstGeom prst="rect">
-            <a:avLst/>
-          </a:prstGeom>
-          <a:noFill/>
-        </p:spPr>
-        <p:txBody>
-          <a:bodyPr wrap="square" rtlCol="0">
-            <a:spAutoFit/>
-          </a:bodyPr>
-          <a:lstStyle/>
-          <a:p>
-            <a:pPr marL="285750" indent="-285750">
-              <a:buFont typeface="Arial" panose="020B0604020202020204" pitchFamily="34" charset="0"/>
-              <a:buChar char="•"/>
-            </a:pPr>
-            <a:r>
-              <a:rPr lang="pt-PT" dirty="0"/>
-              <a:t>Construção e validação do modelo de dados lógico: feito a partir do concetual</a:t>
-            </a:r>
-          </a:p>
-          <a:p>
-            <a:pPr marL="285750" indent="-285750">
-              <a:buFont typeface="Arial" panose="020B0604020202020204" pitchFamily="34" charset="0"/>
-              <a:buChar char="•"/>
-            </a:pPr>
-            <a:r>
-              <a:rPr lang="pt-PT" dirty="0"/>
-              <a:t>Desenho do modelo lógico</a:t>
-            </a:r>
-          </a:p>
-          <a:p>
-            <a:pPr marL="285750" indent="-285750">
-              <a:buFont typeface="Arial" panose="020B0604020202020204" pitchFamily="34" charset="0"/>
-              <a:buChar char="•"/>
-            </a:pPr>
-            <a:r>
-              <a:rPr lang="pt-PT" dirty="0"/>
-              <a:t>Validação do modelo através da normalização: 3 formas normais</a:t>
-            </a:r>
-          </a:p>
-          <a:p>
-            <a:pPr marL="285750" indent="-285750">
-              <a:buFont typeface="Arial" panose="020B0604020202020204" pitchFamily="34" charset="0"/>
-              <a:buChar char="•"/>
-            </a:pPr>
-            <a:r>
-              <a:rPr lang="pt-PT" dirty="0"/>
-              <a:t>Validação do modelo com interrogações do utilizador</a:t>
-            </a:r>
-          </a:p>
-          <a:p>
-            <a:pPr marL="285750" indent="-285750">
-              <a:buFont typeface="Arial" panose="020B0604020202020204" pitchFamily="34" charset="0"/>
-              <a:buChar char="•"/>
-            </a:pPr>
-            <a:r>
-              <a:rPr lang="pt-PT" dirty="0"/>
-              <a:t>Validação do modelo com transações estabelecidas</a:t>
-            </a:r>
-          </a:p>
-          <a:p>
-            <a:pPr marL="285750" indent="-285750">
-              <a:buFont typeface="Arial" panose="020B0604020202020204" pitchFamily="34" charset="0"/>
-              <a:buChar char="•"/>
-            </a:pPr>
-            <a:r>
-              <a:rPr lang="pt-PT" dirty="0"/>
-              <a:t>Revisão do modelo lógico com o utilizador</a:t>
-            </a:r>
-          </a:p>
-        </p:txBody>
-      </p:sp>
     </p:spTree>
     <p:extLst>
       <p:ext uri="{BB962C8B-B14F-4D97-AF65-F5344CB8AC3E}">
@@ -4273,7 +4797,7 @@
           <p:cNvPr id="7" name="Imagem 6">
             <a:extLst>
               <a:ext uri="{FF2B5EF4-FFF2-40B4-BE49-F238E27FC236}">
-                <a16:creationId xmlns:a16="http://schemas.microsoft.com/office/drawing/2014/main" xmlns="" id="{2B0F89FA-6832-449D-A692-D35A680C5A5F}"/>
+                <a16:creationId xmlns:a16="http://schemas.microsoft.com/office/drawing/2014/main" id="{2B0F89FA-6832-449D-A692-D35A680C5A5F}"/>
               </a:ext>
             </a:extLst>
           </p:cNvPr>
@@ -4434,7 +4958,7 @@
         </p:spPr>
         <p:txBody>
           <a:bodyPr>
-            <a:normAutofit fontScale="92500" lnSpcReduction="10000"/>
+            <a:normAutofit fontScale="70000" lnSpcReduction="20000"/>
           </a:bodyPr>
           <a:lstStyle/>
           <a:p>
@@ -4450,110 +4974,84 @@
               <a:t>Estrutura base do sistema </a:t>
             </a:r>
             <a:r>
-              <a:rPr lang="pt-PT" sz="3000" b="1" dirty="0" err="1" smtClean="0"/>
+              <a:rPr lang="pt-PT" sz="3000" b="1" dirty="0" err="1"/>
               <a:t>NoSQL</a:t>
             </a:r>
-            <a:endParaRPr lang="pt-PT" sz="3000" b="1" dirty="0" smtClean="0"/>
+            <a:endParaRPr lang="pt-PT" sz="3000" b="1" dirty="0"/>
           </a:p>
           <a:p>
             <a:pPr lvl="1"/>
             <a:r>
-              <a:rPr lang="pt-PT" sz="2600" dirty="0" smtClean="0"/>
-              <a:t>Utilizador</a:t>
-            </a:r>
-            <a:r>
               <a:rPr lang="pt-PT" sz="2600" dirty="0"/>
-              <a:t>;</a:t>
+              <a:t>Utilizador;</a:t>
             </a:r>
             <a:endParaRPr lang="pt-PT" sz="3500" dirty="0"/>
           </a:p>
           <a:p>
             <a:pPr lvl="1"/>
             <a:r>
-              <a:rPr lang="pt-PT" sz="2600" dirty="0" smtClean="0"/>
-              <a:t>Produto</a:t>
-            </a:r>
-            <a:r>
               <a:rPr lang="pt-PT" sz="2600" dirty="0"/>
-              <a:t>;</a:t>
+              <a:t>Produto;</a:t>
             </a:r>
             <a:endParaRPr lang="pt-PT" sz="3500" dirty="0"/>
           </a:p>
           <a:p>
             <a:pPr lvl="1"/>
             <a:r>
-              <a:rPr lang="pt-PT" sz="2600" dirty="0" smtClean="0"/>
-              <a:t>Compra</a:t>
-            </a:r>
-            <a:r>
               <a:rPr lang="pt-PT" sz="2600" dirty="0"/>
-              <a:t>;</a:t>
+              <a:t>Compra;</a:t>
             </a:r>
             <a:endParaRPr lang="pt-PT" sz="3500" dirty="0"/>
           </a:p>
           <a:p>
             <a:pPr lvl="1"/>
             <a:r>
-              <a:rPr lang="pt-PT" sz="2600" dirty="0" smtClean="0"/>
-              <a:t>Carrinho</a:t>
-            </a:r>
-            <a:r>
               <a:rPr lang="pt-PT" sz="2600" dirty="0"/>
-              <a:t>;</a:t>
+              <a:t>Carrinho;</a:t>
             </a:r>
             <a:endParaRPr lang="pt-PT" sz="3500" dirty="0"/>
           </a:p>
           <a:p>
             <a:pPr lvl="1"/>
             <a:r>
-              <a:rPr lang="pt-PT" sz="2600" dirty="0" smtClean="0"/>
-              <a:t>MetodosPagamento</a:t>
-            </a:r>
-            <a:r>
               <a:rPr lang="pt-PT" sz="2600" dirty="0"/>
-              <a:t>;</a:t>
+              <a:t>MetodosPagamento;</a:t>
             </a:r>
             <a:endParaRPr lang="pt-PT" sz="3500" dirty="0"/>
           </a:p>
           <a:p>
             <a:pPr lvl="1"/>
             <a:r>
-              <a:rPr lang="pt-PT" sz="2600" dirty="0" smtClean="0"/>
+              <a:rPr lang="pt-PT" sz="2600" dirty="0"/>
               <a:t>Transporte;</a:t>
             </a:r>
-            <a:endParaRPr lang="pt-PT" sz="2600" dirty="0"/>
           </a:p>
           <a:p>
             <a:r>
               <a:rPr lang="pt-PT" sz="3000" b="1" dirty="0"/>
-              <a:t>Processo de migração de </a:t>
-            </a:r>
-            <a:r>
-              <a:rPr lang="pt-PT" sz="3000" b="1" dirty="0" smtClean="0"/>
-              <a:t>dados</a:t>
+              <a:t>Processo de migração de dados</a:t>
             </a:r>
           </a:p>
           <a:p>
             <a:pPr lvl="1"/>
             <a:r>
-              <a:rPr lang="pt-PT" sz="2600" dirty="0" smtClean="0"/>
+              <a:rPr lang="pt-PT" sz="2600" dirty="0"/>
               <a:t>Extração</a:t>
             </a:r>
           </a:p>
           <a:p>
             <a:pPr lvl="1"/>
             <a:r>
-              <a:rPr lang="pt-PT" sz="2600" dirty="0" smtClean="0"/>
+              <a:rPr lang="pt-PT" sz="2600" dirty="0"/>
               <a:t>Transformação</a:t>
             </a:r>
           </a:p>
           <a:p>
             <a:pPr lvl="1"/>
             <a:r>
-              <a:rPr lang="pt-PT" sz="2600" dirty="0" smtClean="0"/>
+              <a:rPr lang="pt-PT" sz="2600" dirty="0"/>
               <a:t>Carregamento</a:t>
             </a:r>
-            <a:endParaRPr lang="pt-PT" sz="2600" dirty="0"/>
           </a:p>
           <a:p>
             <a:endParaRPr lang="pt-PT" dirty="0"/>
@@ -4660,9 +5158,9 @@
 </file>
 
 <file path=ppt/theme/theme1.xml><?xml version="1.0" encoding="utf-8"?>
-<a:theme xmlns:a="http://schemas.openxmlformats.org/drawingml/2006/main" name="Tema do Office">
+<a:theme xmlns:a="http://schemas.openxmlformats.org/drawingml/2006/main" name="Galeria">
   <a:themeElements>
-    <a:clrScheme name="Office">
+    <a:clrScheme name="Galeria">
       <a:dk1>
         <a:sysClr val="windowText" lastClr="000000"/>
       </a:dk1>
@@ -4670,39 +5168,39 @@
         <a:sysClr val="window" lastClr="FFFFFF"/>
       </a:lt1>
       <a:dk2>
-        <a:srgbClr val="44546A"/>
+        <a:srgbClr val="454545"/>
       </a:dk2>
       <a:lt2>
-        <a:srgbClr val="E7E6E6"/>
+        <a:srgbClr val="DFDBD5"/>
       </a:lt2>
       <a:accent1>
-        <a:srgbClr val="5B9BD5"/>
+        <a:srgbClr val="B71E42"/>
       </a:accent1>
       <a:accent2>
-        <a:srgbClr val="ED7D31"/>
+        <a:srgbClr val="DE478E"/>
       </a:accent2>
       <a:accent3>
-        <a:srgbClr val="A5A5A5"/>
+        <a:srgbClr val="BC72F0"/>
       </a:accent3>
       <a:accent4>
-        <a:srgbClr val="FFC000"/>
+        <a:srgbClr val="795FAF"/>
       </a:accent4>
       <a:accent5>
-        <a:srgbClr val="4472C4"/>
+        <a:srgbClr val="586EA6"/>
       </a:accent5>
       <a:accent6>
-        <a:srgbClr val="70AD47"/>
+        <a:srgbClr val="6892A0"/>
       </a:accent6>
       <a:hlink>
-        <a:srgbClr val="0563C1"/>
+        <a:srgbClr val="FA2B5C"/>
       </a:hlink>
       <a:folHlink>
-        <a:srgbClr val="954F72"/>
+        <a:srgbClr val="BC658E"/>
       </a:folHlink>
     </a:clrScheme>
-    <a:fontScheme name="Office">
+    <a:fontScheme name="Galeria">
       <a:majorFont>
-        <a:latin typeface="Calibri Light" panose="020F0302020204030204"/>
+        <a:latin typeface="Gill Sans MT" panose="020B0502020104020203"/>
         <a:ea typeface=""/>
         <a:cs typeface=""/>
         <a:font script="Jpan" typeface="游ゴシック Light"/>
@@ -4737,7 +5235,7 @@
         <a:font script="Geor" typeface="Sylfaen"/>
       </a:majorFont>
       <a:minorFont>
-        <a:latin typeface="Calibri" panose="020F0502020204030204"/>
+        <a:latin typeface="Gill Sans MT" panose="020B0502020104020203"/>
         <a:ea typeface=""/>
         <a:cs typeface=""/>
         <a:font script="Jpan" typeface="游ゴシック"/>
@@ -4772,7 +5270,7 @@
         <a:font script="Geor" typeface="Sylfaen"/>
       </a:minorFont>
     </a:fontScheme>
-    <a:fmtScheme name="Office">
+    <a:fmtScheme name="Galeria">
       <a:fillStyleLst>
         <a:solidFill>
           <a:schemeClr val="phClr"/>
@@ -4781,23 +5279,18 @@
           <a:gsLst>
             <a:gs pos="0">
               <a:schemeClr val="phClr">
+                <a:tint val="54000"/>
+                <a:alpha val="100000"/>
+                <a:satMod val="105000"/>
                 <a:lumMod val="110000"/>
-                <a:satMod val="105000"/>
-                <a:tint val="67000"/>
-              </a:schemeClr>
-            </a:gs>
-            <a:gs pos="50000">
-              <a:schemeClr val="phClr">
-                <a:lumMod val="105000"/>
-                <a:satMod val="103000"/>
-                <a:tint val="73000"/>
               </a:schemeClr>
             </a:gs>
             <a:gs pos="100000">
               <a:schemeClr val="phClr">
-                <a:lumMod val="105000"/>
+                <a:tint val="78000"/>
+                <a:alpha val="92000"/>
                 <a:satMod val="109000"/>
-                <a:tint val="81000"/>
+                <a:lumMod val="100000"/>
               </a:schemeClr>
             </a:gs>
           </a:gsLst>
@@ -4807,23 +5300,23 @@
           <a:gsLst>
             <a:gs pos="0">
               <a:schemeClr val="phClr">
-                <a:satMod val="103000"/>
-                <a:lumMod val="102000"/>
-                <a:tint val="94000"/>
+                <a:tint val="98000"/>
+                <a:satMod val="110000"/>
+                <a:lumMod val="104000"/>
               </a:schemeClr>
             </a:gs>
-            <a:gs pos="50000">
+            <a:gs pos="69000">
               <a:schemeClr val="phClr">
-                <a:satMod val="110000"/>
-                <a:lumMod val="100000"/>
-                <a:shade val="100000"/>
+                <a:shade val="88000"/>
+                <a:satMod val="130000"/>
+                <a:lumMod val="92000"/>
               </a:schemeClr>
             </a:gs>
             <a:gs pos="100000">
               <a:schemeClr val="phClr">
-                <a:lumMod val="99000"/>
-                <a:satMod val="120000"/>
                 <a:shade val="78000"/>
+                <a:satMod val="130000"/>
+                <a:lumMod val="92000"/>
               </a:schemeClr>
             </a:gs>
           </a:gsLst>
@@ -4831,26 +5324,23 @@
         </a:gradFill>
       </a:fillStyleLst>
       <a:lnStyleLst>
-        <a:ln w="6350" cap="flat" cmpd="sng" algn="ctr">
+        <a:ln w="9525" cap="flat" cmpd="sng" algn="ctr">
           <a:solidFill>
             <a:schemeClr val="phClr"/>
           </a:solidFill>
           <a:prstDash val="solid"/>
-          <a:miter lim="800000"/>
         </a:ln>
-        <a:ln w="12700" cap="flat" cmpd="sng" algn="ctr">
+        <a:ln w="15875" cap="flat" cmpd="sng" algn="ctr">
           <a:solidFill>
             <a:schemeClr val="phClr"/>
           </a:solidFill>
           <a:prstDash val="solid"/>
-          <a:miter lim="800000"/>
         </a:ln>
-        <a:ln w="19050" cap="flat" cmpd="sng" algn="ctr">
+        <a:ln w="22225" cap="flat" cmpd="sng" algn="ctr">
           <a:solidFill>
             <a:schemeClr val="phClr"/>
           </a:solidFill>
           <a:prstDash val="solid"/>
-          <a:miter lim="800000"/>
         </a:ln>
       </a:lnStyleLst>
       <a:effectStyleLst>
@@ -4862,12 +5352,23 @@
         </a:effectStyle>
         <a:effectStyle>
           <a:effectLst>
-            <a:outerShdw blurRad="57150" dist="19050" dir="5400000" algn="ctr" rotWithShape="0">
+            <a:outerShdw blurRad="50800" dist="50800" dir="5400000" sx="96000" sy="96000" rotWithShape="0">
               <a:srgbClr val="000000">
-                <a:alpha val="63000"/>
+                <a:alpha val="48000"/>
               </a:srgbClr>
             </a:outerShdw>
           </a:effectLst>
+          <a:scene3d>
+            <a:camera prst="orthographicFront">
+              <a:rot lat="0" lon="0" rev="0"/>
+            </a:camera>
+            <a:lightRig rig="balanced" dir="t">
+              <a:rot lat="0" lon="0" rev="1080000"/>
+            </a:lightRig>
+          </a:scene3d>
+          <a:sp3d>
+            <a:bevelT w="38100" h="12700" prst="softRound"/>
+          </a:sp3d>
         </a:effectStyle>
       </a:effectStyleLst>
       <a:bgFillStyleLst>
@@ -4875,37 +5376,26 @@
           <a:schemeClr val="phClr"/>
         </a:solidFill>
         <a:solidFill>
-          <a:schemeClr val="phClr">
-            <a:tint val="95000"/>
-            <a:satMod val="170000"/>
-          </a:schemeClr>
+          <a:schemeClr val="phClr"/>
         </a:solidFill>
         <a:gradFill rotWithShape="1">
           <a:gsLst>
             <a:gs pos="0">
               <a:schemeClr val="phClr">
-                <a:tint val="93000"/>
-                <a:satMod val="150000"/>
-                <a:shade val="98000"/>
-                <a:lumMod val="102000"/>
-              </a:schemeClr>
-            </a:gs>
-            <a:gs pos="50000">
-              <a:schemeClr val="phClr">
-                <a:tint val="98000"/>
-                <a:satMod val="130000"/>
-                <a:shade val="90000"/>
-                <a:lumMod val="103000"/>
+                <a:tint val="94000"/>
+                <a:satMod val="80000"/>
+                <a:lumMod val="106000"/>
               </a:schemeClr>
             </a:gs>
             <a:gs pos="100000">
               <a:schemeClr val="phClr">
-                <a:shade val="63000"/>
-                <a:satMod val="120000"/>
+                <a:shade val="80000"/>
               </a:schemeClr>
             </a:gs>
           </a:gsLst>
-          <a:lin ang="5400000" scaled="0"/>
+          <a:path path="circle">
+            <a:fillToRect l="50000" t="50000" r="50000" b="50000"/>
+          </a:path>
         </a:gradFill>
       </a:bgFillStyleLst>
     </a:fmtScheme>
@@ -4914,7 +5404,7 @@
   <a:extraClrSchemeLst/>
   <a:extLst>
     <a:ext uri="{05A4C25C-085E-4340-85A3-A5531E510DB2}">
-      <thm15:themeFamily xmlns:thm15="http://schemas.microsoft.com/office/thememl/2012/main" name="Office Theme" id="{62F939B6-93AF-4DB8-9C6B-D6C7DFDC589F}" vid="{4A3C46E8-61CC-4603-A589-7422A47A8E4A}"/>
+      <thm15:themeFamily xmlns:thm15="http://schemas.microsoft.com/office/thememl/2012/main" name="Gallery" id="{BBFCD31E-59A1-489D-B089-A3EAD7CAE12E}" vid="{F5E91637-A7B6-4E27-B710-77DA7014EE1E}"/>
     </a:ext>
   </a:extLst>
 </a:theme>

--- a/Apresentação BD.pptx
+++ b/Apresentação BD.pptx
@@ -5,17 +5,18 @@
     <p:sldMasterId id="2147483660" r:id="rId1"/>
   </p:sldMasterIdLst>
   <p:notesMasterIdLst>
-    <p:notesMasterId r:id="rId10"/>
+    <p:notesMasterId r:id="rId11"/>
   </p:notesMasterIdLst>
   <p:sldIdLst>
     <p:sldId id="256" r:id="rId2"/>
     <p:sldId id="258" r:id="rId3"/>
     <p:sldId id="259" r:id="rId4"/>
-    <p:sldId id="260" r:id="rId5"/>
-    <p:sldId id="261" r:id="rId6"/>
-    <p:sldId id="262" r:id="rId7"/>
-    <p:sldId id="263" r:id="rId8"/>
-    <p:sldId id="264" r:id="rId9"/>
+    <p:sldId id="265" r:id="rId5"/>
+    <p:sldId id="260" r:id="rId6"/>
+    <p:sldId id="261" r:id="rId7"/>
+    <p:sldId id="262" r:id="rId8"/>
+    <p:sldId id="263" r:id="rId9"/>
+    <p:sldId id="264" r:id="rId10"/>
   </p:sldIdLst>
   <p:sldSz cx="12192000" cy="6858000"/>
   <p:notesSz cx="6858000" cy="9144000"/>
@@ -3995,8 +3996,8 @@
         </p:nvSpPr>
         <p:spPr>
           <a:xfrm>
-            <a:off x="1524000" y="704351"/>
-            <a:ext cx="9144000" cy="902380"/>
+            <a:off x="2155971" y="949847"/>
+            <a:ext cx="8512029" cy="902380"/>
           </a:xfrm>
         </p:spPr>
         <p:txBody>
@@ -4006,8 +4007,36 @@
           <a:lstStyle/>
           <a:p>
             <a:r>
-              <a:rPr lang="pt-PT" sz="4000" dirty="0"/>
-              <a:t>Unidade Curricular de Bases de Dados</a:t>
+              <a:rPr lang="pt-PT" sz="4000" dirty="0">
+                <a:solidFill>
+                  <a:schemeClr val="tx1">
+                    <a:lumMod val="75000"/>
+                    <a:lumOff val="25000"/>
+                  </a:schemeClr>
+                </a:solidFill>
+              </a:rPr>
+              <a:t>Unidade Curricular de</a:t>
+            </a:r>
+            <a:br>
+              <a:rPr lang="pt-PT" sz="4000" dirty="0">
+                <a:solidFill>
+                  <a:schemeClr val="tx1">
+                    <a:lumMod val="75000"/>
+                    <a:lumOff val="25000"/>
+                  </a:schemeClr>
+                </a:solidFill>
+              </a:rPr>
+            </a:br>
+            <a:r>
+              <a:rPr lang="pt-PT" sz="4000" dirty="0">
+                <a:solidFill>
+                  <a:schemeClr val="tx1">
+                    <a:lumMod val="75000"/>
+                    <a:lumOff val="25000"/>
+                  </a:schemeClr>
+                </a:solidFill>
+              </a:rPr>
+              <a:t>Bases de Dados</a:t>
             </a:r>
           </a:p>
         </p:txBody>
@@ -4024,7 +4053,7 @@
         </p:nvSpPr>
         <p:spPr>
           <a:xfrm>
-            <a:off x="1524000" y="2301497"/>
+            <a:off x="1524000" y="2403566"/>
             <a:ext cx="9144000" cy="1048339"/>
           </a:xfrm>
         </p:spPr>
@@ -4035,7 +4064,14 @@
           <a:lstStyle/>
           <a:p>
             <a:r>
-              <a:rPr lang="pt-PT" sz="3600" b="1" dirty="0"/>
+              <a:rPr lang="pt-PT" sz="3600" b="1" dirty="0">
+                <a:solidFill>
+                  <a:schemeClr val="tx1">
+                    <a:lumMod val="95000"/>
+                    <a:lumOff val="5000"/>
+                  </a:schemeClr>
+                </a:solidFill>
+              </a:rPr>
               <a:t>Mercado de compra e vendas online</a:t>
             </a:r>
           </a:p>
@@ -4110,7 +4146,7 @@
           <a:p>
             <a:r>
               <a:rPr lang="pt-PT" sz="2000" dirty="0"/>
-              <a:t>Luís Capa	A81960</a:t>
+              <a:t>Luís Capa		A81960</a:t>
             </a:r>
           </a:p>
           <a:p>
@@ -4122,7 +4158,7 @@
           <a:p>
             <a:r>
               <a:rPr lang="pt-PT" sz="2000" dirty="0"/>
-              <a:t>Pedro Capa	A83170</a:t>
+              <a:t>Pedro Capa		A83170</a:t>
             </a:r>
           </a:p>
           <a:p>
@@ -4195,7 +4231,12 @@
             <p:ph idx="1"/>
           </p:nvPr>
         </p:nvSpPr>
-        <p:spPr/>
+        <p:spPr>
+          <a:xfrm>
+            <a:off x="1451578" y="1853754"/>
+            <a:ext cx="9603275" cy="3450613"/>
+          </a:xfrm>
+        </p:spPr>
         <p:txBody>
           <a:bodyPr/>
           <a:lstStyle/>
@@ -4275,7 +4316,7 @@
           <a:p>
             <a:r>
               <a:rPr lang="pt-PT" dirty="0"/>
-              <a:t>Levantamento e análise de requisitos</a:t>
+              <a:t>Levantamento de requisitos</a:t>
             </a:r>
           </a:p>
         </p:txBody>
@@ -4292,13 +4333,13 @@
         </p:nvSpPr>
         <p:spPr>
           <a:xfrm>
-            <a:off x="838200" y="1516566"/>
+            <a:off x="1451579" y="1853754"/>
             <a:ext cx="10515600" cy="5062654"/>
           </a:xfrm>
         </p:spPr>
         <p:txBody>
           <a:bodyPr>
-            <a:normAutofit fontScale="85000" lnSpcReduction="10000"/>
+            <a:normAutofit/>
           </a:bodyPr>
           <a:lstStyle/>
           <a:p>
@@ -4317,104 +4358,13 @@
             </a:r>
           </a:p>
           <a:p>
-            <a:r>
-              <a:rPr lang="pt-PT" dirty="0"/>
-              <a:t>Requisitos Levantados</a:t>
-            </a:r>
-          </a:p>
-          <a:p>
             <a:pPr marL="0" indent="0">
               <a:buNone/>
             </a:pPr>
             <a:r>
               <a:rPr lang="pt-PT" sz="1800" b="1" dirty="0"/>
-              <a:t>	Requisitos do utilizador:</a:t>
-            </a:r>
-            <a:endParaRPr lang="pt-PT" sz="1800" dirty="0"/>
-          </a:p>
-          <a:p>
-            <a:pPr marL="0" indent="0">
-              <a:buNone/>
-            </a:pPr>
-            <a:r>
-              <a:rPr lang="pt-PT" sz="1800" dirty="0"/>
-              <a:t>	Ver produtos que estão disponíveis no mercado; </a:t>
-            </a:r>
-          </a:p>
-          <a:p>
-            <a:pPr marL="0" indent="0">
-              <a:buNone/>
-            </a:pPr>
-            <a:r>
-              <a:rPr lang="pt-PT" sz="1800" dirty="0"/>
-              <a:t>	Filtrar os produtos que pretende ver/comprar do mercado; </a:t>
-            </a:r>
-          </a:p>
-          <a:p>
-            <a:pPr marL="0" indent="0">
-              <a:buNone/>
-            </a:pPr>
-            <a:r>
-              <a:rPr lang="pt-PT" sz="1800" dirty="0"/>
-              <a:t>	Aceder a informações pessoais; </a:t>
-            </a:r>
-          </a:p>
-          <a:p>
-            <a:pPr marL="0" indent="0">
-              <a:buNone/>
-            </a:pPr>
-            <a:r>
-              <a:rPr lang="pt-PT" sz="1800" dirty="0"/>
-              <a:t>	Comprar produtos que estão disponíveis no mercado;</a:t>
-            </a:r>
-          </a:p>
-          <a:p>
-            <a:pPr marL="0" indent="0">
-              <a:buNone/>
-            </a:pPr>
-            <a:r>
-              <a:rPr lang="pt-PT" sz="1800" dirty="0"/>
-              <a:t>	Adicionar/Alterar informações pessoais;</a:t>
-            </a:r>
-          </a:p>
-          <a:p>
-            <a:pPr marL="0" indent="0">
-              <a:buNone/>
-            </a:pPr>
-            <a:r>
-              <a:rPr lang="pt-PT" sz="1800" b="1" dirty="0"/>
-              <a:t>	Requisitos do administrador:</a:t>
-            </a:r>
-            <a:endParaRPr lang="pt-PT" sz="1800" dirty="0"/>
-          </a:p>
-          <a:p>
-            <a:pPr marL="0" indent="0">
-              <a:buNone/>
-            </a:pPr>
-            <a:r>
-              <a:rPr lang="pt-PT" sz="1800" dirty="0"/>
-              <a:t>	Aceder a informações de todo o sistema; </a:t>
-            </a:r>
-          </a:p>
-          <a:p>
-            <a:pPr marL="0" indent="0">
-              <a:buNone/>
-            </a:pPr>
-            <a:r>
-              <a:rPr lang="pt-PT" sz="1800" dirty="0"/>
-              <a:t>	Ver estatísticas do mercado e dos utilizadores;</a:t>
-            </a:r>
-          </a:p>
-          <a:p>
-            <a:pPr marL="0" indent="0">
-              <a:buNone/>
-            </a:pPr>
-            <a:r>
-              <a:rPr lang="pt-PT" sz="1800" dirty="0"/>
-              <a:t>	Adicionar/Remover métodos de pagamento ou transporte; </a:t>
-            </a:r>
-          </a:p>
-          <a:p>
+              <a:t>	</a:t>
+            </a:r>
             <a:endParaRPr lang="pt-PT" sz="1800" dirty="0"/>
           </a:p>
         </p:txBody>
@@ -4451,155 +4401,140 @@
       </p:grpSpPr>
       <p:sp>
         <p:nvSpPr>
-          <p:cNvPr id="2" name="Título 1"/>
-          <p:cNvSpPr>
-            <a:spLocks noGrp="1"/>
-          </p:cNvSpPr>
-          <p:nvPr>
-            <p:ph type="title"/>
-          </p:nvPr>
-        </p:nvSpPr>
-        <p:spPr/>
-        <p:txBody>
-          <a:bodyPr/>
-          <a:lstStyle/>
-          <a:p>
-            <a:r>
-              <a:rPr lang="pt-PT" dirty="0"/>
-              <a:t>Esquema Concetual</a:t>
-            </a:r>
-          </a:p>
-        </p:txBody>
-      </p:sp>
-      <p:pic>
-        <p:nvPicPr>
-          <p:cNvPr id="4" name="Marcador de Posição de Conteúdo 3"/>
-          <p:cNvPicPr>
-            <a:picLocks noGrp="1"/>
-          </p:cNvPicPr>
-          <p:nvPr>
-            <p:ph idx="1"/>
-          </p:nvPr>
-        </p:nvPicPr>
-        <p:blipFill>
-          <a:blip r:embed="rId2">
+          <p:cNvPr id="2" name="Título 1">
             <a:extLst>
-              <a:ext uri="{28A0092B-C50C-407E-A947-70E740481C1C}">
-                <a14:useLocalDpi xmlns:a14="http://schemas.microsoft.com/office/drawing/2010/main" val="0"/>
+              <a:ext uri="{FF2B5EF4-FFF2-40B4-BE49-F238E27FC236}">
+                <a16:creationId xmlns:a16="http://schemas.microsoft.com/office/drawing/2014/main" id="{238D68F5-2A1B-40BE-8684-3A27CECC6D24}"/>
               </a:ext>
             </a:extLst>
-          </a:blip>
-          <a:stretch>
-            <a:fillRect/>
-          </a:stretch>
-        </p:blipFill>
-        <p:spPr>
-          <a:xfrm>
-            <a:off x="6096000" y="1690688"/>
-            <a:ext cx="5623267" cy="3483478"/>
-          </a:xfrm>
-          <a:prstGeom prst="rect">
-            <a:avLst/>
-          </a:prstGeom>
-        </p:spPr>
-      </p:pic>
-      <p:sp>
-        <p:nvSpPr>
-          <p:cNvPr id="5" name="CaixaDeTexto 4"/>
-          <p:cNvSpPr txBox="1"/>
-          <p:nvPr/>
-        </p:nvSpPr>
-        <p:spPr>
-          <a:xfrm>
-            <a:off x="202580" y="1828799"/>
-            <a:ext cx="5623454" cy="2308324"/>
-          </a:xfrm>
-          <a:prstGeom prst="rect">
-            <a:avLst/>
-          </a:prstGeom>
-          <a:noFill/>
-        </p:spPr>
-        <p:txBody>
-          <a:bodyPr wrap="square" rtlCol="0">
-            <a:spAutoFit/>
+          </p:cNvPr>
+          <p:cNvSpPr>
+            <a:spLocks noGrp="1"/>
+          </p:cNvSpPr>
+          <p:nvPr>
+            <p:ph type="title"/>
+          </p:nvPr>
+        </p:nvSpPr>
+        <p:spPr/>
+        <p:txBody>
+          <a:bodyPr/>
+          <a:lstStyle/>
+          <a:p>
+            <a:r>
+              <a:rPr lang="pt-PT"/>
+              <a:t>Requisitos Levantados</a:t>
+            </a:r>
+            <a:endParaRPr lang="pt-PT" dirty="0"/>
+          </a:p>
+        </p:txBody>
+      </p:sp>
+      <p:sp>
+        <p:nvSpPr>
+          <p:cNvPr id="3" name="Marcador de Posição de Conteúdo 2">
+            <a:extLst>
+              <a:ext uri="{FF2B5EF4-FFF2-40B4-BE49-F238E27FC236}">
+                <a16:creationId xmlns:a16="http://schemas.microsoft.com/office/drawing/2014/main" id="{DE41EBCD-435D-4221-AE8C-48ACAA715AA9}"/>
+              </a:ext>
+            </a:extLst>
+          </p:cNvPr>
+          <p:cNvSpPr>
+            <a:spLocks noGrp="1"/>
+          </p:cNvSpPr>
+          <p:nvPr>
+            <p:ph idx="1"/>
+          </p:nvPr>
+        </p:nvSpPr>
+        <p:spPr/>
+        <p:txBody>
+          <a:bodyPr>
+            <a:normAutofit fontScale="92500" lnSpcReduction="20000"/>
           </a:bodyPr>
           <a:lstStyle/>
           <a:p>
-            <a:pPr marL="285750" indent="-285750">
-              <a:buFont typeface="Arial" panose="020B0604020202020204" pitchFamily="34" charset="0"/>
-              <a:buChar char="•"/>
+            <a:pPr marL="0" indent="0">
+              <a:buNone/>
             </a:pPr>
             <a:r>
+              <a:rPr lang="pt-PT" b="1" dirty="0"/>
+              <a:t>Requisitos do utilizador:</a:t>
+            </a:r>
+            <a:endParaRPr lang="pt-PT" dirty="0"/>
+          </a:p>
+          <a:p>
+            <a:pPr lvl="1"/>
+            <a:r>
               <a:rPr lang="pt-PT" dirty="0"/>
-              <a:t>Abordagem de modelação realizada: Primeiro entidades, depois atributos e por fim relacionamentos</a:t>
-            </a:r>
-          </a:p>
-          <a:p>
-            <a:pPr marL="285750" indent="-285750">
-              <a:buFont typeface="Arial" panose="020B0604020202020204" pitchFamily="34" charset="0"/>
-              <a:buChar char="•"/>
+              <a:t>	Ver produtos que estão disponíveis no mercado; </a:t>
+            </a:r>
+          </a:p>
+          <a:p>
+            <a:pPr lvl="1"/>
+            <a:r>
+              <a:rPr lang="pt-PT" dirty="0"/>
+              <a:t>	Filtrar os produtos que pretende ver/comprar do mercado; </a:t>
+            </a:r>
+          </a:p>
+          <a:p>
+            <a:pPr lvl="1"/>
+            <a:r>
+              <a:rPr lang="pt-PT" dirty="0"/>
+              <a:t>	Aceder a informações pessoais; </a:t>
+            </a:r>
+          </a:p>
+          <a:p>
+            <a:pPr lvl="1"/>
+            <a:r>
+              <a:rPr lang="pt-PT" dirty="0"/>
+              <a:t>	Comprar produtos que estão disponíveis no mercado;</a:t>
+            </a:r>
+          </a:p>
+          <a:p>
+            <a:pPr lvl="1"/>
+            <a:r>
+              <a:rPr lang="pt-PT" dirty="0"/>
+              <a:t>	Adicionar/Alterar informações pessoais;</a:t>
+            </a:r>
+          </a:p>
+          <a:p>
+            <a:pPr marL="0" indent="0">
+              <a:buNone/>
             </a:pPr>
             <a:r>
+              <a:rPr lang="pt-PT" b="1" dirty="0"/>
+              <a:t>Requisitos do administrador:</a:t>
+            </a:r>
+            <a:endParaRPr lang="pt-PT" dirty="0"/>
+          </a:p>
+          <a:p>
+            <a:pPr lvl="1"/>
+            <a:r>
               <a:rPr lang="pt-PT" dirty="0"/>
-              <a:t>Identificação e caraterização de entidades</a:t>
-            </a:r>
-          </a:p>
-          <a:p>
-            <a:pPr marL="285750" indent="-285750">
-              <a:buFont typeface="Arial" panose="020B0604020202020204" pitchFamily="34" charset="0"/>
-              <a:buChar char="•"/>
-            </a:pPr>
+              <a:t>	Aceder a informações de todo o sistema; </a:t>
+            </a:r>
+          </a:p>
+          <a:p>
+            <a:pPr lvl="1"/>
             <a:r>
               <a:rPr lang="pt-PT" dirty="0"/>
-              <a:t>Identificação e caraterização de relacionamentos</a:t>
-            </a:r>
-          </a:p>
-          <a:p>
-            <a:pPr marL="285750" indent="-285750">
-              <a:buFont typeface="Arial" panose="020B0604020202020204" pitchFamily="34" charset="0"/>
-              <a:buChar char="•"/>
-            </a:pPr>
+              <a:t>	Ver estatísticas do mercado e dos utilizadores;</a:t>
+            </a:r>
+          </a:p>
+          <a:p>
+            <a:pPr lvl="1"/>
             <a:r>
               <a:rPr lang="pt-PT" dirty="0"/>
-              <a:t>Identificação das Associações dos atributos</a:t>
-            </a:r>
-          </a:p>
-          <a:p>
-            <a:pPr marL="285750" indent="-285750">
-              <a:buFont typeface="Arial" panose="020B0604020202020204" pitchFamily="34" charset="0"/>
-              <a:buChar char="•"/>
-            </a:pPr>
-            <a:r>
-              <a:rPr lang="pt-PT" dirty="0"/>
-              <a:t>Detalhe ou generalização de entidades</a:t>
-            </a:r>
-          </a:p>
-          <a:p>
-            <a:pPr marL="285750" indent="-285750">
-              <a:buFont typeface="Arial" panose="020B0604020202020204" pitchFamily="34" charset="0"/>
-              <a:buChar char="•"/>
-            </a:pPr>
-            <a:r>
-              <a:rPr lang="pt-PT" dirty="0"/>
-              <a:t>Apresentação do esquema concetual</a:t>
-            </a:r>
-          </a:p>
-          <a:p>
-            <a:pPr marL="285750" indent="-285750">
-              <a:buFont typeface="Arial" panose="020B0604020202020204" pitchFamily="34" charset="0"/>
-              <a:buChar char="•"/>
-            </a:pPr>
-            <a:r>
-              <a:rPr lang="pt-PT" dirty="0"/>
-              <a:t>Validação do esquema com o cliente</a:t>
-            </a:r>
+              <a:t>	Adicionar/Remover métodos de pagamento ou transporte; </a:t>
+            </a:r>
+          </a:p>
+          <a:p>
+            <a:endParaRPr lang="pt-PT" dirty="0"/>
           </a:p>
         </p:txBody>
       </p:sp>
     </p:spTree>
     <p:extLst>
       <p:ext uri="{BB962C8B-B14F-4D97-AF65-F5344CB8AC3E}">
-        <p14:creationId xmlns:p14="http://schemas.microsoft.com/office/powerpoint/2010/main" val="2316649488"/>
+        <p14:creationId xmlns:p14="http://schemas.microsoft.com/office/powerpoint/2010/main" val="4147424493"/>
       </p:ext>
     </p:extLst>
   </p:cSld>
@@ -4643,7 +4578,7 @@
           <a:p>
             <a:r>
               <a:rPr lang="pt-PT" dirty="0"/>
-              <a:t>Esquema Lógico </a:t>
+              <a:t>Esquema Concetual</a:t>
             </a:r>
           </a:p>
         </p:txBody>
@@ -4652,7 +4587,7 @@
         <p:nvPicPr>
           <p:cNvPr id="4" name="Marcador de Posição de Conteúdo 3"/>
           <p:cNvPicPr>
-            <a:picLocks noGrp="1" noChangeAspect="1"/>
+            <a:picLocks noGrp="1"/>
           </p:cNvPicPr>
           <p:nvPr>
             <p:ph idx="1"/>
@@ -4672,15 +4607,111 @@
         </p:blipFill>
         <p:spPr>
           <a:xfrm>
-            <a:off x="3031359" y="1880258"/>
-            <a:ext cx="6129282" cy="4173223"/>
-          </a:xfrm>
+            <a:off x="6096000" y="1690688"/>
+            <a:ext cx="5623267" cy="3483478"/>
+          </a:xfrm>
+          <a:prstGeom prst="rect">
+            <a:avLst/>
+          </a:prstGeom>
         </p:spPr>
       </p:pic>
+      <p:sp>
+        <p:nvSpPr>
+          <p:cNvPr id="5" name="CaixaDeTexto 4"/>
+          <p:cNvSpPr txBox="1"/>
+          <p:nvPr/>
+        </p:nvSpPr>
+        <p:spPr>
+          <a:xfrm>
+            <a:off x="202580" y="1828799"/>
+            <a:ext cx="5623454" cy="2308324"/>
+          </a:xfrm>
+          <a:prstGeom prst="rect">
+            <a:avLst/>
+          </a:prstGeom>
+          <a:noFill/>
+        </p:spPr>
+        <p:txBody>
+          <a:bodyPr wrap="square" rtlCol="0">
+            <a:spAutoFit/>
+          </a:bodyPr>
+          <a:lstStyle/>
+          <a:p>
+            <a:pPr marL="285750" indent="-285750">
+              <a:buFont typeface="Arial" panose="020B0604020202020204" pitchFamily="34" charset="0"/>
+              <a:buChar char="•"/>
+            </a:pPr>
+            <a:r>
+              <a:rPr lang="pt-PT" dirty="0"/>
+              <a:t>Abordagem de modelação realizada: Primeiro entidades, depois atributos e por fim relacionamentos</a:t>
+            </a:r>
+          </a:p>
+          <a:p>
+            <a:pPr marL="285750" indent="-285750">
+              <a:buFont typeface="Arial" panose="020B0604020202020204" pitchFamily="34" charset="0"/>
+              <a:buChar char="•"/>
+            </a:pPr>
+            <a:r>
+              <a:rPr lang="pt-PT" dirty="0"/>
+              <a:t>Identificação e caraterização de entidades</a:t>
+            </a:r>
+          </a:p>
+          <a:p>
+            <a:pPr marL="285750" indent="-285750">
+              <a:buFont typeface="Arial" panose="020B0604020202020204" pitchFamily="34" charset="0"/>
+              <a:buChar char="•"/>
+            </a:pPr>
+            <a:r>
+              <a:rPr lang="pt-PT" dirty="0"/>
+              <a:t>Identificação e caraterização de relacionamentos</a:t>
+            </a:r>
+          </a:p>
+          <a:p>
+            <a:pPr marL="285750" indent="-285750">
+              <a:buFont typeface="Arial" panose="020B0604020202020204" pitchFamily="34" charset="0"/>
+              <a:buChar char="•"/>
+            </a:pPr>
+            <a:r>
+              <a:rPr lang="pt-PT" dirty="0"/>
+              <a:t>Identificação das Associações dos atributos</a:t>
+            </a:r>
+          </a:p>
+          <a:p>
+            <a:pPr marL="285750" indent="-285750">
+              <a:buFont typeface="Arial" panose="020B0604020202020204" pitchFamily="34" charset="0"/>
+              <a:buChar char="•"/>
+            </a:pPr>
+            <a:r>
+              <a:rPr lang="pt-PT" dirty="0"/>
+              <a:t>Detalhe ou generalização de entidades</a:t>
+            </a:r>
+          </a:p>
+          <a:p>
+            <a:pPr marL="285750" indent="-285750">
+              <a:buFont typeface="Arial" panose="020B0604020202020204" pitchFamily="34" charset="0"/>
+              <a:buChar char="•"/>
+            </a:pPr>
+            <a:r>
+              <a:rPr lang="pt-PT" dirty="0"/>
+              <a:t>Apresentação do esquema concetual</a:t>
+            </a:r>
+          </a:p>
+          <a:p>
+            <a:pPr marL="285750" indent="-285750">
+              <a:buFont typeface="Arial" panose="020B0604020202020204" pitchFamily="34" charset="0"/>
+              <a:buChar char="•"/>
+            </a:pPr>
+            <a:r>
+              <a:rPr lang="pt-PT" dirty="0"/>
+              <a:t>Validação do esquema com o cliente</a:t>
+            </a:r>
+          </a:p>
+        </p:txBody>
+      </p:sp>
     </p:spTree>
     <p:extLst>
       <p:ext uri="{BB962C8B-B14F-4D97-AF65-F5344CB8AC3E}">
-        <p14:creationId xmlns:p14="http://schemas.microsoft.com/office/powerpoint/2010/main" val="2048077284"/>
+        <p14:creationId xmlns:p14="http://schemas.microsoft.com/office/powerpoint/2010/main" val="2316649488"/>
       </p:ext>
     </p:extLst>
   </p:cSld>
@@ -4717,6 +4748,87 @@
             <p:ph type="title"/>
           </p:nvPr>
         </p:nvSpPr>
+        <p:spPr/>
+        <p:txBody>
+          <a:bodyPr/>
+          <a:lstStyle/>
+          <a:p>
+            <a:r>
+              <a:rPr lang="pt-PT" dirty="0"/>
+              <a:t>Esquema Lógico </a:t>
+            </a:r>
+          </a:p>
+        </p:txBody>
+      </p:sp>
+      <p:pic>
+        <p:nvPicPr>
+          <p:cNvPr id="4" name="Marcador de Posição de Conteúdo 3"/>
+          <p:cNvPicPr>
+            <a:picLocks noGrp="1" noChangeAspect="1"/>
+          </p:cNvPicPr>
+          <p:nvPr>
+            <p:ph idx="1"/>
+          </p:nvPr>
+        </p:nvPicPr>
+        <p:blipFill>
+          <a:blip r:embed="rId2">
+            <a:extLst>
+              <a:ext uri="{28A0092B-C50C-407E-A947-70E740481C1C}">
+                <a14:useLocalDpi xmlns:a14="http://schemas.microsoft.com/office/drawing/2010/main" val="0"/>
+              </a:ext>
+            </a:extLst>
+          </a:blip>
+          <a:stretch>
+            <a:fillRect/>
+          </a:stretch>
+        </p:blipFill>
+        <p:spPr>
+          <a:xfrm>
+            <a:off x="3031359" y="1880258"/>
+            <a:ext cx="6129282" cy="4173223"/>
+          </a:xfrm>
+        </p:spPr>
+      </p:pic>
+    </p:spTree>
+    <p:extLst>
+      <p:ext uri="{BB962C8B-B14F-4D97-AF65-F5344CB8AC3E}">
+        <p14:creationId xmlns:p14="http://schemas.microsoft.com/office/powerpoint/2010/main" val="2048077284"/>
+      </p:ext>
+    </p:extLst>
+  </p:cSld>
+  <p:clrMapOvr>
+    <a:masterClrMapping/>
+  </p:clrMapOvr>
+</p:sld>
+</file>
+
+<file path=ppt/slides/slide7.xml><?xml version="1.0" encoding="utf-8"?>
+<p:sld xmlns:a="http://schemas.openxmlformats.org/drawingml/2006/main" xmlns:r="http://schemas.openxmlformats.org/officeDocument/2006/relationships" xmlns:p="http://schemas.openxmlformats.org/presentationml/2006/main">
+  <p:cSld>
+    <p:spTree>
+      <p:nvGrpSpPr>
+        <p:cNvPr id="1" name=""/>
+        <p:cNvGrpSpPr/>
+        <p:nvPr/>
+      </p:nvGrpSpPr>
+      <p:grpSpPr>
+        <a:xfrm>
+          <a:off x="0" y="0"/>
+          <a:ext cx="0" cy="0"/>
+          <a:chOff x="0" y="0"/>
+          <a:chExt cx="0" cy="0"/>
+        </a:xfrm>
+      </p:grpSpPr>
+      <p:sp>
+        <p:nvSpPr>
+          <p:cNvPr id="2" name="Título 1"/>
+          <p:cNvSpPr>
+            <a:spLocks noGrp="1"/>
+          </p:cNvSpPr>
+          <p:nvPr>
+            <p:ph type="title"/>
+          </p:nvPr>
+        </p:nvSpPr>
         <p:spPr>
           <a:xfrm>
             <a:off x="838200" y="275916"/>
@@ -4901,7 +5013,7 @@
 </p:sld>
 </file>
 
-<file path=ppt/slides/slide7.xml><?xml version="1.0" encoding="utf-8"?>
+<file path=ppt/slides/slide8.xml><?xml version="1.0" encoding="utf-8"?>
 <p:sld xmlns:a="http://schemas.openxmlformats.org/drawingml/2006/main" xmlns:r="http://schemas.openxmlformats.org/officeDocument/2006/relationships" xmlns:p="http://schemas.openxmlformats.org/presentationml/2006/main">
   <p:cSld>
     <p:spTree>
@@ -5071,7 +5183,7 @@
 </p:sld>
 </file>
 
-<file path=ppt/slides/slide8.xml><?xml version="1.0" encoding="utf-8"?>
+<file path=ppt/slides/slide9.xml><?xml version="1.0" encoding="utf-8"?>
 <p:sld xmlns:a="http://schemas.openxmlformats.org/drawingml/2006/main" xmlns:r="http://schemas.openxmlformats.org/officeDocument/2006/relationships" xmlns:p="http://schemas.openxmlformats.org/presentationml/2006/main">
   <p:cSld>
     <p:spTree>

--- a/Apresentação BD.pptx
+++ b/Apresentação BD.pptx
@@ -5,7 +5,7 @@
     <p:sldMasterId id="2147483660" r:id="rId1"/>
   </p:sldMasterIdLst>
   <p:notesMasterIdLst>
-    <p:notesMasterId r:id="rId11"/>
+    <p:notesMasterId r:id="rId13"/>
   </p:notesMasterIdLst>
   <p:sldIdLst>
     <p:sldId id="256" r:id="rId2"/>
@@ -15,8 +15,10 @@
     <p:sldId id="260" r:id="rId6"/>
     <p:sldId id="261" r:id="rId7"/>
     <p:sldId id="262" r:id="rId8"/>
-    <p:sldId id="263" r:id="rId9"/>
-    <p:sldId id="264" r:id="rId10"/>
+    <p:sldId id="266" r:id="rId9"/>
+    <p:sldId id="263" r:id="rId10"/>
+    <p:sldId id="267" r:id="rId11"/>
+    <p:sldId id="264" r:id="rId12"/>
   </p:sldIdLst>
   <p:sldSz cx="12192000" cy="6858000"/>
   <p:notesSz cx="6858000" cy="9144000"/>
@@ -205,7 +207,7 @@
           <a:p>
             <a:fld id="{0A538BEC-E331-4F1A-B277-A6186320AEFE}" type="datetimeFigureOut">
               <a:rPr lang="pt-PT" smtClean="0"/>
-              <a:t>22/01/2019</a:t>
+              <a:t>23/01/2019</a:t>
             </a:fld>
             <a:endParaRPr lang="pt-PT"/>
           </a:p>
@@ -611,7 +613,7 @@
           <a:p>
             <a:fld id="{E011CE98-2713-45F9-A806-008D9A8C3646}" type="datetimeFigureOut">
               <a:rPr lang="pt-PT" smtClean="0"/>
-              <a:t>22/01/2019</a:t>
+              <a:t>23/01/2019</a:t>
             </a:fld>
             <a:endParaRPr lang="pt-PT"/>
           </a:p>
@@ -822,7 +824,7 @@
           <a:p>
             <a:fld id="{E011CE98-2713-45F9-A806-008D9A8C3646}" type="datetimeFigureOut">
               <a:rPr lang="pt-PT" smtClean="0"/>
-              <a:t>22/01/2019</a:t>
+              <a:t>23/01/2019</a:t>
             </a:fld>
             <a:endParaRPr lang="pt-PT"/>
           </a:p>
@@ -1037,7 +1039,7 @@
           <a:p>
             <a:fld id="{E011CE98-2713-45F9-A806-008D9A8C3646}" type="datetimeFigureOut">
               <a:rPr lang="pt-PT" smtClean="0"/>
-              <a:t>22/01/2019</a:t>
+              <a:t>23/01/2019</a:t>
             </a:fld>
             <a:endParaRPr lang="pt-PT"/>
           </a:p>
@@ -1238,7 +1240,7 @@
           <a:p>
             <a:fld id="{E011CE98-2713-45F9-A806-008D9A8C3646}" type="datetimeFigureOut">
               <a:rPr lang="pt-PT" smtClean="0"/>
-              <a:t>22/01/2019</a:t>
+              <a:t>23/01/2019</a:t>
             </a:fld>
             <a:endParaRPr lang="pt-PT"/>
           </a:p>
@@ -1517,7 +1519,7 @@
           <a:p>
             <a:fld id="{E011CE98-2713-45F9-A806-008D9A8C3646}" type="datetimeFigureOut">
               <a:rPr lang="pt-PT" smtClean="0"/>
-              <a:t>22/01/2019</a:t>
+              <a:t>23/01/2019</a:t>
             </a:fld>
             <a:endParaRPr lang="pt-PT"/>
           </a:p>
@@ -1785,7 +1787,7 @@
           <a:p>
             <a:fld id="{E011CE98-2713-45F9-A806-008D9A8C3646}" type="datetimeFigureOut">
               <a:rPr lang="pt-PT" smtClean="0"/>
-              <a:t>22/01/2019</a:t>
+              <a:t>23/01/2019</a:t>
             </a:fld>
             <a:endParaRPr lang="pt-PT"/>
           </a:p>
@@ -2201,7 +2203,7 @@
           <a:p>
             <a:fld id="{E011CE98-2713-45F9-A806-008D9A8C3646}" type="datetimeFigureOut">
               <a:rPr lang="pt-PT" smtClean="0"/>
-              <a:t>22/01/2019</a:t>
+              <a:t>23/01/2019</a:t>
             </a:fld>
             <a:endParaRPr lang="pt-PT"/>
           </a:p>
@@ -2350,7 +2352,7 @@
           <a:p>
             <a:fld id="{E011CE98-2713-45F9-A806-008D9A8C3646}" type="datetimeFigureOut">
               <a:rPr lang="pt-PT" smtClean="0"/>
-              <a:t>22/01/2019</a:t>
+              <a:t>23/01/2019</a:t>
             </a:fld>
             <a:endParaRPr lang="pt-PT"/>
           </a:p>
@@ -2476,7 +2478,7 @@
           <a:p>
             <a:fld id="{E011CE98-2713-45F9-A806-008D9A8C3646}" type="datetimeFigureOut">
               <a:rPr lang="pt-PT" smtClean="0"/>
-              <a:t>22/01/2019</a:t>
+              <a:t>23/01/2019</a:t>
             </a:fld>
             <a:endParaRPr lang="pt-PT"/>
           </a:p>
@@ -2727,7 +2729,7 @@
           <a:p>
             <a:fld id="{E011CE98-2713-45F9-A806-008D9A8C3646}" type="datetimeFigureOut">
               <a:rPr lang="pt-PT" smtClean="0"/>
-              <a:t>22/01/2019</a:t>
+              <a:t>23/01/2019</a:t>
             </a:fld>
             <a:endParaRPr lang="pt-PT"/>
           </a:p>
@@ -3172,7 +3174,7 @@
           <a:p>
             <a:fld id="{E011CE98-2713-45F9-A806-008D9A8C3646}" type="datetimeFigureOut">
               <a:rPr lang="pt-PT" smtClean="0"/>
-              <a:t>22/01/2019</a:t>
+              <a:t>23/01/2019</a:t>
             </a:fld>
             <a:endParaRPr lang="pt-PT"/>
           </a:p>
@@ -3498,7 +3500,7 @@
           <a:p>
             <a:fld id="{E011CE98-2713-45F9-A806-008D9A8C3646}" type="datetimeFigureOut">
               <a:rPr lang="pt-PT" smtClean="0"/>
-              <a:t>22/01/2019</a:t>
+              <a:t>23/01/2019</a:t>
             </a:fld>
             <a:endParaRPr lang="pt-PT"/>
           </a:p>
@@ -4182,6 +4184,210 @@
 </p:sld>
 </file>
 
+<file path=ppt/slides/slide10.xml><?xml version="1.0" encoding="utf-8"?>
+<p:sld xmlns:a="http://schemas.openxmlformats.org/drawingml/2006/main" xmlns:r="http://schemas.openxmlformats.org/officeDocument/2006/relationships" xmlns:p="http://schemas.openxmlformats.org/presentationml/2006/main">
+  <p:cSld>
+    <p:spTree>
+      <p:nvGrpSpPr>
+        <p:cNvPr id="1" name=""/>
+        <p:cNvGrpSpPr/>
+        <p:nvPr/>
+      </p:nvGrpSpPr>
+      <p:grpSpPr>
+        <a:xfrm>
+          <a:off x="0" y="0"/>
+          <a:ext cx="0" cy="0"/>
+          <a:chOff x="0" y="0"/>
+          <a:chExt cx="0" cy="0"/>
+        </a:xfrm>
+      </p:grpSpPr>
+      <p:sp>
+        <p:nvSpPr>
+          <p:cNvPr id="2" name="Título 1">
+            <a:extLst>
+              <a:ext uri="{FF2B5EF4-FFF2-40B4-BE49-F238E27FC236}">
+                <a16:creationId xmlns:a16="http://schemas.microsoft.com/office/drawing/2014/main" id="{309A7D18-26D1-4EDB-90F2-3900963DF7AC}"/>
+              </a:ext>
+            </a:extLst>
+          </p:cNvPr>
+          <p:cNvSpPr>
+            <a:spLocks noGrp="1"/>
+          </p:cNvSpPr>
+          <p:nvPr>
+            <p:ph type="title"/>
+          </p:nvPr>
+        </p:nvSpPr>
+        <p:spPr>
+          <a:xfrm>
+            <a:off x="1660126" y="804519"/>
+            <a:ext cx="9603275" cy="1049235"/>
+          </a:xfrm>
+        </p:spPr>
+        <p:txBody>
+          <a:bodyPr/>
+          <a:lstStyle/>
+          <a:p>
+            <a:r>
+              <a:rPr lang="pt-PT" b="1" dirty="0"/>
+              <a:t>Processo de migração de dados</a:t>
+            </a:r>
+            <a:br>
+              <a:rPr lang="pt-PT" b="1" dirty="0"/>
+            </a:br>
+            <a:endParaRPr lang="pt-PT" dirty="0"/>
+          </a:p>
+        </p:txBody>
+      </p:sp>
+      <p:sp>
+        <p:nvSpPr>
+          <p:cNvPr id="3" name="Marcador de Posição de Conteúdo 2">
+            <a:extLst>
+              <a:ext uri="{FF2B5EF4-FFF2-40B4-BE49-F238E27FC236}">
+                <a16:creationId xmlns:a16="http://schemas.microsoft.com/office/drawing/2014/main" id="{B6F6E931-32CD-4AEA-80BF-C747A13305A9}"/>
+              </a:ext>
+            </a:extLst>
+          </p:cNvPr>
+          <p:cNvSpPr>
+            <a:spLocks noGrp="1"/>
+          </p:cNvSpPr>
+          <p:nvPr>
+            <p:ph idx="1"/>
+          </p:nvPr>
+        </p:nvSpPr>
+        <p:spPr>
+          <a:xfrm>
+            <a:off x="1053731" y="2415228"/>
+            <a:ext cx="9603275" cy="3450613"/>
+          </a:xfrm>
+        </p:spPr>
+        <p:txBody>
+          <a:bodyPr/>
+          <a:lstStyle/>
+          <a:p>
+            <a:pPr lvl="1"/>
+            <a:r>
+              <a:rPr lang="pt-PT" sz="2600" dirty="0"/>
+              <a:t>Extração</a:t>
+            </a:r>
+          </a:p>
+          <a:p>
+            <a:pPr lvl="1"/>
+            <a:r>
+              <a:rPr lang="pt-PT" sz="2600" dirty="0"/>
+              <a:t>Transformação</a:t>
+            </a:r>
+          </a:p>
+          <a:p>
+            <a:pPr lvl="1"/>
+            <a:r>
+              <a:rPr lang="pt-PT" sz="2600" dirty="0"/>
+              <a:t>Carregamento</a:t>
+            </a:r>
+          </a:p>
+          <a:p>
+            <a:endParaRPr lang="pt-PT" dirty="0"/>
+          </a:p>
+        </p:txBody>
+      </p:sp>
+    </p:spTree>
+    <p:extLst>
+      <p:ext uri="{BB962C8B-B14F-4D97-AF65-F5344CB8AC3E}">
+        <p14:creationId xmlns:p14="http://schemas.microsoft.com/office/powerpoint/2010/main" val="3077738260"/>
+      </p:ext>
+    </p:extLst>
+  </p:cSld>
+  <p:clrMapOvr>
+    <a:masterClrMapping/>
+  </p:clrMapOvr>
+</p:sld>
+</file>
+
+<file path=ppt/slides/slide11.xml><?xml version="1.0" encoding="utf-8"?>
+<p:sld xmlns:a="http://schemas.openxmlformats.org/drawingml/2006/main" xmlns:r="http://schemas.openxmlformats.org/officeDocument/2006/relationships" xmlns:p="http://schemas.openxmlformats.org/presentationml/2006/main">
+  <p:cSld>
+    <p:spTree>
+      <p:nvGrpSpPr>
+        <p:cNvPr id="1" name=""/>
+        <p:cNvGrpSpPr/>
+        <p:nvPr/>
+      </p:nvGrpSpPr>
+      <p:grpSpPr>
+        <a:xfrm>
+          <a:off x="0" y="0"/>
+          <a:ext cx="0" cy="0"/>
+          <a:chOff x="0" y="0"/>
+          <a:chExt cx="0" cy="0"/>
+        </a:xfrm>
+      </p:grpSpPr>
+      <p:sp>
+        <p:nvSpPr>
+          <p:cNvPr id="2" name="Título 1"/>
+          <p:cNvSpPr>
+            <a:spLocks noGrp="1"/>
+          </p:cNvSpPr>
+          <p:nvPr>
+            <p:ph type="title"/>
+          </p:nvPr>
+        </p:nvSpPr>
+        <p:spPr/>
+        <p:txBody>
+          <a:bodyPr/>
+          <a:lstStyle/>
+          <a:p>
+            <a:r>
+              <a:rPr lang="pt-PT" dirty="0"/>
+              <a:t>Conclusão</a:t>
+            </a:r>
+          </a:p>
+        </p:txBody>
+      </p:sp>
+      <p:sp>
+        <p:nvSpPr>
+          <p:cNvPr id="3" name="Marcador de Posição de Conteúdo 2"/>
+          <p:cNvSpPr>
+            <a:spLocks noGrp="1"/>
+          </p:cNvSpPr>
+          <p:nvPr>
+            <p:ph idx="1"/>
+          </p:nvPr>
+        </p:nvSpPr>
+        <p:spPr/>
+        <p:txBody>
+          <a:bodyPr/>
+          <a:lstStyle/>
+          <a:p>
+            <a:r>
+              <a:rPr lang="pt-PT" dirty="0"/>
+              <a:t>Bases de dados estão em todo o lado hoje em dia</a:t>
+            </a:r>
+          </a:p>
+          <a:p>
+            <a:r>
+              <a:rPr lang="pt-PT" dirty="0"/>
+              <a:t>Escolha apropriada das caraterísticas é fundamental</a:t>
+            </a:r>
+          </a:p>
+          <a:p>
+            <a:r>
+              <a:rPr lang="pt-PT" dirty="0"/>
+              <a:t>Qualquer operação na loja acede à base de dados</a:t>
+            </a:r>
+          </a:p>
+        </p:txBody>
+      </p:sp>
+    </p:spTree>
+    <p:extLst>
+      <p:ext uri="{BB962C8B-B14F-4D97-AF65-F5344CB8AC3E}">
+        <p14:creationId xmlns:p14="http://schemas.microsoft.com/office/powerpoint/2010/main" val="1061714035"/>
+      </p:ext>
+    </p:extLst>
+  </p:cSld>
+  <p:clrMapOvr>
+    <a:masterClrMapping/>
+  </p:clrMapOvr>
+</p:sld>
+</file>
+
 <file path=ppt/slides/slide2.xml><?xml version="1.0" encoding="utf-8"?>
 <p:sld xmlns:a="http://schemas.openxmlformats.org/drawingml/2006/main" xmlns:r="http://schemas.openxmlformats.org/officeDocument/2006/relationships" xmlns:p="http://schemas.openxmlformats.org/presentationml/2006/main">
   <p:cSld>
@@ -4253,6 +4459,7 @@
             </a:r>
           </a:p>
           <a:p>
+            <a:pPr algn="just"/>
             <a:r>
               <a:rPr lang="pt-PT" dirty="0"/>
               <a:t>Objetivo principal é o desenvolvimento e gestão de uma base de dados</a:t>
@@ -4333,8 +4540,8 @@
         </p:nvSpPr>
         <p:spPr>
           <a:xfrm>
-            <a:off x="1451579" y="1853754"/>
-            <a:ext cx="10515600" cy="5062654"/>
+            <a:off x="1451579" y="1870319"/>
+            <a:ext cx="7432362" cy="5062654"/>
           </a:xfrm>
         </p:spPr>
         <p:txBody>
@@ -4349,12 +4556,12 @@
             </a:r>
           </a:p>
           <a:p>
-            <a:pPr marL="0" indent="0">
+            <a:pPr marL="0" indent="0" algn="just">
               <a:buNone/>
             </a:pPr>
             <a:r>
               <a:rPr lang="pt-PT" sz="1800" dirty="0"/>
-              <a:t>Para encontrar os requisitos foi seguida uma abordagem centralizada. Foram identificados dois tipos de utilizadores na base de dados.</a:t>
+              <a:t>	Para encontrar os requisitos foi seguida uma abordagem centralizada. Foram identificados dois tipos de utilizadores na base de dados.</a:t>
             </a:r>
           </a:p>
           <a:p>
@@ -4451,7 +4658,7 @@
           </a:bodyPr>
           <a:lstStyle/>
           <a:p>
-            <a:pPr marL="0" indent="0">
+            <a:pPr marL="0" indent="0" algn="just">
               <a:buNone/>
             </a:pPr>
             <a:r>
@@ -4461,42 +4668,42 @@
             <a:endParaRPr lang="pt-PT" dirty="0"/>
           </a:p>
           <a:p>
-            <a:pPr lvl="1"/>
+            <a:pPr lvl="1" algn="just"/>
             <a:r>
               <a:rPr lang="pt-PT" dirty="0"/>
               <a:t>	Ver produtos que estão disponíveis no mercado; </a:t>
             </a:r>
           </a:p>
           <a:p>
-            <a:pPr lvl="1"/>
+            <a:pPr lvl="1" algn="just"/>
             <a:r>
               <a:rPr lang="pt-PT" dirty="0"/>
               <a:t>	Filtrar os produtos que pretende ver/comprar do mercado; </a:t>
             </a:r>
           </a:p>
           <a:p>
-            <a:pPr lvl="1"/>
+            <a:pPr lvl="1" algn="just"/>
             <a:r>
               <a:rPr lang="pt-PT" dirty="0"/>
               <a:t>	Aceder a informações pessoais; </a:t>
             </a:r>
           </a:p>
           <a:p>
-            <a:pPr lvl="1"/>
+            <a:pPr lvl="1" algn="just"/>
             <a:r>
               <a:rPr lang="pt-PT" dirty="0"/>
               <a:t>	Comprar produtos que estão disponíveis no mercado;</a:t>
             </a:r>
           </a:p>
           <a:p>
-            <a:pPr lvl="1"/>
+            <a:pPr lvl="1" algn="just"/>
             <a:r>
               <a:rPr lang="pt-PT" dirty="0"/>
               <a:t>	Adicionar/Alterar informações pessoais;</a:t>
             </a:r>
           </a:p>
           <a:p>
-            <a:pPr marL="0" indent="0">
+            <a:pPr marL="0" indent="0" algn="just">
               <a:buNone/>
             </a:pPr>
             <a:r>
@@ -4506,27 +4713,28 @@
             <a:endParaRPr lang="pt-PT" dirty="0"/>
           </a:p>
           <a:p>
-            <a:pPr lvl="1"/>
+            <a:pPr lvl="1" algn="just"/>
             <a:r>
               <a:rPr lang="pt-PT" dirty="0"/>
               <a:t>	Aceder a informações de todo o sistema; </a:t>
             </a:r>
           </a:p>
           <a:p>
-            <a:pPr lvl="1"/>
+            <a:pPr lvl="1" algn="just"/>
             <a:r>
               <a:rPr lang="pt-PT" dirty="0"/>
               <a:t>	Ver estatísticas do mercado e dos utilizadores;</a:t>
             </a:r>
           </a:p>
           <a:p>
-            <a:pPr lvl="1"/>
+            <a:pPr lvl="1" algn="just"/>
             <a:r>
               <a:rPr lang="pt-PT" dirty="0"/>
               <a:t>	Adicionar/Remover métodos de pagamento ou transporte; </a:t>
             </a:r>
           </a:p>
           <a:p>
+            <a:pPr algn="just"/>
             <a:endParaRPr lang="pt-PT" dirty="0"/>
           </a:p>
         </p:txBody>
@@ -4593,7 +4801,7 @@
             <p:ph idx="1"/>
           </p:nvPr>
         </p:nvPicPr>
-        <p:blipFill>
+        <p:blipFill rotWithShape="1">
           <a:blip r:embed="rId2">
             <a:extLst>
               <a:ext uri="{28A0092B-C50C-407E-A947-70E740481C1C}">
@@ -4601,14 +4809,13 @@
               </a:ext>
             </a:extLst>
           </a:blip>
-          <a:stretch>
-            <a:fillRect/>
-          </a:stretch>
+          <a:srcRect t="5891"/>
+          <a:stretch/>
         </p:blipFill>
         <p:spPr>
           <a:xfrm>
-            <a:off x="6096000" y="1690688"/>
-            <a:ext cx="5623267" cy="3483478"/>
+            <a:off x="2778154" y="2223086"/>
+            <a:ext cx="6635692" cy="3830395"/>
           </a:xfrm>
           <a:prstGeom prst="rect">
             <a:avLst/>
@@ -4623,8 +4830,8 @@
         </p:nvSpPr>
         <p:spPr>
           <a:xfrm>
-            <a:off x="202580" y="1828799"/>
-            <a:ext cx="5623454" cy="2308324"/>
+            <a:off x="1426696" y="1853754"/>
+            <a:ext cx="11189670" cy="369332"/>
           </a:xfrm>
           <a:prstGeom prst="rect">
             <a:avLst/>
@@ -4644,66 +4851,6 @@
             <a:r>
               <a:rPr lang="pt-PT" dirty="0"/>
               <a:t>Abordagem de modelação realizada: Primeiro entidades, depois atributos e por fim relacionamentos</a:t>
-            </a:r>
-          </a:p>
-          <a:p>
-            <a:pPr marL="285750" indent="-285750">
-              <a:buFont typeface="Arial" panose="020B0604020202020204" pitchFamily="34" charset="0"/>
-              <a:buChar char="•"/>
-            </a:pPr>
-            <a:r>
-              <a:rPr lang="pt-PT" dirty="0"/>
-              <a:t>Identificação e caraterização de entidades</a:t>
-            </a:r>
-          </a:p>
-          <a:p>
-            <a:pPr marL="285750" indent="-285750">
-              <a:buFont typeface="Arial" panose="020B0604020202020204" pitchFamily="34" charset="0"/>
-              <a:buChar char="•"/>
-            </a:pPr>
-            <a:r>
-              <a:rPr lang="pt-PT" dirty="0"/>
-              <a:t>Identificação e caraterização de relacionamentos</a:t>
-            </a:r>
-          </a:p>
-          <a:p>
-            <a:pPr marL="285750" indent="-285750">
-              <a:buFont typeface="Arial" panose="020B0604020202020204" pitchFamily="34" charset="0"/>
-              <a:buChar char="•"/>
-            </a:pPr>
-            <a:r>
-              <a:rPr lang="pt-PT" dirty="0"/>
-              <a:t>Identificação das Associações dos atributos</a:t>
-            </a:r>
-          </a:p>
-          <a:p>
-            <a:pPr marL="285750" indent="-285750">
-              <a:buFont typeface="Arial" panose="020B0604020202020204" pitchFamily="34" charset="0"/>
-              <a:buChar char="•"/>
-            </a:pPr>
-            <a:r>
-              <a:rPr lang="pt-PT" dirty="0"/>
-              <a:t>Detalhe ou generalização de entidades</a:t>
-            </a:r>
-          </a:p>
-          <a:p>
-            <a:pPr marL="285750" indent="-285750">
-              <a:buFont typeface="Arial" panose="020B0604020202020204" pitchFamily="34" charset="0"/>
-              <a:buChar char="•"/>
-            </a:pPr>
-            <a:r>
-              <a:rPr lang="pt-PT" dirty="0"/>
-              <a:t>Apresentação do esquema concetual</a:t>
-            </a:r>
-          </a:p>
-          <a:p>
-            <a:pPr marL="285750" indent="-285750">
-              <a:buFont typeface="Arial" panose="020B0604020202020204" pitchFamily="34" charset="0"/>
-              <a:buChar char="•"/>
-            </a:pPr>
-            <a:r>
-              <a:rPr lang="pt-PT" dirty="0"/>
-              <a:t>Validação do esquema com o cliente</a:t>
             </a:r>
           </a:p>
         </p:txBody>
@@ -4831,7 +4978,7 @@
         </p:nvSpPr>
         <p:spPr>
           <a:xfrm>
-            <a:off x="838200" y="275916"/>
+            <a:off x="953359" y="571664"/>
             <a:ext cx="10515600" cy="1325563"/>
           </a:xfrm>
         </p:spPr>
@@ -4858,8 +5005,8 @@
         </p:nvSpPr>
         <p:spPr>
           <a:xfrm>
-            <a:off x="391886" y="1654059"/>
-            <a:ext cx="5663226" cy="4720141"/>
+            <a:off x="953359" y="1861943"/>
+            <a:ext cx="3618641" cy="4720141"/>
           </a:xfrm>
         </p:spPr>
         <p:txBody>
@@ -4882,18 +5029,6 @@
             <a:r>
               <a:rPr lang="pt-PT" sz="1800" dirty="0"/>
               <a:t>Tradução do esquema lógico para o sistema de gestão de bases de dados escolhido em SQL</a:t>
-            </a:r>
-          </a:p>
-          <a:p>
-            <a:r>
-              <a:rPr lang="pt-PT" sz="1800" dirty="0"/>
-              <a:t>Escolha, definição e caracterização de índices em SQL</a:t>
-            </a:r>
-          </a:p>
-          <a:p>
-            <a:r>
-              <a:rPr lang="pt-PT" sz="1800" dirty="0"/>
-              <a:t>Definição e caracterização das vistas de utilização em SQL</a:t>
             </a:r>
           </a:p>
           <a:p>
@@ -4932,68 +5067,8 @@
         </p:blipFill>
         <p:spPr>
           <a:xfrm>
-            <a:off x="6136890" y="804496"/>
-            <a:ext cx="4953691" cy="5249008"/>
-          </a:xfrm>
-          <a:prstGeom prst="rect">
-            <a:avLst/>
-          </a:prstGeom>
-        </p:spPr>
-      </p:pic>
-      <p:pic>
-        <p:nvPicPr>
-          <p:cNvPr id="4" name="Imagem 3"/>
-          <p:cNvPicPr>
-            <a:picLocks noChangeAspect="1"/>
-          </p:cNvPicPr>
-          <p:nvPr/>
-        </p:nvPicPr>
-        <p:blipFill>
-          <a:blip r:embed="rId3">
-            <a:extLst>
-              <a:ext uri="{28A0092B-C50C-407E-A947-70E740481C1C}">
-                <a14:useLocalDpi xmlns:a14="http://schemas.microsoft.com/office/drawing/2010/main" val="0"/>
-              </a:ext>
-            </a:extLst>
-          </a:blip>
-          <a:stretch>
-            <a:fillRect/>
-          </a:stretch>
-        </p:blipFill>
-        <p:spPr>
-          <a:xfrm>
-            <a:off x="1632602" y="4285286"/>
-            <a:ext cx="3181794" cy="495369"/>
-          </a:xfrm>
-          <a:prstGeom prst="rect">
-            <a:avLst/>
-          </a:prstGeom>
-        </p:spPr>
-      </p:pic>
-      <p:pic>
-        <p:nvPicPr>
-          <p:cNvPr id="5" name="Imagem 4"/>
-          <p:cNvPicPr>
-            <a:picLocks noChangeAspect="1"/>
-          </p:cNvPicPr>
-          <p:nvPr/>
-        </p:nvPicPr>
-        <p:blipFill>
-          <a:blip r:embed="rId4">
-            <a:extLst>
-              <a:ext uri="{28A0092B-C50C-407E-A947-70E740481C1C}">
-                <a14:useLocalDpi xmlns:a14="http://schemas.microsoft.com/office/drawing/2010/main" val="0"/>
-              </a:ext>
-            </a:extLst>
-          </a:blip>
-          <a:stretch>
-            <a:fillRect/>
-          </a:stretch>
-        </p:blipFill>
-        <p:spPr>
-          <a:xfrm>
-            <a:off x="540015" y="5091117"/>
-            <a:ext cx="5068007" cy="990738"/>
+            <a:off x="5890261" y="275916"/>
+            <a:ext cx="5348380" cy="5667227"/>
           </a:xfrm>
           <a:prstGeom prst="rect">
             <a:avLst/>
@@ -5032,7 +5107,13 @@
       </p:grpSpPr>
       <p:sp>
         <p:nvSpPr>
-          <p:cNvPr id="2" name="Título 1"/>
+          <p:cNvPr id="2" name="Título 1">
+            <a:extLst>
+              <a:ext uri="{FF2B5EF4-FFF2-40B4-BE49-F238E27FC236}">
+                <a16:creationId xmlns:a16="http://schemas.microsoft.com/office/drawing/2014/main" id="{64BE82FE-F470-4619-9748-24ECC3BCDFCC}"/>
+              </a:ext>
+            </a:extLst>
+          </p:cNvPr>
           <p:cNvSpPr>
             <a:spLocks noGrp="1"/>
           </p:cNvSpPr>
@@ -5042,138 +5123,98 @@
         </p:nvSpPr>
         <p:spPr/>
         <p:txBody>
-          <a:bodyPr/>
+          <a:bodyPr>
+            <a:normAutofit fontScale="90000"/>
+          </a:bodyPr>
           <a:lstStyle/>
           <a:p>
             <a:r>
               <a:rPr lang="pt-PT" dirty="0"/>
-              <a:t>Migração</a:t>
-            </a:r>
-          </a:p>
-        </p:txBody>
-      </p:sp>
-      <p:sp>
-        <p:nvSpPr>
-          <p:cNvPr id="3" name="Marcador de Posição de Conteúdo 2"/>
-          <p:cNvSpPr>
-            <a:spLocks noGrp="1"/>
-          </p:cNvSpPr>
-          <p:nvPr>
-            <p:ph idx="1"/>
-          </p:nvPr>
-        </p:nvSpPr>
-        <p:spPr>
-          <a:xfrm>
-            <a:off x="838200" y="1690688"/>
-            <a:ext cx="10515600" cy="4620902"/>
-          </a:xfrm>
-        </p:spPr>
-        <p:txBody>
-          <a:bodyPr>
-            <a:normAutofit fontScale="70000" lnSpcReduction="20000"/>
-          </a:bodyPr>
-          <a:lstStyle/>
-          <a:p>
-            <a:r>
-              <a:rPr lang="pt-PT" sz="3000" b="1" dirty="0"/>
-              <a:t>Justificação da Migração</a:t>
-            </a:r>
-            <a:endParaRPr lang="pt-PT" sz="3000" dirty="0"/>
-          </a:p>
-          <a:p>
-            <a:r>
-              <a:rPr lang="pt-PT" sz="3000" b="1" dirty="0"/>
-              <a:t>Estrutura base do sistema </a:t>
-            </a:r>
-            <a:r>
-              <a:rPr lang="pt-PT" sz="3000" b="1" dirty="0" err="1"/>
-              <a:t>NoSQL</a:t>
-            </a:r>
-            <a:endParaRPr lang="pt-PT" sz="3000" b="1" dirty="0"/>
-          </a:p>
-          <a:p>
-            <a:pPr lvl="1"/>
-            <a:r>
-              <a:rPr lang="pt-PT" sz="2600" dirty="0"/>
-              <a:t>Utilizador;</a:t>
-            </a:r>
-            <a:endParaRPr lang="pt-PT" sz="3500" dirty="0"/>
-          </a:p>
-          <a:p>
-            <a:pPr lvl="1"/>
-            <a:r>
-              <a:rPr lang="pt-PT" sz="2600" dirty="0"/>
-              <a:t>Produto;</a:t>
-            </a:r>
-            <a:endParaRPr lang="pt-PT" sz="3500" dirty="0"/>
-          </a:p>
-          <a:p>
-            <a:pPr lvl="1"/>
-            <a:r>
-              <a:rPr lang="pt-PT" sz="2600" dirty="0"/>
-              <a:t>Compra;</a:t>
-            </a:r>
-            <a:endParaRPr lang="pt-PT" sz="3500" dirty="0"/>
-          </a:p>
-          <a:p>
-            <a:pPr lvl="1"/>
-            <a:r>
-              <a:rPr lang="pt-PT" sz="2600" dirty="0"/>
-              <a:t>Carrinho;</a:t>
-            </a:r>
-            <a:endParaRPr lang="pt-PT" sz="3500" dirty="0"/>
-          </a:p>
-          <a:p>
-            <a:pPr lvl="1"/>
-            <a:r>
-              <a:rPr lang="pt-PT" sz="2600" dirty="0"/>
-              <a:t>MetodosPagamento;</a:t>
-            </a:r>
-            <a:endParaRPr lang="pt-PT" sz="3500" dirty="0"/>
-          </a:p>
-          <a:p>
-            <a:pPr lvl="1"/>
-            <a:r>
-              <a:rPr lang="pt-PT" sz="2600" dirty="0"/>
-              <a:t>Transporte;</a:t>
-            </a:r>
-          </a:p>
-          <a:p>
-            <a:r>
-              <a:rPr lang="pt-PT" sz="3000" b="1" dirty="0"/>
-              <a:t>Processo de migração de dados</a:t>
-            </a:r>
-          </a:p>
-          <a:p>
-            <a:pPr lvl="1"/>
-            <a:r>
-              <a:rPr lang="pt-PT" sz="2600" dirty="0"/>
-              <a:t>Extração</a:t>
-            </a:r>
-          </a:p>
-          <a:p>
-            <a:pPr lvl="1"/>
-            <a:r>
-              <a:rPr lang="pt-PT" sz="2600" dirty="0"/>
-              <a:t>Transformação</a:t>
-            </a:r>
-          </a:p>
-          <a:p>
-            <a:pPr lvl="1"/>
-            <a:r>
-              <a:rPr lang="pt-PT" sz="2600" dirty="0"/>
-              <a:t>Carregamento</a:t>
-            </a:r>
-          </a:p>
-          <a:p>
+              <a:t>Tradução das interrogações do utilizador para SQL</a:t>
+            </a:r>
+            <a:br>
+              <a:rPr lang="pt-PT" dirty="0"/>
+            </a:br>
             <a:endParaRPr lang="pt-PT" dirty="0"/>
           </a:p>
         </p:txBody>
       </p:sp>
+      <p:pic>
+        <p:nvPicPr>
+          <p:cNvPr id="4" name="Imagem 3">
+            <a:extLst>
+              <a:ext uri="{FF2B5EF4-FFF2-40B4-BE49-F238E27FC236}">
+                <a16:creationId xmlns:a16="http://schemas.microsoft.com/office/drawing/2014/main" id="{A1D8807C-D16E-4B0D-8375-025AF99921A0}"/>
+              </a:ext>
+            </a:extLst>
+          </p:cNvPr>
+          <p:cNvPicPr>
+            <a:picLocks noChangeAspect="1"/>
+          </p:cNvPicPr>
+          <p:nvPr/>
+        </p:nvPicPr>
+        <p:blipFill>
+          <a:blip r:embed="rId2">
+            <a:extLst>
+              <a:ext uri="{28A0092B-C50C-407E-A947-70E740481C1C}">
+                <a14:useLocalDpi xmlns:a14="http://schemas.microsoft.com/office/drawing/2010/main" val="0"/>
+              </a:ext>
+            </a:extLst>
+          </a:blip>
+          <a:stretch>
+            <a:fillRect/>
+          </a:stretch>
+        </p:blipFill>
+        <p:spPr>
+          <a:xfrm>
+            <a:off x="2664430" y="4240878"/>
+            <a:ext cx="6863138" cy="1068512"/>
+          </a:xfrm>
+          <a:prstGeom prst="rect">
+            <a:avLst/>
+          </a:prstGeom>
+        </p:spPr>
+      </p:pic>
+      <p:pic>
+        <p:nvPicPr>
+          <p:cNvPr id="5" name="Imagem 4">
+            <a:extLst>
+              <a:ext uri="{FF2B5EF4-FFF2-40B4-BE49-F238E27FC236}">
+                <a16:creationId xmlns:a16="http://schemas.microsoft.com/office/drawing/2014/main" id="{BA5C8BA1-8337-4BCC-AA6F-AAC2D097BA97}"/>
+              </a:ext>
+            </a:extLst>
+          </p:cNvPr>
+          <p:cNvPicPr>
+            <a:picLocks noChangeAspect="1"/>
+          </p:cNvPicPr>
+          <p:nvPr/>
+        </p:nvPicPr>
+        <p:blipFill>
+          <a:blip r:embed="rId3">
+            <a:extLst>
+              <a:ext uri="{28A0092B-C50C-407E-A947-70E740481C1C}">
+                <a14:useLocalDpi xmlns:a14="http://schemas.microsoft.com/office/drawing/2010/main" val="0"/>
+              </a:ext>
+            </a:extLst>
+          </a:blip>
+          <a:stretch>
+            <a:fillRect/>
+          </a:stretch>
+        </p:blipFill>
+        <p:spPr>
+          <a:xfrm>
+            <a:off x="2664430" y="2087334"/>
+            <a:ext cx="6863139" cy="1341666"/>
+          </a:xfrm>
+          <a:prstGeom prst="rect">
+            <a:avLst/>
+          </a:prstGeom>
+        </p:spPr>
+      </p:pic>
     </p:spTree>
     <p:extLst>
       <p:ext uri="{BB962C8B-B14F-4D97-AF65-F5344CB8AC3E}">
-        <p14:creationId xmlns:p14="http://schemas.microsoft.com/office/powerpoint/2010/main" val="1941666973"/>
+        <p14:creationId xmlns:p14="http://schemas.microsoft.com/office/powerpoint/2010/main" val="153515924"/>
       </p:ext>
     </p:extLst>
   </p:cSld>
@@ -5217,7 +5258,7 @@
           <a:p>
             <a:r>
               <a:rPr lang="pt-PT" dirty="0"/>
-              <a:t>Conclusão</a:t>
+              <a:t>Migração</a:t>
             </a:r>
           </a:p>
         </p:txBody>
@@ -5232,34 +5273,91 @@
             <p:ph idx="1"/>
           </p:nvPr>
         </p:nvSpPr>
-        <p:spPr/>
-        <p:txBody>
-          <a:bodyPr/>
-          <a:lstStyle/>
-          <a:p>
-            <a:r>
-              <a:rPr lang="pt-PT" dirty="0"/>
-              <a:t>Bases de dados estão em todo o lado hoje em dia</a:t>
-            </a:r>
-          </a:p>
-          <a:p>
-            <a:r>
-              <a:rPr lang="pt-PT" dirty="0"/>
-              <a:t>Escolha apropriada das caraterísticas é fundamental</a:t>
-            </a:r>
-          </a:p>
-          <a:p>
-            <a:r>
-              <a:rPr lang="pt-PT" dirty="0"/>
-              <a:t>Qualquer operação na loja acede à base de dados</a:t>
-            </a:r>
+        <p:spPr>
+          <a:xfrm>
+            <a:off x="1451579" y="1846624"/>
+            <a:ext cx="9793937" cy="4345629"/>
+          </a:xfrm>
+        </p:spPr>
+        <p:txBody>
+          <a:bodyPr>
+            <a:normAutofit lnSpcReduction="10000"/>
+          </a:bodyPr>
+          <a:lstStyle/>
+          <a:p>
+            <a:r>
+              <a:rPr lang="pt-PT" sz="3000" b="1" dirty="0"/>
+              <a:t>Justificação da Migração</a:t>
+            </a:r>
+            <a:endParaRPr lang="pt-PT" sz="3000" dirty="0"/>
+          </a:p>
+          <a:p>
+            <a:r>
+              <a:rPr lang="pt-PT" sz="3000" b="1" dirty="0"/>
+              <a:t>Estrutura base do sistema </a:t>
+            </a:r>
+            <a:r>
+              <a:rPr lang="pt-PT" sz="3000" b="1" dirty="0" err="1"/>
+              <a:t>NoSQL</a:t>
+            </a:r>
+            <a:endParaRPr lang="pt-PT" sz="3000" b="1" dirty="0"/>
+          </a:p>
+          <a:p>
+            <a:pPr lvl="1"/>
+            <a:r>
+              <a:rPr lang="pt-PT" sz="2600" dirty="0"/>
+              <a:t>Utilizador;</a:t>
+            </a:r>
+            <a:endParaRPr lang="pt-PT" sz="3500" dirty="0"/>
+          </a:p>
+          <a:p>
+            <a:pPr lvl="1"/>
+            <a:r>
+              <a:rPr lang="pt-PT" sz="2600" dirty="0"/>
+              <a:t>Produto;</a:t>
+            </a:r>
+            <a:endParaRPr lang="pt-PT" sz="3500" dirty="0"/>
+          </a:p>
+          <a:p>
+            <a:pPr lvl="1"/>
+            <a:r>
+              <a:rPr lang="pt-PT" sz="2600" dirty="0"/>
+              <a:t>Compra;</a:t>
+            </a:r>
+            <a:endParaRPr lang="pt-PT" sz="3500" dirty="0"/>
+          </a:p>
+          <a:p>
+            <a:pPr lvl="1"/>
+            <a:r>
+              <a:rPr lang="pt-PT" sz="2600" dirty="0"/>
+              <a:t>Carrinho;</a:t>
+            </a:r>
+            <a:endParaRPr lang="pt-PT" sz="3500" dirty="0"/>
+          </a:p>
+          <a:p>
+            <a:pPr lvl="1"/>
+            <a:r>
+              <a:rPr lang="pt-PT" sz="2600" dirty="0"/>
+              <a:t>MetodosPagamento;</a:t>
+            </a:r>
+            <a:endParaRPr lang="pt-PT" sz="3500" dirty="0"/>
+          </a:p>
+          <a:p>
+            <a:pPr lvl="1"/>
+            <a:r>
+              <a:rPr lang="pt-PT" sz="2600" dirty="0"/>
+              <a:t>Transporte;</a:t>
+            </a:r>
+          </a:p>
+          <a:p>
+            <a:endParaRPr lang="pt-PT" dirty="0"/>
           </a:p>
         </p:txBody>
       </p:sp>
     </p:spTree>
     <p:extLst>
       <p:ext uri="{BB962C8B-B14F-4D97-AF65-F5344CB8AC3E}">
-        <p14:creationId xmlns:p14="http://schemas.microsoft.com/office/powerpoint/2010/main" val="1061714035"/>
+        <p14:creationId xmlns:p14="http://schemas.microsoft.com/office/powerpoint/2010/main" val="1941666973"/>
       </p:ext>
     </p:extLst>
   </p:cSld>

--- a/Apresentação BD.pptx
+++ b/Apresentação BD.pptx
@@ -5,20 +5,19 @@
     <p:sldMasterId id="2147483660" r:id="rId1"/>
   </p:sldMasterIdLst>
   <p:notesMasterIdLst>
-    <p:notesMasterId r:id="rId13"/>
+    <p:notesMasterId r:id="rId12"/>
   </p:notesMasterIdLst>
   <p:sldIdLst>
     <p:sldId id="256" r:id="rId2"/>
     <p:sldId id="258" r:id="rId3"/>
     <p:sldId id="259" r:id="rId4"/>
-    <p:sldId id="265" r:id="rId5"/>
-    <p:sldId id="260" r:id="rId6"/>
-    <p:sldId id="261" r:id="rId7"/>
-    <p:sldId id="262" r:id="rId8"/>
-    <p:sldId id="266" r:id="rId9"/>
-    <p:sldId id="263" r:id="rId10"/>
-    <p:sldId id="267" r:id="rId11"/>
-    <p:sldId id="264" r:id="rId12"/>
+    <p:sldId id="260" r:id="rId5"/>
+    <p:sldId id="261" r:id="rId6"/>
+    <p:sldId id="262" r:id="rId7"/>
+    <p:sldId id="266" r:id="rId8"/>
+    <p:sldId id="263" r:id="rId9"/>
+    <p:sldId id="267" r:id="rId10"/>
+    <p:sldId id="264" r:id="rId11"/>
   </p:sldIdLst>
   <p:sldSz cx="12192000" cy="6858000"/>
   <p:notesSz cx="6858000" cy="9144000"/>
@@ -207,7 +206,7 @@
           <a:p>
             <a:fld id="{0A538BEC-E331-4F1A-B277-A6186320AEFE}" type="datetimeFigureOut">
               <a:rPr lang="pt-PT" smtClean="0"/>
-              <a:t>23/01/2019</a:t>
+              <a:t>24/01/2019</a:t>
             </a:fld>
             <a:endParaRPr lang="pt-PT"/>
           </a:p>
@@ -613,7 +612,7 @@
           <a:p>
             <a:fld id="{E011CE98-2713-45F9-A806-008D9A8C3646}" type="datetimeFigureOut">
               <a:rPr lang="pt-PT" smtClean="0"/>
-              <a:t>23/01/2019</a:t>
+              <a:t>24/01/2019</a:t>
             </a:fld>
             <a:endParaRPr lang="pt-PT"/>
           </a:p>
@@ -824,7 +823,7 @@
           <a:p>
             <a:fld id="{E011CE98-2713-45F9-A806-008D9A8C3646}" type="datetimeFigureOut">
               <a:rPr lang="pt-PT" smtClean="0"/>
-              <a:t>23/01/2019</a:t>
+              <a:t>24/01/2019</a:t>
             </a:fld>
             <a:endParaRPr lang="pt-PT"/>
           </a:p>
@@ -1039,7 +1038,7 @@
           <a:p>
             <a:fld id="{E011CE98-2713-45F9-A806-008D9A8C3646}" type="datetimeFigureOut">
               <a:rPr lang="pt-PT" smtClean="0"/>
-              <a:t>23/01/2019</a:t>
+              <a:t>24/01/2019</a:t>
             </a:fld>
             <a:endParaRPr lang="pt-PT"/>
           </a:p>
@@ -1240,7 +1239,7 @@
           <a:p>
             <a:fld id="{E011CE98-2713-45F9-A806-008D9A8C3646}" type="datetimeFigureOut">
               <a:rPr lang="pt-PT" smtClean="0"/>
-              <a:t>23/01/2019</a:t>
+              <a:t>24/01/2019</a:t>
             </a:fld>
             <a:endParaRPr lang="pt-PT"/>
           </a:p>
@@ -1519,7 +1518,7 @@
           <a:p>
             <a:fld id="{E011CE98-2713-45F9-A806-008D9A8C3646}" type="datetimeFigureOut">
               <a:rPr lang="pt-PT" smtClean="0"/>
-              <a:t>23/01/2019</a:t>
+              <a:t>24/01/2019</a:t>
             </a:fld>
             <a:endParaRPr lang="pt-PT"/>
           </a:p>
@@ -1787,7 +1786,7 @@
           <a:p>
             <a:fld id="{E011CE98-2713-45F9-A806-008D9A8C3646}" type="datetimeFigureOut">
               <a:rPr lang="pt-PT" smtClean="0"/>
-              <a:t>23/01/2019</a:t>
+              <a:t>24/01/2019</a:t>
             </a:fld>
             <a:endParaRPr lang="pt-PT"/>
           </a:p>
@@ -2203,7 +2202,7 @@
           <a:p>
             <a:fld id="{E011CE98-2713-45F9-A806-008D9A8C3646}" type="datetimeFigureOut">
               <a:rPr lang="pt-PT" smtClean="0"/>
-              <a:t>23/01/2019</a:t>
+              <a:t>24/01/2019</a:t>
             </a:fld>
             <a:endParaRPr lang="pt-PT"/>
           </a:p>
@@ -2352,7 +2351,7 @@
           <a:p>
             <a:fld id="{E011CE98-2713-45F9-A806-008D9A8C3646}" type="datetimeFigureOut">
               <a:rPr lang="pt-PT" smtClean="0"/>
-              <a:t>23/01/2019</a:t>
+              <a:t>24/01/2019</a:t>
             </a:fld>
             <a:endParaRPr lang="pt-PT"/>
           </a:p>
@@ -2478,7 +2477,7 @@
           <a:p>
             <a:fld id="{E011CE98-2713-45F9-A806-008D9A8C3646}" type="datetimeFigureOut">
               <a:rPr lang="pt-PT" smtClean="0"/>
-              <a:t>23/01/2019</a:t>
+              <a:t>24/01/2019</a:t>
             </a:fld>
             <a:endParaRPr lang="pt-PT"/>
           </a:p>
@@ -2729,7 +2728,7 @@
           <a:p>
             <a:fld id="{E011CE98-2713-45F9-A806-008D9A8C3646}" type="datetimeFigureOut">
               <a:rPr lang="pt-PT" smtClean="0"/>
-              <a:t>23/01/2019</a:t>
+              <a:t>24/01/2019</a:t>
             </a:fld>
             <a:endParaRPr lang="pt-PT"/>
           </a:p>
@@ -3174,7 +3173,7 @@
           <a:p>
             <a:fld id="{E011CE98-2713-45F9-A806-008D9A8C3646}" type="datetimeFigureOut">
               <a:rPr lang="pt-PT" smtClean="0"/>
-              <a:t>23/01/2019</a:t>
+              <a:t>24/01/2019</a:t>
             </a:fld>
             <a:endParaRPr lang="pt-PT"/>
           </a:p>
@@ -3500,7 +3499,7 @@
           <a:p>
             <a:fld id="{E011CE98-2713-45F9-A806-008D9A8C3646}" type="datetimeFigureOut">
               <a:rPr lang="pt-PT" smtClean="0"/>
-              <a:t>23/01/2019</a:t>
+              <a:t>24/01/2019</a:t>
             </a:fld>
             <a:endParaRPr lang="pt-PT"/>
           </a:p>
@@ -4203,124 +4202,6 @@
       </p:grpSpPr>
       <p:sp>
         <p:nvSpPr>
-          <p:cNvPr id="2" name="Título 1">
-            <a:extLst>
-              <a:ext uri="{FF2B5EF4-FFF2-40B4-BE49-F238E27FC236}">
-                <a16:creationId xmlns:a16="http://schemas.microsoft.com/office/drawing/2014/main" id="{309A7D18-26D1-4EDB-90F2-3900963DF7AC}"/>
-              </a:ext>
-            </a:extLst>
-          </p:cNvPr>
-          <p:cNvSpPr>
-            <a:spLocks noGrp="1"/>
-          </p:cNvSpPr>
-          <p:nvPr>
-            <p:ph type="title"/>
-          </p:nvPr>
-        </p:nvSpPr>
-        <p:spPr>
-          <a:xfrm>
-            <a:off x="1660126" y="804519"/>
-            <a:ext cx="9603275" cy="1049235"/>
-          </a:xfrm>
-        </p:spPr>
-        <p:txBody>
-          <a:bodyPr/>
-          <a:lstStyle/>
-          <a:p>
-            <a:r>
-              <a:rPr lang="pt-PT" b="1" dirty="0"/>
-              <a:t>Processo de migração de dados</a:t>
-            </a:r>
-            <a:br>
-              <a:rPr lang="pt-PT" b="1" dirty="0"/>
-            </a:br>
-            <a:endParaRPr lang="pt-PT" dirty="0"/>
-          </a:p>
-        </p:txBody>
-      </p:sp>
-      <p:sp>
-        <p:nvSpPr>
-          <p:cNvPr id="3" name="Marcador de Posição de Conteúdo 2">
-            <a:extLst>
-              <a:ext uri="{FF2B5EF4-FFF2-40B4-BE49-F238E27FC236}">
-                <a16:creationId xmlns:a16="http://schemas.microsoft.com/office/drawing/2014/main" id="{B6F6E931-32CD-4AEA-80BF-C747A13305A9}"/>
-              </a:ext>
-            </a:extLst>
-          </p:cNvPr>
-          <p:cNvSpPr>
-            <a:spLocks noGrp="1"/>
-          </p:cNvSpPr>
-          <p:nvPr>
-            <p:ph idx="1"/>
-          </p:nvPr>
-        </p:nvSpPr>
-        <p:spPr>
-          <a:xfrm>
-            <a:off x="1053731" y="2415228"/>
-            <a:ext cx="9603275" cy="3450613"/>
-          </a:xfrm>
-        </p:spPr>
-        <p:txBody>
-          <a:bodyPr/>
-          <a:lstStyle/>
-          <a:p>
-            <a:pPr lvl="1"/>
-            <a:r>
-              <a:rPr lang="pt-PT" sz="2600" dirty="0"/>
-              <a:t>Extração</a:t>
-            </a:r>
-          </a:p>
-          <a:p>
-            <a:pPr lvl="1"/>
-            <a:r>
-              <a:rPr lang="pt-PT" sz="2600" dirty="0"/>
-              <a:t>Transformação</a:t>
-            </a:r>
-          </a:p>
-          <a:p>
-            <a:pPr lvl="1"/>
-            <a:r>
-              <a:rPr lang="pt-PT" sz="2600" dirty="0"/>
-              <a:t>Carregamento</a:t>
-            </a:r>
-          </a:p>
-          <a:p>
-            <a:endParaRPr lang="pt-PT" dirty="0"/>
-          </a:p>
-        </p:txBody>
-      </p:sp>
-    </p:spTree>
-    <p:extLst>
-      <p:ext uri="{BB962C8B-B14F-4D97-AF65-F5344CB8AC3E}">
-        <p14:creationId xmlns:p14="http://schemas.microsoft.com/office/powerpoint/2010/main" val="3077738260"/>
-      </p:ext>
-    </p:extLst>
-  </p:cSld>
-  <p:clrMapOvr>
-    <a:masterClrMapping/>
-  </p:clrMapOvr>
-</p:sld>
-</file>
-
-<file path=ppt/slides/slide11.xml><?xml version="1.0" encoding="utf-8"?>
-<p:sld xmlns:a="http://schemas.openxmlformats.org/drawingml/2006/main" xmlns:r="http://schemas.openxmlformats.org/officeDocument/2006/relationships" xmlns:p="http://schemas.openxmlformats.org/presentationml/2006/main">
-  <p:cSld>
-    <p:spTree>
-      <p:nvGrpSpPr>
-        <p:cNvPr id="1" name=""/>
-        <p:cNvGrpSpPr/>
-        <p:nvPr/>
-      </p:nvGrpSpPr>
-      <p:grpSpPr>
-        <a:xfrm>
-          <a:off x="0" y="0"/>
-          <a:ext cx="0" cy="0"/>
-          <a:chOff x="0" y="0"/>
-          <a:chExt cx="0" cy="0"/>
-        </a:xfrm>
-      </p:grpSpPr>
-      <p:sp>
-        <p:nvSpPr>
           <p:cNvPr id="2" name="Título 1"/>
           <p:cNvSpPr>
             <a:spLocks noGrp="1"/>
@@ -4523,7 +4404,7 @@
           <a:p>
             <a:r>
               <a:rPr lang="pt-PT" dirty="0"/>
-              <a:t>Levantamento de requisitos</a:t>
+              <a:t>Requisitos levantados</a:t>
             </a:r>
           </a:p>
         </p:txBody>
@@ -4573,6 +4454,326 @@
               <a:t>	</a:t>
             </a:r>
             <a:endParaRPr lang="pt-PT" sz="1800" dirty="0"/>
+          </a:p>
+        </p:txBody>
+      </p:sp>
+      <p:sp>
+        <p:nvSpPr>
+          <p:cNvPr id="4" name="Marcador de Posição de Conteúdo 2">
+            <a:extLst>
+              <a:ext uri="{FF2B5EF4-FFF2-40B4-BE49-F238E27FC236}">
+                <a16:creationId xmlns:a16="http://schemas.microsoft.com/office/drawing/2014/main" id="{3E52A374-F11D-4F39-AF00-9ECAFF6F38D1}"/>
+              </a:ext>
+            </a:extLst>
+          </p:cNvPr>
+          <p:cNvSpPr txBox="1">
+            <a:spLocks/>
+          </p:cNvSpPr>
+          <p:nvPr/>
+        </p:nvSpPr>
+        <p:spPr>
+          <a:xfrm>
+            <a:off x="1566209" y="3143197"/>
+            <a:ext cx="9059582" cy="2981306"/>
+          </a:xfrm>
+          <a:prstGeom prst="rect">
+            <a:avLst/>
+          </a:prstGeom>
+        </p:spPr>
+        <p:txBody>
+          <a:bodyPr vert="horz" lIns="91440" tIns="45720" rIns="91440" bIns="45720" rtlCol="0" anchor="t">
+            <a:normAutofit fontScale="77500" lnSpcReduction="20000"/>
+          </a:bodyPr>
+          <a:lstStyle>
+            <a:lvl1pPr marL="228600" indent="-228600" algn="l" defTabSz="914400" rtl="0" eaLnBrk="1" latinLnBrk="0" hangingPunct="1">
+              <a:lnSpc>
+                <a:spcPct val="120000"/>
+              </a:lnSpc>
+              <a:spcBef>
+                <a:spcPts val="1000"/>
+              </a:spcBef>
+              <a:buClr>
+                <a:schemeClr val="accent1"/>
+              </a:buClr>
+              <a:buSzPct val="100000"/>
+              <a:buFont typeface="Arial" panose="020B0604020202020204" pitchFamily="34" charset="0"/>
+              <a:buChar char="•"/>
+              <a:defRPr sz="2000" kern="1200">
+                <a:solidFill>
+                  <a:schemeClr val="tx1"/>
+                </a:solidFill>
+                <a:effectLst/>
+                <a:latin typeface="+mn-lt"/>
+                <a:ea typeface="+mn-ea"/>
+                <a:cs typeface="+mn-cs"/>
+              </a:defRPr>
+            </a:lvl1pPr>
+            <a:lvl2pPr marL="685800" indent="-228600" algn="l" defTabSz="914400" rtl="0" eaLnBrk="1" latinLnBrk="0" hangingPunct="1">
+              <a:lnSpc>
+                <a:spcPct val="120000"/>
+              </a:lnSpc>
+              <a:spcBef>
+                <a:spcPts val="500"/>
+              </a:spcBef>
+              <a:buClr>
+                <a:schemeClr val="accent1"/>
+              </a:buClr>
+              <a:buSzPct val="100000"/>
+              <a:buFont typeface="Arial" panose="020B0604020202020204" pitchFamily="34" charset="0"/>
+              <a:buChar char="•"/>
+              <a:defRPr sz="1800" kern="1200" cap="none" baseline="0">
+                <a:solidFill>
+                  <a:schemeClr val="tx1"/>
+                </a:solidFill>
+                <a:effectLst/>
+                <a:latin typeface="+mn-lt"/>
+                <a:ea typeface="+mn-ea"/>
+                <a:cs typeface="+mn-cs"/>
+              </a:defRPr>
+            </a:lvl2pPr>
+            <a:lvl3pPr marL="1143000" indent="-228600" algn="l" defTabSz="914400" rtl="0" eaLnBrk="1" latinLnBrk="0" hangingPunct="1">
+              <a:lnSpc>
+                <a:spcPct val="120000"/>
+              </a:lnSpc>
+              <a:spcBef>
+                <a:spcPts val="500"/>
+              </a:spcBef>
+              <a:buClr>
+                <a:schemeClr val="accent1"/>
+              </a:buClr>
+              <a:buSzPct val="100000"/>
+              <a:buFont typeface="Arial" panose="020B0604020202020204" pitchFamily="34" charset="0"/>
+              <a:buChar char="•"/>
+              <a:defRPr sz="1600" kern="1200">
+                <a:solidFill>
+                  <a:schemeClr val="tx1"/>
+                </a:solidFill>
+                <a:effectLst/>
+                <a:latin typeface="+mn-lt"/>
+                <a:ea typeface="+mn-ea"/>
+                <a:cs typeface="+mn-cs"/>
+              </a:defRPr>
+            </a:lvl3pPr>
+            <a:lvl4pPr marL="1600200" indent="-228600" algn="l" defTabSz="914400" rtl="0" eaLnBrk="1" latinLnBrk="0" hangingPunct="1">
+              <a:lnSpc>
+                <a:spcPct val="120000"/>
+              </a:lnSpc>
+              <a:spcBef>
+                <a:spcPts val="500"/>
+              </a:spcBef>
+              <a:buClr>
+                <a:schemeClr val="accent1"/>
+              </a:buClr>
+              <a:buSzPct val="100000"/>
+              <a:buFont typeface="Arial" panose="020B0604020202020204" pitchFamily="34" charset="0"/>
+              <a:buChar char="•"/>
+              <a:defRPr sz="1400" kern="1200" cap="none" baseline="0">
+                <a:solidFill>
+                  <a:schemeClr val="tx1"/>
+                </a:solidFill>
+                <a:effectLst/>
+                <a:latin typeface="+mn-lt"/>
+                <a:ea typeface="+mn-ea"/>
+                <a:cs typeface="+mn-cs"/>
+              </a:defRPr>
+            </a:lvl4pPr>
+            <a:lvl5pPr marL="2057400" indent="-228600" algn="l" defTabSz="914400" rtl="0" eaLnBrk="1" latinLnBrk="0" hangingPunct="1">
+              <a:lnSpc>
+                <a:spcPct val="120000"/>
+              </a:lnSpc>
+              <a:spcBef>
+                <a:spcPts val="500"/>
+              </a:spcBef>
+              <a:buClr>
+                <a:schemeClr val="accent1"/>
+              </a:buClr>
+              <a:buSzPct val="100000"/>
+              <a:buFont typeface="Arial" panose="020B0604020202020204" pitchFamily="34" charset="0"/>
+              <a:buChar char="•"/>
+              <a:defRPr sz="1200" kern="1200">
+                <a:solidFill>
+                  <a:schemeClr val="tx1"/>
+                </a:solidFill>
+                <a:effectLst/>
+                <a:latin typeface="+mn-lt"/>
+                <a:ea typeface="+mn-ea"/>
+                <a:cs typeface="+mn-cs"/>
+              </a:defRPr>
+            </a:lvl5pPr>
+            <a:lvl6pPr marL="2514600" indent="-228600" algn="l" defTabSz="914400" rtl="0" eaLnBrk="1" latinLnBrk="0" hangingPunct="1">
+              <a:lnSpc>
+                <a:spcPct val="120000"/>
+              </a:lnSpc>
+              <a:spcBef>
+                <a:spcPts val="500"/>
+              </a:spcBef>
+              <a:buClr>
+                <a:schemeClr val="accent1"/>
+              </a:buClr>
+              <a:buSzPct val="100000"/>
+              <a:buFont typeface="Arial" panose="020B0604020202020204" pitchFamily="34" charset="0"/>
+              <a:buChar char="•"/>
+              <a:defRPr sz="1200" kern="1200">
+                <a:solidFill>
+                  <a:schemeClr val="tx1"/>
+                </a:solidFill>
+                <a:effectLst/>
+                <a:latin typeface="+mn-lt"/>
+                <a:ea typeface="+mn-ea"/>
+                <a:cs typeface="+mn-cs"/>
+              </a:defRPr>
+            </a:lvl6pPr>
+            <a:lvl7pPr marL="2971800" indent="-228600" algn="l" defTabSz="914400" rtl="0" eaLnBrk="1" latinLnBrk="0" hangingPunct="1">
+              <a:lnSpc>
+                <a:spcPct val="120000"/>
+              </a:lnSpc>
+              <a:spcBef>
+                <a:spcPts val="500"/>
+              </a:spcBef>
+              <a:buClr>
+                <a:schemeClr val="accent1"/>
+              </a:buClr>
+              <a:buSzPct val="100000"/>
+              <a:buFont typeface="Arial" panose="020B0604020202020204" pitchFamily="34" charset="0"/>
+              <a:buChar char="•"/>
+              <a:defRPr sz="1200" kern="1200">
+                <a:solidFill>
+                  <a:schemeClr val="tx1"/>
+                </a:solidFill>
+                <a:effectLst/>
+                <a:latin typeface="+mn-lt"/>
+                <a:ea typeface="+mn-ea"/>
+                <a:cs typeface="+mn-cs"/>
+              </a:defRPr>
+            </a:lvl7pPr>
+            <a:lvl8pPr marL="3429000" indent="-228600" algn="l" defTabSz="914400" rtl="0" eaLnBrk="1" latinLnBrk="0" hangingPunct="1">
+              <a:lnSpc>
+                <a:spcPct val="120000"/>
+              </a:lnSpc>
+              <a:spcBef>
+                <a:spcPts val="500"/>
+              </a:spcBef>
+              <a:buClr>
+                <a:schemeClr val="accent1"/>
+              </a:buClr>
+              <a:buSzPct val="100000"/>
+              <a:buFont typeface="Arial" panose="020B0604020202020204" pitchFamily="34" charset="0"/>
+              <a:buChar char="•"/>
+              <a:defRPr sz="1200" kern="1200" baseline="0">
+                <a:solidFill>
+                  <a:schemeClr val="tx1"/>
+                </a:solidFill>
+                <a:effectLst/>
+                <a:latin typeface="+mn-lt"/>
+                <a:ea typeface="+mn-ea"/>
+                <a:cs typeface="+mn-cs"/>
+              </a:defRPr>
+            </a:lvl8pPr>
+            <a:lvl9pPr marL="3886200" indent="-228600" algn="l" defTabSz="914400" rtl="0" eaLnBrk="1" latinLnBrk="0" hangingPunct="1">
+              <a:lnSpc>
+                <a:spcPct val="120000"/>
+              </a:lnSpc>
+              <a:spcBef>
+                <a:spcPts val="500"/>
+              </a:spcBef>
+              <a:buClr>
+                <a:schemeClr val="accent1"/>
+              </a:buClr>
+              <a:buSzPct val="100000"/>
+              <a:buFont typeface="Arial" panose="020B0604020202020204" pitchFamily="34" charset="0"/>
+              <a:buChar char="•"/>
+              <a:defRPr sz="1200" kern="1200" baseline="0">
+                <a:solidFill>
+                  <a:schemeClr val="tx1"/>
+                </a:solidFill>
+                <a:effectLst/>
+                <a:latin typeface="+mn-lt"/>
+                <a:ea typeface="+mn-ea"/>
+                <a:cs typeface="+mn-cs"/>
+              </a:defRPr>
+            </a:lvl9pPr>
+          </a:lstStyle>
+          <a:p>
+            <a:pPr marL="0" indent="0" algn="just">
+              <a:buFont typeface="Arial" panose="020B0604020202020204" pitchFamily="34" charset="0"/>
+              <a:buNone/>
+            </a:pPr>
+            <a:r>
+              <a:rPr lang="pt-PT" b="1"/>
+              <a:t>Requisitos do utilizador:</a:t>
+            </a:r>
+            <a:endParaRPr lang="pt-PT"/>
+          </a:p>
+          <a:p>
+            <a:pPr lvl="1" algn="just"/>
+            <a:r>
+              <a:rPr lang="pt-PT"/>
+              <a:t>	Ver produtos que estão disponíveis no mercado; </a:t>
+            </a:r>
+          </a:p>
+          <a:p>
+            <a:pPr lvl="1" algn="just"/>
+            <a:r>
+              <a:rPr lang="pt-PT"/>
+              <a:t>	Filtrar os produtos que pretende ver/comprar do mercado; </a:t>
+            </a:r>
+          </a:p>
+          <a:p>
+            <a:pPr lvl="1" algn="just"/>
+            <a:r>
+              <a:rPr lang="pt-PT"/>
+              <a:t>	Aceder a informações pessoais; </a:t>
+            </a:r>
+          </a:p>
+          <a:p>
+            <a:pPr lvl="1" algn="just"/>
+            <a:r>
+              <a:rPr lang="pt-PT"/>
+              <a:t>	Comprar produtos que estão disponíveis no mercado;</a:t>
+            </a:r>
+          </a:p>
+          <a:p>
+            <a:pPr lvl="1" algn="just"/>
+            <a:r>
+              <a:rPr lang="pt-PT"/>
+              <a:t>	Adicionar/Alterar informações pessoais;</a:t>
+            </a:r>
+          </a:p>
+          <a:p>
+            <a:pPr marL="0" indent="0" algn="just">
+              <a:buFont typeface="Arial" panose="020B0604020202020204" pitchFamily="34" charset="0"/>
+              <a:buNone/>
+            </a:pPr>
+            <a:r>
+              <a:rPr lang="pt-PT" b="1"/>
+              <a:t>Requisitos do administrador:</a:t>
+            </a:r>
+            <a:endParaRPr lang="pt-PT"/>
+          </a:p>
+          <a:p>
+            <a:pPr lvl="1" algn="just"/>
+            <a:r>
+              <a:rPr lang="pt-PT"/>
+              <a:t>	Aceder a informações de todo o sistema; </a:t>
+            </a:r>
+          </a:p>
+          <a:p>
+            <a:pPr lvl="1" algn="just"/>
+            <a:r>
+              <a:rPr lang="pt-PT"/>
+              <a:t>	Ver estatísticas do mercado e dos utilizadores;</a:t>
+            </a:r>
+          </a:p>
+          <a:p>
+            <a:pPr lvl="1" algn="just"/>
+            <a:r>
+              <a:rPr lang="pt-PT"/>
+              <a:t>	Adicionar/Remover métodos de pagamento ou transporte; </a:t>
+            </a:r>
+          </a:p>
+          <a:p>
+            <a:pPr algn="just"/>
+            <a:endParaRPr lang="pt-PT" dirty="0"/>
           </a:p>
         </p:txBody>
       </p:sp>
@@ -4608,141 +4809,94 @@
       </p:grpSpPr>
       <p:sp>
         <p:nvSpPr>
-          <p:cNvPr id="2" name="Título 1">
+          <p:cNvPr id="2" name="Título 1"/>
+          <p:cNvSpPr>
+            <a:spLocks noGrp="1"/>
+          </p:cNvSpPr>
+          <p:nvPr>
+            <p:ph type="title"/>
+          </p:nvPr>
+        </p:nvSpPr>
+        <p:spPr/>
+        <p:txBody>
+          <a:bodyPr/>
+          <a:lstStyle/>
+          <a:p>
+            <a:r>
+              <a:rPr lang="pt-PT" dirty="0"/>
+              <a:t>Esquema Concetual</a:t>
+            </a:r>
+          </a:p>
+        </p:txBody>
+      </p:sp>
+      <p:pic>
+        <p:nvPicPr>
+          <p:cNvPr id="4" name="Marcador de Posição de Conteúdo 3"/>
+          <p:cNvPicPr>
+            <a:picLocks noGrp="1"/>
+          </p:cNvPicPr>
+          <p:nvPr>
+            <p:ph idx="1"/>
+          </p:nvPr>
+        </p:nvPicPr>
+        <p:blipFill rotWithShape="1">
+          <a:blip r:embed="rId2">
             <a:extLst>
-              <a:ext uri="{FF2B5EF4-FFF2-40B4-BE49-F238E27FC236}">
-                <a16:creationId xmlns:a16="http://schemas.microsoft.com/office/drawing/2014/main" id="{238D68F5-2A1B-40BE-8684-3A27CECC6D24}"/>
+              <a:ext uri="{28A0092B-C50C-407E-A947-70E740481C1C}">
+                <a14:useLocalDpi xmlns:a14="http://schemas.microsoft.com/office/drawing/2010/main" val="0"/>
               </a:ext>
             </a:extLst>
-          </p:cNvPr>
-          <p:cNvSpPr>
-            <a:spLocks noGrp="1"/>
-          </p:cNvSpPr>
-          <p:nvPr>
-            <p:ph type="title"/>
-          </p:nvPr>
-        </p:nvSpPr>
-        <p:spPr/>
-        <p:txBody>
-          <a:bodyPr/>
-          <a:lstStyle/>
-          <a:p>
-            <a:r>
-              <a:rPr lang="pt-PT"/>
-              <a:t>Requisitos Levantados</a:t>
-            </a:r>
-            <a:endParaRPr lang="pt-PT" dirty="0"/>
-          </a:p>
-        </p:txBody>
-      </p:sp>
-      <p:sp>
-        <p:nvSpPr>
-          <p:cNvPr id="3" name="Marcador de Posição de Conteúdo 2">
-            <a:extLst>
-              <a:ext uri="{FF2B5EF4-FFF2-40B4-BE49-F238E27FC236}">
-                <a16:creationId xmlns:a16="http://schemas.microsoft.com/office/drawing/2014/main" id="{DE41EBCD-435D-4221-AE8C-48ACAA715AA9}"/>
-              </a:ext>
-            </a:extLst>
-          </p:cNvPr>
-          <p:cNvSpPr>
-            <a:spLocks noGrp="1"/>
-          </p:cNvSpPr>
-          <p:nvPr>
-            <p:ph idx="1"/>
-          </p:nvPr>
-        </p:nvSpPr>
-        <p:spPr/>
-        <p:txBody>
-          <a:bodyPr>
-            <a:normAutofit fontScale="92500" lnSpcReduction="20000"/>
+          </a:blip>
+          <a:srcRect t="5891"/>
+          <a:stretch/>
+        </p:blipFill>
+        <p:spPr>
+          <a:xfrm>
+            <a:off x="2778154" y="2223086"/>
+            <a:ext cx="6635692" cy="3830395"/>
+          </a:xfrm>
+          <a:prstGeom prst="rect">
+            <a:avLst/>
+          </a:prstGeom>
+        </p:spPr>
+      </p:pic>
+      <p:sp>
+        <p:nvSpPr>
+          <p:cNvPr id="5" name="CaixaDeTexto 4"/>
+          <p:cNvSpPr txBox="1"/>
+          <p:nvPr/>
+        </p:nvSpPr>
+        <p:spPr>
+          <a:xfrm>
+            <a:off x="1426696" y="1853754"/>
+            <a:ext cx="11189670" cy="369332"/>
+          </a:xfrm>
+          <a:prstGeom prst="rect">
+            <a:avLst/>
+          </a:prstGeom>
+          <a:noFill/>
+        </p:spPr>
+        <p:txBody>
+          <a:bodyPr wrap="square" rtlCol="0">
+            <a:spAutoFit/>
           </a:bodyPr>
           <a:lstStyle/>
           <a:p>
-            <a:pPr marL="0" indent="0" algn="just">
-              <a:buNone/>
+            <a:pPr marL="285750" indent="-285750">
+              <a:buFont typeface="Arial" panose="020B0604020202020204" pitchFamily="34" charset="0"/>
+              <a:buChar char="•"/>
             </a:pPr>
             <a:r>
-              <a:rPr lang="pt-PT" b="1" dirty="0"/>
-              <a:t>Requisitos do utilizador:</a:t>
-            </a:r>
-            <a:endParaRPr lang="pt-PT" dirty="0"/>
-          </a:p>
-          <a:p>
-            <a:pPr lvl="1" algn="just"/>
-            <a:r>
               <a:rPr lang="pt-PT" dirty="0"/>
-              <a:t>	Ver produtos que estão disponíveis no mercado; </a:t>
-            </a:r>
-          </a:p>
-          <a:p>
-            <a:pPr lvl="1" algn="just"/>
-            <a:r>
-              <a:rPr lang="pt-PT" dirty="0"/>
-              <a:t>	Filtrar os produtos que pretende ver/comprar do mercado; </a:t>
-            </a:r>
-          </a:p>
-          <a:p>
-            <a:pPr lvl="1" algn="just"/>
-            <a:r>
-              <a:rPr lang="pt-PT" dirty="0"/>
-              <a:t>	Aceder a informações pessoais; </a:t>
-            </a:r>
-          </a:p>
-          <a:p>
-            <a:pPr lvl="1" algn="just"/>
-            <a:r>
-              <a:rPr lang="pt-PT" dirty="0"/>
-              <a:t>	Comprar produtos que estão disponíveis no mercado;</a:t>
-            </a:r>
-          </a:p>
-          <a:p>
-            <a:pPr lvl="1" algn="just"/>
-            <a:r>
-              <a:rPr lang="pt-PT" dirty="0"/>
-              <a:t>	Adicionar/Alterar informações pessoais;</a:t>
-            </a:r>
-          </a:p>
-          <a:p>
-            <a:pPr marL="0" indent="0" algn="just">
-              <a:buNone/>
-            </a:pPr>
-            <a:r>
-              <a:rPr lang="pt-PT" b="1" dirty="0"/>
-              <a:t>Requisitos do administrador:</a:t>
-            </a:r>
-            <a:endParaRPr lang="pt-PT" dirty="0"/>
-          </a:p>
-          <a:p>
-            <a:pPr lvl="1" algn="just"/>
-            <a:r>
-              <a:rPr lang="pt-PT" dirty="0"/>
-              <a:t>	Aceder a informações de todo o sistema; </a:t>
-            </a:r>
-          </a:p>
-          <a:p>
-            <a:pPr lvl="1" algn="just"/>
-            <a:r>
-              <a:rPr lang="pt-PT" dirty="0"/>
-              <a:t>	Ver estatísticas do mercado e dos utilizadores;</a:t>
-            </a:r>
-          </a:p>
-          <a:p>
-            <a:pPr lvl="1" algn="just"/>
-            <a:r>
-              <a:rPr lang="pt-PT" dirty="0"/>
-              <a:t>	Adicionar/Remover métodos de pagamento ou transporte; </a:t>
-            </a:r>
-          </a:p>
-          <a:p>
-            <a:pPr algn="just"/>
-            <a:endParaRPr lang="pt-PT" dirty="0"/>
+              <a:t>Abordagem de modelação realizada: Primeiro entidades, depois atributos e por fim relacionamentos</a:t>
+            </a:r>
           </a:p>
         </p:txBody>
       </p:sp>
     </p:spTree>
     <p:extLst>
       <p:ext uri="{BB962C8B-B14F-4D97-AF65-F5344CB8AC3E}">
-        <p14:creationId xmlns:p14="http://schemas.microsoft.com/office/powerpoint/2010/main" val="4147424493"/>
+        <p14:creationId xmlns:p14="http://schemas.microsoft.com/office/powerpoint/2010/main" val="2316649488"/>
       </p:ext>
     </p:extLst>
   </p:cSld>
@@ -4786,7 +4940,7 @@
           <a:p>
             <a:r>
               <a:rPr lang="pt-PT" dirty="0"/>
-              <a:t>Esquema Concetual</a:t>
+              <a:t>Esquema Lógico </a:t>
             </a:r>
           </a:p>
         </p:txBody>
@@ -4795,13 +4949,13 @@
         <p:nvPicPr>
           <p:cNvPr id="4" name="Marcador de Posição de Conteúdo 3"/>
           <p:cNvPicPr>
-            <a:picLocks noGrp="1"/>
+            <a:picLocks noGrp="1" noChangeAspect="1"/>
           </p:cNvPicPr>
           <p:nvPr>
             <p:ph idx="1"/>
           </p:nvPr>
         </p:nvPicPr>
-        <p:blipFill rotWithShape="1">
+        <p:blipFill>
           <a:blip r:embed="rId2">
             <a:extLst>
               <a:ext uri="{28A0092B-C50C-407E-A947-70E740481C1C}">
@@ -4809,56 +4963,21 @@
               </a:ext>
             </a:extLst>
           </a:blip>
-          <a:srcRect t="5891"/>
-          <a:stretch/>
+          <a:stretch>
+            <a:fillRect/>
+          </a:stretch>
         </p:blipFill>
         <p:spPr>
           <a:xfrm>
-            <a:off x="2778154" y="2223086"/>
-            <a:ext cx="6635692" cy="3830395"/>
-          </a:xfrm>
-          <a:prstGeom prst="rect">
-            <a:avLst/>
-          </a:prstGeom>
+            <a:off x="3031359" y="1880258"/>
+            <a:ext cx="6129282" cy="4173223"/>
+          </a:xfrm>
         </p:spPr>
       </p:pic>
-      <p:sp>
-        <p:nvSpPr>
-          <p:cNvPr id="5" name="CaixaDeTexto 4"/>
-          <p:cNvSpPr txBox="1"/>
-          <p:nvPr/>
-        </p:nvSpPr>
-        <p:spPr>
-          <a:xfrm>
-            <a:off x="1426696" y="1853754"/>
-            <a:ext cx="11189670" cy="369332"/>
-          </a:xfrm>
-          <a:prstGeom prst="rect">
-            <a:avLst/>
-          </a:prstGeom>
-          <a:noFill/>
-        </p:spPr>
-        <p:txBody>
-          <a:bodyPr wrap="square" rtlCol="0">
-            <a:spAutoFit/>
-          </a:bodyPr>
-          <a:lstStyle/>
-          <a:p>
-            <a:pPr marL="285750" indent="-285750">
-              <a:buFont typeface="Arial" panose="020B0604020202020204" pitchFamily="34" charset="0"/>
-              <a:buChar char="•"/>
-            </a:pPr>
-            <a:r>
-              <a:rPr lang="pt-PT" dirty="0"/>
-              <a:t>Abordagem de modelação realizada: Primeiro entidades, depois atributos e por fim relacionamentos</a:t>
-            </a:r>
-          </a:p>
-        </p:txBody>
-      </p:sp>
     </p:spTree>
     <p:extLst>
       <p:ext uri="{BB962C8B-B14F-4D97-AF65-F5344CB8AC3E}">
-        <p14:creationId xmlns:p14="http://schemas.microsoft.com/office/powerpoint/2010/main" val="2316649488"/>
+        <p14:creationId xmlns:p14="http://schemas.microsoft.com/office/powerpoint/2010/main" val="2048077284"/>
       </p:ext>
     </p:extLst>
   </p:cSld>
@@ -4895,87 +5014,6 @@
             <p:ph type="title"/>
           </p:nvPr>
         </p:nvSpPr>
-        <p:spPr/>
-        <p:txBody>
-          <a:bodyPr/>
-          <a:lstStyle/>
-          <a:p>
-            <a:r>
-              <a:rPr lang="pt-PT" dirty="0"/>
-              <a:t>Esquema Lógico </a:t>
-            </a:r>
-          </a:p>
-        </p:txBody>
-      </p:sp>
-      <p:pic>
-        <p:nvPicPr>
-          <p:cNvPr id="4" name="Marcador de Posição de Conteúdo 3"/>
-          <p:cNvPicPr>
-            <a:picLocks noGrp="1" noChangeAspect="1"/>
-          </p:cNvPicPr>
-          <p:nvPr>
-            <p:ph idx="1"/>
-          </p:nvPr>
-        </p:nvPicPr>
-        <p:blipFill>
-          <a:blip r:embed="rId2">
-            <a:extLst>
-              <a:ext uri="{28A0092B-C50C-407E-A947-70E740481C1C}">
-                <a14:useLocalDpi xmlns:a14="http://schemas.microsoft.com/office/drawing/2010/main" val="0"/>
-              </a:ext>
-            </a:extLst>
-          </a:blip>
-          <a:stretch>
-            <a:fillRect/>
-          </a:stretch>
-        </p:blipFill>
-        <p:spPr>
-          <a:xfrm>
-            <a:off x="3031359" y="1880258"/>
-            <a:ext cx="6129282" cy="4173223"/>
-          </a:xfrm>
-        </p:spPr>
-      </p:pic>
-    </p:spTree>
-    <p:extLst>
-      <p:ext uri="{BB962C8B-B14F-4D97-AF65-F5344CB8AC3E}">
-        <p14:creationId xmlns:p14="http://schemas.microsoft.com/office/powerpoint/2010/main" val="2048077284"/>
-      </p:ext>
-    </p:extLst>
-  </p:cSld>
-  <p:clrMapOvr>
-    <a:masterClrMapping/>
-  </p:clrMapOvr>
-</p:sld>
-</file>
-
-<file path=ppt/slides/slide7.xml><?xml version="1.0" encoding="utf-8"?>
-<p:sld xmlns:a="http://schemas.openxmlformats.org/drawingml/2006/main" xmlns:r="http://schemas.openxmlformats.org/officeDocument/2006/relationships" xmlns:p="http://schemas.openxmlformats.org/presentationml/2006/main">
-  <p:cSld>
-    <p:spTree>
-      <p:nvGrpSpPr>
-        <p:cNvPr id="1" name=""/>
-        <p:cNvGrpSpPr/>
-        <p:nvPr/>
-      </p:nvGrpSpPr>
-      <p:grpSpPr>
-        <a:xfrm>
-          <a:off x="0" y="0"/>
-          <a:ext cx="0" cy="0"/>
-          <a:chOff x="0" y="0"/>
-          <a:chExt cx="0" cy="0"/>
-        </a:xfrm>
-      </p:grpSpPr>
-      <p:sp>
-        <p:nvSpPr>
-          <p:cNvPr id="2" name="Título 1"/>
-          <p:cNvSpPr>
-            <a:spLocks noGrp="1"/>
-          </p:cNvSpPr>
-          <p:nvPr>
-            <p:ph type="title"/>
-          </p:nvPr>
-        </p:nvSpPr>
         <p:spPr>
           <a:xfrm>
             <a:off x="953359" y="571664"/>
@@ -5088,7 +5126,7 @@
 </p:sld>
 </file>
 
-<file path=ppt/slides/slide8.xml><?xml version="1.0" encoding="utf-8"?>
+<file path=ppt/slides/slide7.xml><?xml version="1.0" encoding="utf-8"?>
 <p:sld xmlns:a="http://schemas.openxmlformats.org/drawingml/2006/main" xmlns:r="http://schemas.openxmlformats.org/officeDocument/2006/relationships" xmlns:p="http://schemas.openxmlformats.org/presentationml/2006/main">
   <p:cSld>
     <p:spTree>
@@ -5203,7 +5241,7 @@
         </p:blipFill>
         <p:spPr>
           <a:xfrm>
-            <a:off x="2664430" y="2087334"/>
+            <a:off x="2664430" y="2078456"/>
             <a:ext cx="6863139" cy="1341666"/>
           </a:xfrm>
           <a:prstGeom prst="rect">
@@ -5215,6 +5253,149 @@
     <p:extLst>
       <p:ext uri="{BB962C8B-B14F-4D97-AF65-F5344CB8AC3E}">
         <p14:creationId xmlns:p14="http://schemas.microsoft.com/office/powerpoint/2010/main" val="153515924"/>
+      </p:ext>
+    </p:extLst>
+  </p:cSld>
+  <p:clrMapOvr>
+    <a:masterClrMapping/>
+  </p:clrMapOvr>
+</p:sld>
+</file>
+
+<file path=ppt/slides/slide8.xml><?xml version="1.0" encoding="utf-8"?>
+<p:sld xmlns:a="http://schemas.openxmlformats.org/drawingml/2006/main" xmlns:r="http://schemas.openxmlformats.org/officeDocument/2006/relationships" xmlns:p="http://schemas.openxmlformats.org/presentationml/2006/main">
+  <p:cSld>
+    <p:spTree>
+      <p:nvGrpSpPr>
+        <p:cNvPr id="1" name=""/>
+        <p:cNvGrpSpPr/>
+        <p:nvPr/>
+      </p:nvGrpSpPr>
+      <p:grpSpPr>
+        <a:xfrm>
+          <a:off x="0" y="0"/>
+          <a:ext cx="0" cy="0"/>
+          <a:chOff x="0" y="0"/>
+          <a:chExt cx="0" cy="0"/>
+        </a:xfrm>
+      </p:grpSpPr>
+      <p:sp>
+        <p:nvSpPr>
+          <p:cNvPr id="2" name="Título 1"/>
+          <p:cNvSpPr>
+            <a:spLocks noGrp="1"/>
+          </p:cNvSpPr>
+          <p:nvPr>
+            <p:ph type="title"/>
+          </p:nvPr>
+        </p:nvSpPr>
+        <p:spPr/>
+        <p:txBody>
+          <a:bodyPr/>
+          <a:lstStyle/>
+          <a:p>
+            <a:r>
+              <a:rPr lang="pt-PT" dirty="0"/>
+              <a:t>Migração</a:t>
+            </a:r>
+          </a:p>
+        </p:txBody>
+      </p:sp>
+      <p:sp>
+        <p:nvSpPr>
+          <p:cNvPr id="3" name="Marcador de Posição de Conteúdo 2"/>
+          <p:cNvSpPr>
+            <a:spLocks noGrp="1"/>
+          </p:cNvSpPr>
+          <p:nvPr>
+            <p:ph idx="1"/>
+          </p:nvPr>
+        </p:nvSpPr>
+        <p:spPr>
+          <a:xfrm>
+            <a:off x="1451579" y="1846624"/>
+            <a:ext cx="9793937" cy="4345629"/>
+          </a:xfrm>
+        </p:spPr>
+        <p:txBody>
+          <a:bodyPr>
+            <a:normAutofit lnSpcReduction="10000"/>
+          </a:bodyPr>
+          <a:lstStyle/>
+          <a:p>
+            <a:r>
+              <a:rPr lang="pt-PT" sz="3000" b="1" dirty="0"/>
+              <a:t>Justificação da Migração</a:t>
+            </a:r>
+            <a:endParaRPr lang="pt-PT" sz="3000" dirty="0"/>
+          </a:p>
+          <a:p>
+            <a:r>
+              <a:rPr lang="pt-PT" sz="3000" b="1" dirty="0"/>
+              <a:t>Estrutura base do sistema </a:t>
+            </a:r>
+            <a:r>
+              <a:rPr lang="pt-PT" sz="3000" b="1" dirty="0" err="1"/>
+              <a:t>NoSQL</a:t>
+            </a:r>
+            <a:endParaRPr lang="pt-PT" sz="3000" b="1" dirty="0"/>
+          </a:p>
+          <a:p>
+            <a:pPr lvl="1"/>
+            <a:r>
+              <a:rPr lang="pt-PT" sz="2600" dirty="0"/>
+              <a:t>Utilizador;</a:t>
+            </a:r>
+            <a:endParaRPr lang="pt-PT" sz="3500" dirty="0"/>
+          </a:p>
+          <a:p>
+            <a:pPr lvl="1"/>
+            <a:r>
+              <a:rPr lang="pt-PT" sz="2600" dirty="0"/>
+              <a:t>Produto;</a:t>
+            </a:r>
+            <a:endParaRPr lang="pt-PT" sz="3500" dirty="0"/>
+          </a:p>
+          <a:p>
+            <a:pPr lvl="1"/>
+            <a:r>
+              <a:rPr lang="pt-PT" sz="2600" dirty="0"/>
+              <a:t>Compra;</a:t>
+            </a:r>
+            <a:endParaRPr lang="pt-PT" sz="3500" dirty="0"/>
+          </a:p>
+          <a:p>
+            <a:pPr lvl="1"/>
+            <a:r>
+              <a:rPr lang="pt-PT" sz="2600" dirty="0"/>
+              <a:t>Carrinho;</a:t>
+            </a:r>
+            <a:endParaRPr lang="pt-PT" sz="3500" dirty="0"/>
+          </a:p>
+          <a:p>
+            <a:pPr lvl="1"/>
+            <a:r>
+              <a:rPr lang="pt-PT" sz="2600" dirty="0"/>
+              <a:t>MetodosPagamento;</a:t>
+            </a:r>
+            <a:endParaRPr lang="pt-PT" sz="3500" dirty="0"/>
+          </a:p>
+          <a:p>
+            <a:pPr lvl="1"/>
+            <a:r>
+              <a:rPr lang="pt-PT" sz="2600" dirty="0"/>
+              <a:t>Transporte;</a:t>
+            </a:r>
+          </a:p>
+          <a:p>
+            <a:endParaRPr lang="pt-PT" dirty="0"/>
+          </a:p>
+        </p:txBody>
+      </p:sp>
+    </p:spTree>
+    <p:extLst>
+      <p:ext uri="{BB962C8B-B14F-4D97-AF65-F5344CB8AC3E}">
+        <p14:creationId xmlns:p14="http://schemas.microsoft.com/office/powerpoint/2010/main" val="1941666973"/>
       </p:ext>
     </p:extLst>
   </p:cSld>
@@ -5243,7 +5424,13 @@
       </p:grpSpPr>
       <p:sp>
         <p:nvSpPr>
-          <p:cNvPr id="2" name="Título 1"/>
+          <p:cNvPr id="2" name="Título 1">
+            <a:extLst>
+              <a:ext uri="{FF2B5EF4-FFF2-40B4-BE49-F238E27FC236}">
+                <a16:creationId xmlns:a16="http://schemas.microsoft.com/office/drawing/2014/main" id="{309A7D18-26D1-4EDB-90F2-3900963DF7AC}"/>
+              </a:ext>
+            </a:extLst>
+          </p:cNvPr>
           <p:cNvSpPr>
             <a:spLocks noGrp="1"/>
           </p:cNvSpPr>
@@ -5251,21 +5438,36 @@
             <p:ph type="title"/>
           </p:nvPr>
         </p:nvSpPr>
-        <p:spPr/>
+        <p:spPr>
+          <a:xfrm>
+            <a:off x="1660126" y="804519"/>
+            <a:ext cx="9603275" cy="1049235"/>
+          </a:xfrm>
+        </p:spPr>
         <p:txBody>
           <a:bodyPr/>
           <a:lstStyle/>
           <a:p>
             <a:r>
-              <a:rPr lang="pt-PT" dirty="0"/>
-              <a:t>Migração</a:t>
-            </a:r>
-          </a:p>
-        </p:txBody>
-      </p:sp>
-      <p:sp>
-        <p:nvSpPr>
-          <p:cNvPr id="3" name="Marcador de Posição de Conteúdo 2"/>
+              <a:rPr lang="pt-PT" b="1" dirty="0"/>
+              <a:t>Processo de migração de dados</a:t>
+            </a:r>
+            <a:br>
+              <a:rPr lang="pt-PT" b="1" dirty="0"/>
+            </a:br>
+            <a:endParaRPr lang="pt-PT" dirty="0"/>
+          </a:p>
+        </p:txBody>
+      </p:sp>
+      <p:sp>
+        <p:nvSpPr>
+          <p:cNvPr id="3" name="Marcador de Posição de Conteúdo 2">
+            <a:extLst>
+              <a:ext uri="{FF2B5EF4-FFF2-40B4-BE49-F238E27FC236}">
+                <a16:creationId xmlns:a16="http://schemas.microsoft.com/office/drawing/2014/main" id="{B6F6E931-32CD-4AEA-80BF-C747A13305A9}"/>
+              </a:ext>
+            </a:extLst>
+          </p:cNvPr>
           <p:cNvSpPr>
             <a:spLocks noGrp="1"/>
           </p:cNvSpPr>
@@ -5275,78 +5477,32 @@
         </p:nvSpPr>
         <p:spPr>
           <a:xfrm>
-            <a:off x="1451579" y="1846624"/>
-            <a:ext cx="9793937" cy="4345629"/>
-          </a:xfrm>
-        </p:spPr>
-        <p:txBody>
-          <a:bodyPr>
-            <a:normAutofit lnSpcReduction="10000"/>
-          </a:bodyPr>
-          <a:lstStyle/>
-          <a:p>
-            <a:r>
-              <a:rPr lang="pt-PT" sz="3000" b="1" dirty="0"/>
-              <a:t>Justificação da Migração</a:t>
-            </a:r>
-            <a:endParaRPr lang="pt-PT" sz="3000" dirty="0"/>
-          </a:p>
-          <a:p>
-            <a:r>
-              <a:rPr lang="pt-PT" sz="3000" b="1" dirty="0"/>
-              <a:t>Estrutura base do sistema </a:t>
-            </a:r>
-            <a:r>
-              <a:rPr lang="pt-PT" sz="3000" b="1" dirty="0" err="1"/>
-              <a:t>NoSQL</a:t>
-            </a:r>
-            <a:endParaRPr lang="pt-PT" sz="3000" b="1" dirty="0"/>
-          </a:p>
+            <a:off x="1053731" y="2415228"/>
+            <a:ext cx="9603275" cy="3450613"/>
+          </a:xfrm>
+        </p:spPr>
+        <p:txBody>
+          <a:bodyPr/>
+          <a:lstStyle/>
           <a:p>
             <a:pPr lvl="1"/>
             <a:r>
               <a:rPr lang="pt-PT" sz="2600" dirty="0"/>
-              <a:t>Utilizador;</a:t>
-            </a:r>
-            <a:endParaRPr lang="pt-PT" sz="3500" dirty="0"/>
+              <a:t>Extração</a:t>
+            </a:r>
           </a:p>
           <a:p>
             <a:pPr lvl="1"/>
             <a:r>
               <a:rPr lang="pt-PT" sz="2600" dirty="0"/>
-              <a:t>Produto;</a:t>
-            </a:r>
-            <a:endParaRPr lang="pt-PT" sz="3500" dirty="0"/>
+              <a:t>Transformação</a:t>
+            </a:r>
           </a:p>
           <a:p>
             <a:pPr lvl="1"/>
             <a:r>
               <a:rPr lang="pt-PT" sz="2600" dirty="0"/>
-              <a:t>Compra;</a:t>
-            </a:r>
-            <a:endParaRPr lang="pt-PT" sz="3500" dirty="0"/>
-          </a:p>
-          <a:p>
-            <a:pPr lvl="1"/>
-            <a:r>
-              <a:rPr lang="pt-PT" sz="2600" dirty="0"/>
-              <a:t>Carrinho;</a:t>
-            </a:r>
-            <a:endParaRPr lang="pt-PT" sz="3500" dirty="0"/>
-          </a:p>
-          <a:p>
-            <a:pPr lvl="1"/>
-            <a:r>
-              <a:rPr lang="pt-PT" sz="2600" dirty="0"/>
-              <a:t>MetodosPagamento;</a:t>
-            </a:r>
-            <a:endParaRPr lang="pt-PT" sz="3500" dirty="0"/>
-          </a:p>
-          <a:p>
-            <a:pPr lvl="1"/>
-            <a:r>
-              <a:rPr lang="pt-PT" sz="2600" dirty="0"/>
-              <a:t>Transporte;</a:t>
+              <a:t>Carregamento</a:t>
             </a:r>
           </a:p>
           <a:p>
@@ -5357,7 +5513,7 @@
     </p:spTree>
     <p:extLst>
       <p:ext uri="{BB962C8B-B14F-4D97-AF65-F5344CB8AC3E}">
-        <p14:creationId xmlns:p14="http://schemas.microsoft.com/office/powerpoint/2010/main" val="1941666973"/>
+        <p14:creationId xmlns:p14="http://schemas.microsoft.com/office/powerpoint/2010/main" val="3077738260"/>
       </p:ext>
     </p:extLst>
   </p:cSld>
